--- a/CapstoneProjects/Big Mountain Ski Resort/Docs/Project Slides.pptx
+++ b/CapstoneProjects/Big Mountain Ski Resort/Docs/Project Slides.pptx
@@ -2,22 +2,20 @@
 <file path=ppt/presentation.xml><?xml version="1.0" encoding="utf-8"?>
 <p:presentation xmlns:a="http://schemas.openxmlformats.org/drawingml/2006/main" xmlns:r="http://schemas.openxmlformats.org/officeDocument/2006/relationships" xmlns:mc="http://schemas.openxmlformats.org/markup-compatibility/2006" xmlns:mv="urn:schemas-microsoft-com:mac:vml" xmlns:p="http://schemas.openxmlformats.org/presentationml/2006/main" xmlns:c="http://schemas.openxmlformats.org/drawingml/2006/chart" xmlns:dgm="http://schemas.openxmlformats.org/drawingml/2006/diagram" xmlns:o="urn:schemas-microsoft-com:office:office" xmlns:v="urn:schemas-microsoft-com:vml" xmlns:pvml="urn:schemas-microsoft-com:office:powerpoint" xmlns:com="http://schemas.openxmlformats.org/drawingml/2006/compatibility" xmlns:p14="http://schemas.microsoft.com/office/powerpoint/2010/main" xmlns:p15="http://schemas.microsoft.com/office/powerpoint/2012/main" xmlns:ahyp="http://schemas.microsoft.com/office/drawing/2018/hyperlinkcolor" autoCompressPictures="0" strictFirstAndLastChars="0" saveSubsetFonts="1">
   <p:sldMasterIdLst>
-    <p:sldMasterId id="2147483659" r:id="rId4"/>
+    <p:sldMasterId id="2147483659" r:id="rId5"/>
   </p:sldMasterIdLst>
   <p:notesMasterIdLst>
-    <p:notesMasterId r:id="rId5"/>
+    <p:notesMasterId r:id="rId6"/>
   </p:notesMasterIdLst>
   <p:sldIdLst>
-    <p:sldId id="256" r:id="rId6"/>
-    <p:sldId id="257" r:id="rId7"/>
-    <p:sldId id="258" r:id="rId8"/>
-    <p:sldId id="259" r:id="rId9"/>
-    <p:sldId id="260" r:id="rId10"/>
-    <p:sldId id="261" r:id="rId11"/>
-    <p:sldId id="262" r:id="rId12"/>
-    <p:sldId id="263" r:id="rId13"/>
-    <p:sldId id="264" r:id="rId14"/>
-    <p:sldId id="265" r:id="rId15"/>
+    <p:sldId id="256" r:id="rId7"/>
+    <p:sldId id="257" r:id="rId8"/>
+    <p:sldId id="258" r:id="rId9"/>
+    <p:sldId id="259" r:id="rId10"/>
+    <p:sldId id="260" r:id="rId11"/>
+    <p:sldId id="261" r:id="rId12"/>
+    <p:sldId id="262" r:id="rId13"/>
+    <p:sldId id="263" r:id="rId14"/>
   </p:sldIdLst>
   <p:sldSz cy="5143500" cx="9144000"/>
   <p:notesSz cx="6858000" cy="9144000"/>
@@ -794,105 +792,6 @@
 </p:notes>
 </file>
 
-<file path=ppt/notesSlides/notesSlide10.xml><?xml version="1.0" encoding="utf-8"?>
-<p:notes xmlns:a="http://schemas.openxmlformats.org/drawingml/2006/main" xmlns:r="http://schemas.openxmlformats.org/officeDocument/2006/relationships" xmlns:mc="http://schemas.openxmlformats.org/markup-compatibility/2006" xmlns:mv="urn:schemas-microsoft-com:mac:vml" xmlns:p="http://schemas.openxmlformats.org/presentationml/2006/main" xmlns:c="http://schemas.openxmlformats.org/drawingml/2006/chart" xmlns:dgm="http://schemas.openxmlformats.org/drawingml/2006/diagram" xmlns:o="urn:schemas-microsoft-com:office:office" xmlns:v="urn:schemas-microsoft-com:vml" xmlns:pvml="urn:schemas-microsoft-com:office:powerpoint" xmlns:com="http://schemas.openxmlformats.org/drawingml/2006/compatibility" xmlns:p14="http://schemas.microsoft.com/office/powerpoint/2010/main" xmlns:p15="http://schemas.microsoft.com/office/powerpoint/2012/main" xmlns:ahyp="http://schemas.microsoft.com/office/drawing/2018/hyperlinkcolor" showMasterPhAnim="0" showMasterSp="0">
-  <p:cSld>
-    <p:spTree>
-      <p:nvGrpSpPr>
-        <p:cNvPr id="106" name="Shape 106"/>
-        <p:cNvGrpSpPr/>
-        <p:nvPr/>
-      </p:nvGrpSpPr>
-      <p:grpSpPr>
-        <a:xfrm>
-          <a:off x="0" y="0"/>
-          <a:ext cx="0" cy="0"/>
-          <a:chOff x="0" y="0"/>
-          <a:chExt cx="0" cy="0"/>
-        </a:xfrm>
-      </p:grpSpPr>
-      <p:sp>
-        <p:nvSpPr>
-          <p:cNvPr id="107" name="Google Shape;107;ge6584ab0eb_0_76:notes"/>
-          <p:cNvSpPr/>
-          <p:nvPr>
-            <p:ph idx="2" type="sldImg"/>
-          </p:nvPr>
-        </p:nvSpPr>
-        <p:spPr>
-          <a:xfrm>
-            <a:off x="381300" y="685800"/>
-            <a:ext cx="6096000" cy="3429000"/>
-          </a:xfrm>
-          <a:custGeom>
-            <a:rect b="b" l="l" r="r" t="t"/>
-            <a:pathLst>
-              <a:path extrusionOk="0" h="120000" w="120000">
-                <a:moveTo>
-                  <a:pt x="0" y="0"/>
-                </a:moveTo>
-                <a:lnTo>
-                  <a:pt x="120000" y="0"/>
-                </a:lnTo>
-                <a:lnTo>
-                  <a:pt x="120000" y="120000"/>
-                </a:lnTo>
-                <a:lnTo>
-                  <a:pt x="0" y="120000"/>
-                </a:lnTo>
-                <a:close/>
-              </a:path>
-            </a:pathLst>
-          </a:custGeom>
-        </p:spPr>
-      </p:sp>
-      <p:sp>
-        <p:nvSpPr>
-          <p:cNvPr id="108" name="Google Shape;108;ge6584ab0eb_0_76:notes"/>
-          <p:cNvSpPr txBox="1"/>
-          <p:nvPr>
-            <p:ph idx="1" type="body"/>
-          </p:nvPr>
-        </p:nvSpPr>
-        <p:spPr>
-          <a:xfrm>
-            <a:off x="685800" y="4343400"/>
-            <a:ext cx="5486400" cy="4114800"/>
-          </a:xfrm>
-          <a:prstGeom prst="rect">
-            <a:avLst/>
-          </a:prstGeom>
-        </p:spPr>
-        <p:txBody>
-          <a:bodyPr anchorCtr="0" anchor="t" bIns="91425" lIns="91425" spcFirstLastPara="1" rIns="91425" wrap="square" tIns="91425">
-            <a:noAutofit/>
-          </a:bodyPr>
-          <a:lstStyle/>
-          <a:p>
-            <a:pPr indent="0" lvl="0" marL="0" rtl="0" algn="l">
-              <a:spcBef>
-                <a:spcPts val="0"/>
-              </a:spcBef>
-              <a:spcAft>
-                <a:spcPts val="0"/>
-              </a:spcAft>
-              <a:buNone/>
-            </a:pPr>
-            <a:r>
-              <a:t/>
-            </a:r>
-            <a:endParaRPr/>
-          </a:p>
-        </p:txBody>
-      </p:sp>
-    </p:spTree>
-  </p:cSld>
-  <p:clrMapOvr>
-    <a:masterClrMapping/>
-  </p:clrMapOvr>
-</p:notes>
-</file>
-
 <file path=ppt/notesSlides/notesSlide2.xml><?xml version="1.0" encoding="utf-8"?>
 <p:notes xmlns:a="http://schemas.openxmlformats.org/drawingml/2006/main" xmlns:r="http://schemas.openxmlformats.org/officeDocument/2006/relationships" xmlns:mc="http://schemas.openxmlformats.org/markup-compatibility/2006" xmlns:mv="urn:schemas-microsoft-com:mac:vml" xmlns:p="http://schemas.openxmlformats.org/presentationml/2006/main" xmlns:c="http://schemas.openxmlformats.org/drawingml/2006/chart" xmlns:dgm="http://schemas.openxmlformats.org/drawingml/2006/diagram" xmlns:o="urn:schemas-microsoft-com:office:office" xmlns:v="urn:schemas-microsoft-com:vml" xmlns:pvml="urn:schemas-microsoft-com:office:powerpoint" xmlns:com="http://schemas.openxmlformats.org/drawingml/2006/compatibility" xmlns:p14="http://schemas.microsoft.com/office/powerpoint/2010/main" xmlns:p15="http://schemas.microsoft.com/office/powerpoint/2012/main" xmlns:ahyp="http://schemas.microsoft.com/office/drawing/2018/hyperlinkcolor" showMasterPhAnim="0" showMasterSp="0">
   <p:cSld>
@@ -1195,7 +1094,7 @@
   <p:cSld>
     <p:spTree>
       <p:nvGrpSpPr>
-        <p:cNvPr id="73" name="Shape 73"/>
+        <p:cNvPr id="74" name="Shape 74"/>
         <p:cNvGrpSpPr/>
         <p:nvPr/>
       </p:nvGrpSpPr>
@@ -1209,7 +1108,7 @@
       </p:grpSpPr>
       <p:sp>
         <p:nvSpPr>
-          <p:cNvPr id="74" name="Google Shape;74;ge6584ab0eb_0_52:notes"/>
+          <p:cNvPr id="75" name="Google Shape;75;ge6584d1b6e_0_12:notes"/>
           <p:cNvSpPr/>
           <p:nvPr>
             <p:ph idx="2" type="sldImg"/>
@@ -1244,7 +1143,7 @@
       </p:sp>
       <p:sp>
         <p:nvSpPr>
-          <p:cNvPr id="75" name="Google Shape;75;ge6584ab0eb_0_52:notes"/>
+          <p:cNvPr id="76" name="Google Shape;76;ge6584d1b6e_0_12:notes"/>
           <p:cNvSpPr txBox="1"/>
           <p:nvPr>
             <p:ph idx="1" type="body"/>
@@ -1294,7 +1193,7 @@
   <p:cSld>
     <p:spTree>
       <p:nvGrpSpPr>
-        <p:cNvPr id="79" name="Shape 79"/>
+        <p:cNvPr id="82" name="Shape 82"/>
         <p:cNvGrpSpPr/>
         <p:nvPr/>
       </p:nvGrpSpPr>
@@ -1308,7 +1207,7 @@
       </p:grpSpPr>
       <p:sp>
         <p:nvSpPr>
-          <p:cNvPr id="80" name="Google Shape;80;ge6584ab0eb_0_44:notes"/>
+          <p:cNvPr id="83" name="Google Shape;83;ge6584ab0eb_0_44:notes"/>
           <p:cNvSpPr/>
           <p:nvPr>
             <p:ph idx="2" type="sldImg"/>
@@ -1343,7 +1242,7 @@
       </p:sp>
       <p:sp>
         <p:nvSpPr>
-          <p:cNvPr id="81" name="Google Shape;81;ge6584ab0eb_0_44:notes"/>
+          <p:cNvPr id="84" name="Google Shape;84;ge6584ab0eb_0_44:notes"/>
           <p:cNvSpPr txBox="1"/>
           <p:nvPr>
             <p:ph idx="1" type="body"/>
@@ -1393,7 +1292,7 @@
   <p:cSld>
     <p:spTree>
       <p:nvGrpSpPr>
-        <p:cNvPr id="86" name="Shape 86"/>
+        <p:cNvPr id="93" name="Shape 93"/>
         <p:cNvGrpSpPr/>
         <p:nvPr/>
       </p:nvGrpSpPr>
@@ -1407,7 +1306,7 @@
       </p:grpSpPr>
       <p:sp>
         <p:nvSpPr>
-          <p:cNvPr id="87" name="Google Shape;87;ge6584ab0eb_0_14:notes"/>
+          <p:cNvPr id="94" name="Google Shape;94;ge6584ab0eb_0_63:notes"/>
           <p:cNvSpPr/>
           <p:nvPr>
             <p:ph idx="2" type="sldImg"/>
@@ -1442,7 +1341,7 @@
       </p:sp>
       <p:sp>
         <p:nvSpPr>
-          <p:cNvPr id="88" name="Google Shape;88;ge6584ab0eb_0_14:notes"/>
+          <p:cNvPr id="95" name="Google Shape;95;ge6584ab0eb_0_63:notes"/>
           <p:cNvSpPr txBox="1"/>
           <p:nvPr>
             <p:ph idx="1" type="body"/>
@@ -1492,7 +1391,7 @@
   <p:cSld>
     <p:spTree>
       <p:nvGrpSpPr>
-        <p:cNvPr id="93" name="Shape 93"/>
+        <p:cNvPr id="99" name="Shape 99"/>
         <p:cNvGrpSpPr/>
         <p:nvPr/>
       </p:nvGrpSpPr>
@@ -1506,7 +1405,7 @@
       </p:grpSpPr>
       <p:sp>
         <p:nvSpPr>
-          <p:cNvPr id="94" name="Google Shape;94;ge6584ab0eb_0_19:notes"/>
+          <p:cNvPr id="100" name="Google Shape;100;ge6584ab0eb_0_76:notes"/>
           <p:cNvSpPr/>
           <p:nvPr>
             <p:ph idx="2" type="sldImg"/>
@@ -1541,106 +1440,7 @@
       </p:sp>
       <p:sp>
         <p:nvSpPr>
-          <p:cNvPr id="95" name="Google Shape;95;ge6584ab0eb_0_19:notes"/>
-          <p:cNvSpPr txBox="1"/>
-          <p:nvPr>
-            <p:ph idx="1" type="body"/>
-          </p:nvPr>
-        </p:nvSpPr>
-        <p:spPr>
-          <a:xfrm>
-            <a:off x="685800" y="4343400"/>
-            <a:ext cx="5486400" cy="4114800"/>
-          </a:xfrm>
-          <a:prstGeom prst="rect">
-            <a:avLst/>
-          </a:prstGeom>
-        </p:spPr>
-        <p:txBody>
-          <a:bodyPr anchorCtr="0" anchor="t" bIns="91425" lIns="91425" spcFirstLastPara="1" rIns="91425" wrap="square" tIns="91425">
-            <a:noAutofit/>
-          </a:bodyPr>
-          <a:lstStyle/>
-          <a:p>
-            <a:pPr indent="0" lvl="0" marL="0" rtl="0" algn="l">
-              <a:spcBef>
-                <a:spcPts val="0"/>
-              </a:spcBef>
-              <a:spcAft>
-                <a:spcPts val="0"/>
-              </a:spcAft>
-              <a:buNone/>
-            </a:pPr>
-            <a:r>
-              <a:t/>
-            </a:r>
-            <a:endParaRPr/>
-          </a:p>
-        </p:txBody>
-      </p:sp>
-    </p:spTree>
-  </p:cSld>
-  <p:clrMapOvr>
-    <a:masterClrMapping/>
-  </p:clrMapOvr>
-</p:notes>
-</file>
-
-<file path=ppt/notesSlides/notesSlide9.xml><?xml version="1.0" encoding="utf-8"?>
-<p:notes xmlns:a="http://schemas.openxmlformats.org/drawingml/2006/main" xmlns:r="http://schemas.openxmlformats.org/officeDocument/2006/relationships" xmlns:mc="http://schemas.openxmlformats.org/markup-compatibility/2006" xmlns:mv="urn:schemas-microsoft-com:mac:vml" xmlns:p="http://schemas.openxmlformats.org/presentationml/2006/main" xmlns:c="http://schemas.openxmlformats.org/drawingml/2006/chart" xmlns:dgm="http://schemas.openxmlformats.org/drawingml/2006/diagram" xmlns:o="urn:schemas-microsoft-com:office:office" xmlns:v="urn:schemas-microsoft-com:vml" xmlns:pvml="urn:schemas-microsoft-com:office:powerpoint" xmlns:com="http://schemas.openxmlformats.org/drawingml/2006/compatibility" xmlns:p14="http://schemas.microsoft.com/office/powerpoint/2010/main" xmlns:p15="http://schemas.microsoft.com/office/powerpoint/2012/main" xmlns:ahyp="http://schemas.microsoft.com/office/drawing/2018/hyperlinkcolor" showMasterPhAnim="0" showMasterSp="0">
-  <p:cSld>
-    <p:spTree>
-      <p:nvGrpSpPr>
-        <p:cNvPr id="100" name="Shape 100"/>
-        <p:cNvGrpSpPr/>
-        <p:nvPr/>
-      </p:nvGrpSpPr>
-      <p:grpSpPr>
-        <a:xfrm>
-          <a:off x="0" y="0"/>
-          <a:ext cx="0" cy="0"/>
-          <a:chOff x="0" y="0"/>
-          <a:chExt cx="0" cy="0"/>
-        </a:xfrm>
-      </p:grpSpPr>
-      <p:sp>
-        <p:nvSpPr>
-          <p:cNvPr id="101" name="Google Shape;101;ge6584ab0eb_0_63:notes"/>
-          <p:cNvSpPr/>
-          <p:nvPr>
-            <p:ph idx="2" type="sldImg"/>
-          </p:nvPr>
-        </p:nvSpPr>
-        <p:spPr>
-          <a:xfrm>
-            <a:off x="381300" y="685800"/>
-            <a:ext cx="6096000" cy="3429000"/>
-          </a:xfrm>
-          <a:custGeom>
-            <a:rect b="b" l="l" r="r" t="t"/>
-            <a:pathLst>
-              <a:path extrusionOk="0" h="120000" w="120000">
-                <a:moveTo>
-                  <a:pt x="0" y="0"/>
-                </a:moveTo>
-                <a:lnTo>
-                  <a:pt x="120000" y="0"/>
-                </a:lnTo>
-                <a:lnTo>
-                  <a:pt x="120000" y="120000"/>
-                </a:lnTo>
-                <a:lnTo>
-                  <a:pt x="0" y="120000"/>
-                </a:lnTo>
-                <a:close/>
-              </a:path>
-            </a:pathLst>
-          </a:custGeom>
-        </p:spPr>
-      </p:sp>
-      <p:sp>
-        <p:nvSpPr>
-          <p:cNvPr id="102" name="Google Shape;102;ge6584ab0eb_0_63:notes"/>
+          <p:cNvPr id="101" name="Google Shape;101;ge6584ab0eb_0_76:notes"/>
           <p:cNvSpPr txBox="1"/>
           <p:nvPr>
             <p:ph idx="1" type="body"/>
@@ -6340,7 +6140,7 @@
     <p:bg>
       <p:bgPr>
         <a:solidFill>
-          <a:srgbClr val="A4C2F4"/>
+          <a:srgbClr val="CCCCCC"/>
         </a:solidFill>
       </p:bgPr>
     </p:bg>
@@ -6494,351 +6294,13 @@
 </p:sld>
 </file>
 
-<file path=ppt/slides/slide10.xml><?xml version="1.0" encoding="utf-8"?>
-<p:sld xmlns:a="http://schemas.openxmlformats.org/drawingml/2006/main" xmlns:r="http://schemas.openxmlformats.org/officeDocument/2006/relationships" xmlns:mc="http://schemas.openxmlformats.org/markup-compatibility/2006" xmlns:mv="urn:schemas-microsoft-com:mac:vml" xmlns:p="http://schemas.openxmlformats.org/presentationml/2006/main" xmlns:c="http://schemas.openxmlformats.org/drawingml/2006/chart" xmlns:dgm="http://schemas.openxmlformats.org/drawingml/2006/diagram" xmlns:o="urn:schemas-microsoft-com:office:office" xmlns:v="urn:schemas-microsoft-com:vml" xmlns:pvml="urn:schemas-microsoft-com:office:powerpoint" xmlns:com="http://schemas.openxmlformats.org/drawingml/2006/compatibility" xmlns:p14="http://schemas.microsoft.com/office/powerpoint/2010/main" xmlns:p15="http://schemas.microsoft.com/office/powerpoint/2012/main" xmlns:ahyp="http://schemas.microsoft.com/office/drawing/2018/hyperlinkcolor">
-  <p:cSld>
-    <p:bg>
-      <p:bgPr>
-        <a:solidFill>
-          <a:srgbClr val="A4C2F4"/>
-        </a:solidFill>
-      </p:bgPr>
-    </p:bg>
-    <p:spTree>
-      <p:nvGrpSpPr>
-        <p:cNvPr id="109" name="Shape 109"/>
-        <p:cNvGrpSpPr/>
-        <p:nvPr/>
-      </p:nvGrpSpPr>
-      <p:grpSpPr>
-        <a:xfrm>
-          <a:off x="0" y="0"/>
-          <a:ext cx="0" cy="0"/>
-          <a:chOff x="0" y="0"/>
-          <a:chExt cx="0" cy="0"/>
-        </a:xfrm>
-      </p:grpSpPr>
-      <p:sp>
-        <p:nvSpPr>
-          <p:cNvPr id="110" name="Google Shape;110;p22"/>
-          <p:cNvSpPr txBox="1"/>
-          <p:nvPr>
-            <p:ph type="title"/>
-          </p:nvPr>
-        </p:nvSpPr>
-        <p:spPr>
-          <a:xfrm>
-            <a:off x="311700" y="445025"/>
-            <a:ext cx="8520600" cy="572700"/>
-          </a:xfrm>
-          <a:prstGeom prst="rect">
-            <a:avLst/>
-          </a:prstGeom>
-        </p:spPr>
-        <p:txBody>
-          <a:bodyPr anchorCtr="0" anchor="t" bIns="91425" lIns="91425" spcFirstLastPara="1" rIns="91425" wrap="square" tIns="91425">
-            <a:normAutofit fontScale="90000"/>
-          </a:bodyPr>
-          <a:lstStyle/>
-          <a:p>
-            <a:pPr indent="0" lvl="0" marL="0" rtl="0" algn="l">
-              <a:spcBef>
-                <a:spcPts val="0"/>
-              </a:spcBef>
-              <a:spcAft>
-                <a:spcPts val="0"/>
-              </a:spcAft>
-              <a:buNone/>
-            </a:pPr>
-            <a:r>
-              <a:rPr lang="en" sz="3000">
-                <a:latin typeface="Oswald"/>
-                <a:ea typeface="Oswald"/>
-                <a:cs typeface="Oswald"/>
-                <a:sym typeface="Oswald"/>
-              </a:rPr>
-              <a:t>Conclusion</a:t>
-            </a:r>
-            <a:endParaRPr/>
-          </a:p>
-        </p:txBody>
-      </p:sp>
-      <p:sp>
-        <p:nvSpPr>
-          <p:cNvPr id="111" name="Google Shape;111;p22"/>
-          <p:cNvSpPr txBox="1"/>
-          <p:nvPr>
-            <p:ph idx="1" type="body"/>
-          </p:nvPr>
-        </p:nvSpPr>
-        <p:spPr>
-          <a:xfrm>
-            <a:off x="311700" y="1152475"/>
-            <a:ext cx="8520600" cy="3416400"/>
-          </a:xfrm>
-          <a:prstGeom prst="rect">
-            <a:avLst/>
-          </a:prstGeom>
-        </p:spPr>
-        <p:txBody>
-          <a:bodyPr anchorCtr="0" anchor="t" bIns="91425" lIns="91425" spcFirstLastPara="1" rIns="91425" wrap="square" tIns="91425">
-            <a:normAutofit fontScale="85000" lnSpcReduction="10000"/>
-          </a:bodyPr>
-          <a:lstStyle/>
-          <a:p>
-            <a:pPr indent="0" lvl="0" marL="457200" rtl="0" algn="just">
-              <a:spcBef>
-                <a:spcPts val="0"/>
-              </a:spcBef>
-              <a:spcAft>
-                <a:spcPts val="0"/>
-              </a:spcAft>
-              <a:buNone/>
-            </a:pPr>
-            <a:r>
-              <a:rPr lang="en">
-                <a:solidFill>
-                  <a:schemeClr val="dk1"/>
-                </a:solidFill>
-              </a:rPr>
-              <a:t>The best scenario where we managed to gain the highest revenue increase possible was by  -</a:t>
-            </a:r>
-            <a:endParaRPr>
-              <a:solidFill>
-                <a:schemeClr val="dk1"/>
-              </a:solidFill>
-            </a:endParaRPr>
-          </a:p>
-          <a:p>
-            <a:pPr indent="-325755" lvl="0" marL="914400" rtl="0" algn="just">
-              <a:spcBef>
-                <a:spcPts val="0"/>
-              </a:spcBef>
-              <a:spcAft>
-                <a:spcPts val="0"/>
-              </a:spcAft>
-              <a:buClr>
-                <a:schemeClr val="dk1"/>
-              </a:buClr>
-              <a:buSzPct val="100000"/>
-              <a:buChar char="●"/>
-            </a:pPr>
-            <a:r>
-              <a:rPr lang="en">
-                <a:solidFill>
-                  <a:schemeClr val="dk1"/>
-                </a:solidFill>
-              </a:rPr>
-              <a:t>adding one run and adding </a:t>
-            </a:r>
-            <a:endParaRPr>
-              <a:solidFill>
-                <a:schemeClr val="dk1"/>
-              </a:solidFill>
-            </a:endParaRPr>
-          </a:p>
-          <a:p>
-            <a:pPr indent="-325755" lvl="0" marL="914400" rtl="0" algn="just">
-              <a:spcBef>
-                <a:spcPts val="0"/>
-              </a:spcBef>
-              <a:spcAft>
-                <a:spcPts val="0"/>
-              </a:spcAft>
-              <a:buClr>
-                <a:schemeClr val="dk1"/>
-              </a:buClr>
-              <a:buSzPct val="100000"/>
-              <a:buChar char="●"/>
-            </a:pPr>
-            <a:r>
-              <a:rPr lang="en">
-                <a:solidFill>
-                  <a:schemeClr val="dk1"/>
-                </a:solidFill>
-              </a:rPr>
-              <a:t>2 acres of snow making cover</a:t>
-            </a:r>
-            <a:endParaRPr>
-              <a:solidFill>
-                <a:schemeClr val="dk1"/>
-              </a:solidFill>
-            </a:endParaRPr>
-          </a:p>
-          <a:p>
-            <a:pPr indent="-325755" lvl="0" marL="914400" rtl="0" algn="just">
-              <a:spcBef>
-                <a:spcPts val="0"/>
-              </a:spcBef>
-              <a:spcAft>
-                <a:spcPts val="0"/>
-              </a:spcAft>
-              <a:buClr>
-                <a:schemeClr val="dk1"/>
-              </a:buClr>
-              <a:buSzPct val="100000"/>
-              <a:buChar char="●"/>
-            </a:pPr>
-            <a:r>
-              <a:rPr lang="en">
-                <a:solidFill>
-                  <a:schemeClr val="dk1"/>
-                </a:solidFill>
-              </a:rPr>
-              <a:t>increasing the vertical drop by 150 ft</a:t>
-            </a:r>
-            <a:endParaRPr>
-              <a:solidFill>
-                <a:schemeClr val="dk1"/>
-              </a:solidFill>
-            </a:endParaRPr>
-          </a:p>
-          <a:p>
-            <a:pPr indent="-325755" lvl="0" marL="914400" rtl="0" algn="just">
-              <a:spcBef>
-                <a:spcPts val="0"/>
-              </a:spcBef>
-              <a:spcAft>
-                <a:spcPts val="0"/>
-              </a:spcAft>
-              <a:buClr>
-                <a:schemeClr val="dk1"/>
-              </a:buClr>
-              <a:buSzPct val="100000"/>
-              <a:buChar char="●"/>
-            </a:pPr>
-            <a:r>
-              <a:rPr lang="en">
-                <a:solidFill>
-                  <a:schemeClr val="dk1"/>
-                </a:solidFill>
-              </a:rPr>
-              <a:t>adding one Chair Lift</a:t>
-            </a:r>
-            <a:endParaRPr>
-              <a:solidFill>
-                <a:schemeClr val="dk1"/>
-              </a:solidFill>
-            </a:endParaRPr>
-          </a:p>
-          <a:p>
-            <a:pPr indent="0" lvl="0" marL="457200" rtl="0" algn="just">
-              <a:spcBef>
-                <a:spcPts val="0"/>
-              </a:spcBef>
-              <a:spcAft>
-                <a:spcPts val="0"/>
-              </a:spcAft>
-              <a:buNone/>
-            </a:pPr>
-            <a:r>
-              <a:t/>
-            </a:r>
-            <a:endParaRPr>
-              <a:solidFill>
-                <a:schemeClr val="dk1"/>
-              </a:solidFill>
-            </a:endParaRPr>
-          </a:p>
-          <a:p>
-            <a:pPr indent="0" lvl="0" marL="457200" rtl="0" algn="just">
-              <a:spcBef>
-                <a:spcPts val="0"/>
-              </a:spcBef>
-              <a:spcAft>
-                <a:spcPts val="0"/>
-              </a:spcAft>
-              <a:buNone/>
-            </a:pPr>
-            <a:r>
-              <a:rPr lang="en">
-                <a:solidFill>
-                  <a:schemeClr val="dk1"/>
-                </a:solidFill>
-              </a:rPr>
-              <a:t>This scenario has increased ticket price by 12% from $81 to $94.66, resulting in a bottom-line increase by $15,528,841 (After deducting operating costs = $1.54M).</a:t>
-            </a:r>
-            <a:endParaRPr>
-              <a:solidFill>
-                <a:schemeClr val="dk1"/>
-              </a:solidFill>
-            </a:endParaRPr>
-          </a:p>
-          <a:p>
-            <a:pPr indent="0" lvl="0" marL="0" rtl="0" algn="just">
-              <a:spcBef>
-                <a:spcPts val="0"/>
-              </a:spcBef>
-              <a:spcAft>
-                <a:spcPts val="0"/>
-              </a:spcAft>
-              <a:buNone/>
-            </a:pPr>
-            <a:r>
-              <a:t/>
-            </a:r>
-            <a:endParaRPr>
-              <a:solidFill>
-                <a:schemeClr val="dk1"/>
-              </a:solidFill>
-            </a:endParaRPr>
-          </a:p>
-          <a:p>
-            <a:pPr indent="0" lvl="0" marL="457200" rtl="0" algn="just">
-              <a:spcBef>
-                <a:spcPts val="0"/>
-              </a:spcBef>
-              <a:spcAft>
-                <a:spcPts val="0"/>
-              </a:spcAft>
-              <a:buNone/>
-            </a:pPr>
-            <a:r>
-              <a:rPr lang="en">
-                <a:solidFill>
-                  <a:schemeClr val="dk1"/>
-                </a:solidFill>
-              </a:rPr>
-              <a:t>Because of lack of data on operating cost per used run and weekdays ticket price, model cannot recommend closing down used runs.</a:t>
-            </a:r>
-            <a:endParaRPr>
-              <a:solidFill>
-                <a:schemeClr val="dk1"/>
-              </a:solidFill>
-            </a:endParaRPr>
-          </a:p>
-          <a:p>
-            <a:pPr indent="0" lvl="0" marL="0" rtl="0" algn="l">
-              <a:spcBef>
-                <a:spcPts val="0"/>
-              </a:spcBef>
-              <a:spcAft>
-                <a:spcPts val="1200"/>
-              </a:spcAft>
-              <a:buNone/>
-            </a:pPr>
-            <a:r>
-              <a:t/>
-            </a:r>
-            <a:endParaRPr/>
-          </a:p>
-        </p:txBody>
-      </p:sp>
-    </p:spTree>
-  </p:cSld>
-  <p:clrMapOvr>
-    <a:masterClrMapping/>
-  </p:clrMapOvr>
-</p:sld>
-</file>
-
 <file path=ppt/slides/slide2.xml><?xml version="1.0" encoding="utf-8"?>
 <p:sld xmlns:a="http://schemas.openxmlformats.org/drawingml/2006/main" xmlns:r="http://schemas.openxmlformats.org/officeDocument/2006/relationships" xmlns:mc="http://schemas.openxmlformats.org/markup-compatibility/2006" xmlns:mv="urn:schemas-microsoft-com:mac:vml" xmlns:p="http://schemas.openxmlformats.org/presentationml/2006/main" xmlns:c="http://schemas.openxmlformats.org/drawingml/2006/chart" xmlns:dgm="http://schemas.openxmlformats.org/drawingml/2006/diagram" xmlns:o="urn:schemas-microsoft-com:office:office" xmlns:v="urn:schemas-microsoft-com:vml" xmlns:pvml="urn:schemas-microsoft-com:office:powerpoint" xmlns:com="http://schemas.openxmlformats.org/drawingml/2006/compatibility" xmlns:p14="http://schemas.microsoft.com/office/powerpoint/2010/main" xmlns:p15="http://schemas.microsoft.com/office/powerpoint/2012/main" xmlns:ahyp="http://schemas.microsoft.com/office/drawing/2018/hyperlinkcolor">
   <p:cSld>
     <p:bg>
       <p:bgPr>
         <a:solidFill>
-          <a:srgbClr val="A4C2F4"/>
+          <a:srgbClr val="CCCCCC"/>
         </a:solidFill>
       </p:bgPr>
     </p:bg>
@@ -7110,7 +6572,7 @@
                   <a:schemeClr val="dk1"/>
                 </a:solidFill>
               </a:rPr>
-              <a:t>A machine learning model needs to be built using a rich ski-resort dataset of different competitors</a:t>
+              <a:t>A predictive analysis need to be made on rich ski-resort dataset of different competitors</a:t>
             </a:r>
             <a:endParaRPr>
               <a:solidFill>
@@ -7149,7 +6611,7 @@
     <p:bg>
       <p:bgPr>
         <a:solidFill>
-          <a:srgbClr val="A4C2F4"/>
+          <a:srgbClr val="CCCCCC"/>
         </a:solidFill>
       </p:bgPr>
     </p:bg>
@@ -7333,7 +6795,7 @@
             </a:endParaRPr>
           </a:p>
           <a:p>
-            <a:pPr indent="-342900" lvl="0" marL="457200" rtl="0" algn="l">
+            <a:pPr indent="0" lvl="0" marL="457200" rtl="0" algn="l">
               <a:lnSpc>
                 <a:spcPct val="115000"/>
               </a:lnSpc>
@@ -7343,19 +6805,10 @@
               <a:spcAft>
                 <a:spcPts val="0"/>
               </a:spcAft>
-              <a:buClr>
-                <a:schemeClr val="dk1"/>
-              </a:buClr>
-              <a:buSzPts val="1800"/>
-              <a:buChar char="●"/>
+              <a:buNone/>
             </a:pPr>
             <a:r>
-              <a:rPr lang="en">
-                <a:solidFill>
-                  <a:schemeClr val="dk1"/>
-                </a:solidFill>
-              </a:rPr>
-              <a:t>A machine learning model needs to be built using a rich ski-resort dataset of different competitors</a:t>
+              <a:t/>
             </a:r>
             <a:endParaRPr>
               <a:solidFill>
@@ -7394,7 +6847,7 @@
     <p:bg>
       <p:bgPr>
         <a:solidFill>
-          <a:srgbClr val="A4C2F4"/>
+          <a:srgbClr val="CCCCCC"/>
         </a:solidFill>
       </p:bgPr>
     </p:bg>
@@ -7472,8 +6925,8 @@
         </p:nvSpPr>
         <p:spPr>
           <a:xfrm>
-            <a:off x="311700" y="1152475"/>
-            <a:ext cx="8520600" cy="3416400"/>
+            <a:off x="311700" y="908825"/>
+            <a:ext cx="3985500" cy="3416400"/>
           </a:xfrm>
           <a:prstGeom prst="rect">
             <a:avLst/>
@@ -7481,7 +6934,7 @@
         </p:spPr>
         <p:txBody>
           <a:bodyPr anchorCtr="0" anchor="t" bIns="91425" lIns="91425" spcFirstLastPara="1" rIns="91425" wrap="square" tIns="91425">
-            <a:normAutofit fontScale="77500" lnSpcReduction="10000"/>
+            <a:normAutofit fontScale="62500"/>
           </a:bodyPr>
           <a:lstStyle/>
           <a:p>
@@ -7503,7 +6956,7 @@
                   <a:schemeClr val="dk1"/>
                 </a:solidFill>
               </a:rPr>
-              <a:t>The most important facilities are :</a:t>
+              <a:t>The most important features are :</a:t>
             </a:r>
             <a:endParaRPr>
               <a:solidFill>
@@ -7512,7 +6965,7 @@
             </a:endParaRPr>
           </a:p>
           <a:p>
-            <a:pPr indent="-297497" lvl="0" marL="457200" rtl="0" algn="l">
+            <a:pPr indent="-284162" lvl="0" marL="457200" rtl="0" algn="l">
               <a:lnSpc>
                 <a:spcPct val="115000"/>
               </a:lnSpc>
@@ -7543,7 +6996,7 @@
             </a:endParaRPr>
           </a:p>
           <a:p>
-            <a:pPr indent="-297497" lvl="0" marL="457200" rtl="0" algn="l">
+            <a:pPr indent="-284162" lvl="0" marL="457200" rtl="0" algn="l">
               <a:lnSpc>
                 <a:spcPct val="115000"/>
               </a:lnSpc>
@@ -7574,7 +7027,7 @@
             </a:endParaRPr>
           </a:p>
           <a:p>
-            <a:pPr indent="-297497" lvl="0" marL="457200" rtl="0" algn="l">
+            <a:pPr indent="-284162" lvl="0" marL="457200" rtl="0" algn="l">
               <a:lnSpc>
                 <a:spcPct val="115000"/>
               </a:lnSpc>
@@ -7605,7 +7058,7 @@
             </a:endParaRPr>
           </a:p>
           <a:p>
-            <a:pPr indent="-297497" lvl="0" marL="457200" rtl="0" algn="l">
+            <a:pPr indent="-284162" lvl="0" marL="457200" rtl="0" algn="l">
               <a:lnSpc>
                 <a:spcPct val="115000"/>
               </a:lnSpc>
@@ -7636,7 +7089,7 @@
             </a:endParaRPr>
           </a:p>
           <a:p>
-            <a:pPr indent="-297497" lvl="0" marL="457200" rtl="0" algn="l">
+            <a:pPr indent="-284162" lvl="0" marL="457200" rtl="0" algn="l">
               <a:lnSpc>
                 <a:spcPct val="115000"/>
               </a:lnSpc>
@@ -7667,7 +7120,7 @@
             </a:endParaRPr>
           </a:p>
           <a:p>
-            <a:pPr indent="-297497" lvl="0" marL="457200" rtl="0" algn="l">
+            <a:pPr indent="-284162" lvl="0" marL="457200" rtl="0" algn="l">
               <a:lnSpc>
                 <a:spcPct val="115000"/>
               </a:lnSpc>
@@ -7698,7 +7151,7 @@
             </a:endParaRPr>
           </a:p>
           <a:p>
-            <a:pPr indent="-297497" lvl="0" marL="457200" rtl="0" algn="l">
+            <a:pPr indent="-284162" lvl="0" marL="457200" rtl="0" algn="l">
               <a:lnSpc>
                 <a:spcPct val="115000"/>
               </a:lnSpc>
@@ -7729,7 +7182,7 @@
             </a:endParaRPr>
           </a:p>
           <a:p>
-            <a:pPr indent="-297497" lvl="0" marL="457200" rtl="0" algn="l">
+            <a:pPr indent="-284162" lvl="0" marL="457200" rtl="0" algn="l">
               <a:lnSpc>
                 <a:spcPct val="115000"/>
               </a:lnSpc>
@@ -7827,9 +7280,17 @@
                   <a:schemeClr val="dk1"/>
                 </a:solidFill>
               </a:rPr>
-              <a:t>Big Mountain is underpricing their tickets by around $10</a:t>
+              <a:t>Big Mountain is underpricing their tickets by around </a:t>
             </a:r>
-            <a:endParaRPr>
+            <a:r>
+              <a:rPr b="1" lang="en">
+                <a:solidFill>
+                  <a:schemeClr val="dk1"/>
+                </a:solidFill>
+              </a:rPr>
+              <a:t>$10</a:t>
+            </a:r>
+            <a:endParaRPr b="1">
               <a:solidFill>
                 <a:schemeClr val="dk1"/>
               </a:solidFill>
@@ -7871,14 +7332,14 @@
               <a:buNone/>
             </a:pPr>
             <a:r>
-              <a:rPr lang="en">
+              <a:rPr b="1" lang="en">
                 <a:solidFill>
                   <a:schemeClr val="dk1"/>
                 </a:solidFill>
               </a:rPr>
               <a:t>Increasing the length of the longest run or increasing snow coverage area has minimal impact on revenue</a:t>
             </a:r>
-            <a:endParaRPr>
+            <a:endParaRPr b="1">
               <a:solidFill>
                 <a:schemeClr val="dk1"/>
               </a:solidFill>
@@ -7928,6 +7389,34 @@
           </a:p>
         </p:txBody>
       </p:sp>
+      <p:pic>
+        <p:nvPicPr>
+          <p:cNvPr id="73" name="Google Shape;73;p16"/>
+          <p:cNvPicPr preferRelativeResize="0"/>
+          <p:nvPr/>
+        </p:nvPicPr>
+        <p:blipFill>
+          <a:blip r:embed="rId3">
+            <a:alphaModFix/>
+          </a:blip>
+          <a:stretch>
+            <a:fillRect/>
+          </a:stretch>
+        </p:blipFill>
+        <p:spPr>
+          <a:xfrm>
+            <a:off x="4572000" y="1017725"/>
+            <a:ext cx="4322626" cy="3315750"/>
+          </a:xfrm>
+          <a:prstGeom prst="rect">
+            <a:avLst/>
+          </a:prstGeom>
+          <a:noFill/>
+          <a:ln>
+            <a:noFill/>
+          </a:ln>
+        </p:spPr>
+      </p:pic>
     </p:spTree>
   </p:cSld>
   <p:clrMapOvr>
@@ -7942,13 +7431,13 @@
     <p:bg>
       <p:bgPr>
         <a:solidFill>
-          <a:srgbClr val="A4C2F4"/>
+          <a:srgbClr val="CCCCCC"/>
         </a:solidFill>
       </p:bgPr>
     </p:bg>
     <p:spTree>
       <p:nvGrpSpPr>
-        <p:cNvPr id="76" name="Shape 76"/>
+        <p:cNvPr id="77" name="Shape 77"/>
         <p:cNvGrpSpPr/>
         <p:nvPr/>
       </p:nvGrpSpPr>
@@ -7962,7 +7451,7 @@
       </p:grpSpPr>
       <p:sp>
         <p:nvSpPr>
-          <p:cNvPr id="77" name="Google Shape;77;p17"/>
+          <p:cNvPr id="78" name="Google Shape;78;p17"/>
           <p:cNvSpPr txBox="1"/>
           <p:nvPr>
             <p:ph type="title"/>
@@ -7971,7 +7460,7 @@
         <p:spPr>
           <a:xfrm>
             <a:off x="311700" y="445025"/>
-            <a:ext cx="8520600" cy="572700"/>
+            <a:ext cx="8520600" cy="426600"/>
           </a:xfrm>
           <a:prstGeom prst="rect">
             <a:avLst/>
@@ -8019,21 +7508,13 @@
             <a:r>
               <a:t/>
             </a:r>
-            <a:endParaRPr sz="3000">
-              <a:solidFill>
-                <a:srgbClr val="FFFFFF"/>
-              </a:solidFill>
-              <a:latin typeface="Oswald"/>
-              <a:ea typeface="Oswald"/>
-              <a:cs typeface="Oswald"/>
-              <a:sym typeface="Oswald"/>
-            </a:endParaRPr>
+            <a:endParaRPr/>
           </a:p>
         </p:txBody>
       </p:sp>
       <p:sp>
         <p:nvSpPr>
-          <p:cNvPr id="78" name="Google Shape;78;p17"/>
+          <p:cNvPr id="79" name="Google Shape;79;p17"/>
           <p:cNvSpPr txBox="1"/>
           <p:nvPr>
             <p:ph idx="1" type="body"/>
@@ -8090,6 +7571,11 @@
               <a:spcAft>
                 <a:spcPts val="0"/>
               </a:spcAft>
+              <a:buClr>
+                <a:schemeClr val="dk1"/>
+              </a:buClr>
+              <a:buSzPts val="1100"/>
+              <a:buFont typeface="Arial"/>
               <a:buNone/>
             </a:pPr>
             <a:r>
@@ -8108,196 +7594,209 @@
               </a:rPr>
               <a:t>up to 10 used Runs:</a:t>
             </a:r>
-            <a:endParaRPr sz="1200" u="sng">
-              <a:solidFill>
-                <a:schemeClr val="dk1"/>
-              </a:solidFill>
-            </a:endParaRPr>
-          </a:p>
-          <a:p>
-            <a:pPr indent="0" lvl="0" marL="0" rtl="0" algn="l">
-              <a:spcBef>
-                <a:spcPts val="0"/>
-              </a:spcBef>
-              <a:spcAft>
-                <a:spcPts val="0"/>
-              </a:spcAft>
-              <a:buNone/>
-            </a:pPr>
-            <a:r>
-              <a:t/>
-            </a:r>
-            <a:endParaRPr sz="1200" u="sng">
-              <a:solidFill>
-                <a:schemeClr val="dk1"/>
-              </a:solidFill>
-            </a:endParaRPr>
-          </a:p>
-          <a:p>
-            <a:pPr indent="-304800" lvl="0" marL="457200" rtl="0" algn="l">
-              <a:spcBef>
-                <a:spcPts val="0"/>
-              </a:spcBef>
-              <a:spcAft>
-                <a:spcPts val="0"/>
-              </a:spcAft>
-              <a:buClr>
-                <a:schemeClr val="dk1"/>
-              </a:buClr>
-              <a:buSzPts val="1200"/>
-              <a:buAutoNum type="arabicPeriod"/>
-            </a:pPr>
-            <a:r>
-              <a:rPr lang="en" sz="1200">
-                <a:solidFill>
-                  <a:schemeClr val="dk1"/>
-                </a:solidFill>
-              </a:rPr>
-              <a:t>Closing one run will have no impact on Ticket price or revenue.</a:t>
-            </a:r>
-            <a:endParaRPr sz="1200">
-              <a:solidFill>
-                <a:schemeClr val="dk1"/>
-              </a:solidFill>
-            </a:endParaRPr>
-          </a:p>
-          <a:p>
-            <a:pPr indent="-304800" lvl="0" marL="457200" rtl="0" algn="l">
-              <a:spcBef>
-                <a:spcPts val="0"/>
-              </a:spcBef>
-              <a:spcAft>
-                <a:spcPts val="0"/>
-              </a:spcAft>
-              <a:buClr>
-                <a:schemeClr val="dk1"/>
-              </a:buClr>
-              <a:buSzPts val="1200"/>
-              <a:buAutoNum type="arabicPeriod"/>
-            </a:pPr>
-            <a:r>
-              <a:rPr lang="en" sz="1200">
-                <a:solidFill>
-                  <a:schemeClr val="dk1"/>
-                </a:solidFill>
-              </a:rPr>
-              <a:t>Closing 2 runs reduce support for ticket price and so revenue by $0.4 and $750,000 respectively.</a:t>
-            </a:r>
-            <a:endParaRPr sz="1200">
-              <a:solidFill>
-                <a:schemeClr val="dk1"/>
-              </a:solidFill>
-            </a:endParaRPr>
-          </a:p>
-          <a:p>
-            <a:pPr indent="-304800" lvl="0" marL="457200" rtl="0" algn="l">
-              <a:spcBef>
-                <a:spcPts val="0"/>
-              </a:spcBef>
-              <a:spcAft>
-                <a:spcPts val="0"/>
-              </a:spcAft>
-              <a:buClr>
-                <a:schemeClr val="dk1"/>
-              </a:buClr>
-              <a:buSzPts val="1200"/>
-              <a:buAutoNum type="arabicPeriod"/>
-            </a:pPr>
-            <a:r>
-              <a:rPr lang="en" sz="1200">
-                <a:solidFill>
-                  <a:schemeClr val="dk1"/>
-                </a:solidFill>
-              </a:rPr>
-              <a:t>Closing down 3 runs, it seems they may as well close down 4 or 5 as there’s same loss in ticket price and revenue by $0.67 and $1.250M respectively.</a:t>
-            </a:r>
-            <a:endParaRPr sz="1200">
-              <a:solidFill>
-                <a:schemeClr val="dk1"/>
-              </a:solidFill>
-            </a:endParaRPr>
-          </a:p>
-          <a:p>
-            <a:pPr indent="-304800" lvl="0" marL="457200" rtl="0" algn="l">
-              <a:spcBef>
-                <a:spcPts val="0"/>
-              </a:spcBef>
-              <a:spcAft>
-                <a:spcPts val="0"/>
-              </a:spcAft>
-              <a:buClr>
-                <a:schemeClr val="dk1"/>
-              </a:buClr>
-              <a:buSzPts val="1200"/>
-              <a:buAutoNum type="arabicPeriod"/>
-            </a:pPr>
-            <a:r>
-              <a:rPr lang="en" sz="1200">
-                <a:solidFill>
-                  <a:schemeClr val="dk1"/>
-                </a:solidFill>
-              </a:rPr>
-              <a:t>Closing 10 runs reduce support for ticket price and so revenue by $1.71 and $3M respectively.</a:t>
-            </a:r>
-            <a:endParaRPr sz="1200">
-              <a:solidFill>
-                <a:schemeClr val="dk1"/>
-              </a:solidFill>
-            </a:endParaRPr>
-          </a:p>
-          <a:p>
-            <a:pPr indent="-304800" lvl="0" marL="457200" rtl="0" algn="l">
-              <a:spcBef>
-                <a:spcPts val="0"/>
-              </a:spcBef>
-              <a:spcAft>
-                <a:spcPts val="0"/>
-              </a:spcAft>
-              <a:buClr>
-                <a:schemeClr val="dk1"/>
-              </a:buClr>
-              <a:buSzPts val="1200"/>
-              <a:buAutoNum type="arabicPeriod"/>
-            </a:pPr>
-            <a:r>
-              <a:rPr lang="en" sz="1200">
-                <a:solidFill>
-                  <a:schemeClr val="dk1"/>
-                </a:solidFill>
-              </a:rPr>
-              <a:t>Because we don’t know the operating cost per used run, we can’t determine how much cost saving will be offset the loss in revenue after closing more than one run</a:t>
-            </a:r>
-            <a:endParaRPr sz="1200" u="sng">
-              <a:solidFill>
-                <a:schemeClr val="dk1"/>
-              </a:solidFill>
-            </a:endParaRPr>
-          </a:p>
-          <a:p>
-            <a:pPr indent="0" lvl="0" marL="0" rtl="0" algn="l">
-              <a:spcBef>
-                <a:spcPts val="0"/>
-              </a:spcBef>
-              <a:spcAft>
-                <a:spcPts val="1200"/>
-              </a:spcAft>
-              <a:buNone/>
-            </a:pPr>
-            <a:r>
-              <a:t/>
-            </a:r>
-            <a:endParaRPr sz="3000">
-              <a:solidFill>
-                <a:srgbClr val="FFFFFF"/>
-              </a:solidFill>
-              <a:latin typeface="Oswald"/>
-              <a:ea typeface="Oswald"/>
-              <a:cs typeface="Oswald"/>
-              <a:sym typeface="Oswald"/>
-            </a:endParaRPr>
+            <a:endParaRPr/>
           </a:p>
         </p:txBody>
       </p:sp>
+      <p:graphicFrame>
+        <p:nvGraphicFramePr>
+          <p:cNvPr id="80" name="Google Shape;80;p17"/>
+          <p:cNvGraphicFramePr/>
+          <p:nvPr/>
+        </p:nvGraphicFramePr>
+        <p:xfrm>
+          <a:off x="5653125" y="2065350"/>
+          <a:ext cx="3000000" cy="3000000"/>
+        </p:xfrm>
+        <a:graphic>
+          <a:graphicData uri="http://schemas.openxmlformats.org/drawingml/2006/table">
+            <a:tbl>
+              <a:tblPr>
+                <a:noFill/>
+                <a:tableStyleId>{9C6A622A-D40E-466A-A767-0483D26FCD08}</a:tableStyleId>
+              </a:tblPr>
+              <a:tblGrid>
+                <a:gridCol w="3179175"/>
+              </a:tblGrid>
+              <a:tr h="100000">
+                <a:tc>
+                  <a:txBody>
+                    <a:bodyPr/>
+                    <a:lstStyle/>
+                    <a:p>
+                      <a:pPr indent="0" lvl="0" marL="0" rtl="0" algn="l">
+                        <a:lnSpc>
+                          <a:spcPct val="115000"/>
+                        </a:lnSpc>
+                        <a:spcBef>
+                          <a:spcPts val="0"/>
+                        </a:spcBef>
+                        <a:spcAft>
+                          <a:spcPts val="0"/>
+                        </a:spcAft>
+                        <a:buNone/>
+                      </a:pPr>
+                      <a:r>
+                        <a:rPr lang="en" sz="1000">
+                          <a:solidFill>
+                            <a:schemeClr val="dk1"/>
+                          </a:solidFill>
+                        </a:rPr>
+                        <a:t>Closing one run will have no impact on Ticket price or revenue.</a:t>
+                      </a:r>
+                      <a:endParaRPr sz="1000">
+                        <a:latin typeface="Roboto"/>
+                        <a:ea typeface="Roboto"/>
+                        <a:cs typeface="Roboto"/>
+                        <a:sym typeface="Roboto"/>
+                      </a:endParaRPr>
+                    </a:p>
+                  </a:txBody>
+                  <a:tcPr marT="63500" marB="63500" marR="63500" marL="63500"/>
+                </a:tc>
+              </a:tr>
+              <a:tr h="0">
+                <a:tc>
+                  <a:txBody>
+                    <a:bodyPr/>
+                    <a:lstStyle/>
+                    <a:p>
+                      <a:pPr indent="0" lvl="0" marL="0" rtl="0" algn="l">
+                        <a:lnSpc>
+                          <a:spcPct val="115000"/>
+                        </a:lnSpc>
+                        <a:spcBef>
+                          <a:spcPts val="0"/>
+                        </a:spcBef>
+                        <a:spcAft>
+                          <a:spcPts val="0"/>
+                        </a:spcAft>
+                        <a:buNone/>
+                      </a:pPr>
+                      <a:r>
+                        <a:rPr lang="en" sz="1000">
+                          <a:solidFill>
+                            <a:schemeClr val="dk1"/>
+                          </a:solidFill>
+                        </a:rPr>
+                        <a:t>Closing down 3 runs, it seems they may as well close down 4 or 5 as there’s same loss in ticket price and revenue by $0.67 and $1.250M respectively.</a:t>
+                      </a:r>
+                      <a:endParaRPr sz="1000">
+                        <a:latin typeface="Roboto"/>
+                        <a:ea typeface="Roboto"/>
+                        <a:cs typeface="Roboto"/>
+                        <a:sym typeface="Roboto"/>
+                      </a:endParaRPr>
+                    </a:p>
+                  </a:txBody>
+                  <a:tcPr marT="63500" marB="63500" marR="63500" marL="63500"/>
+                </a:tc>
+              </a:tr>
+              <a:tr h="0">
+                <a:tc>
+                  <a:txBody>
+                    <a:bodyPr/>
+                    <a:lstStyle/>
+                    <a:p>
+                      <a:pPr indent="0" lvl="0" marL="0" rtl="0" algn="l">
+                        <a:lnSpc>
+                          <a:spcPct val="115000"/>
+                        </a:lnSpc>
+                        <a:spcBef>
+                          <a:spcPts val="0"/>
+                        </a:spcBef>
+                        <a:spcAft>
+                          <a:spcPts val="0"/>
+                        </a:spcAft>
+                        <a:buNone/>
+                      </a:pPr>
+                      <a:r>
+                        <a:rPr lang="en" sz="1000">
+                          <a:solidFill>
+                            <a:schemeClr val="dk1"/>
+                          </a:solidFill>
+                        </a:rPr>
+                        <a:t>Closing 10 runs reduce support for ticket price and so revenue by $1.71 and $3M respectively.</a:t>
+                      </a:r>
+                      <a:endParaRPr sz="1000">
+                        <a:latin typeface="Roboto"/>
+                        <a:ea typeface="Roboto"/>
+                        <a:cs typeface="Roboto"/>
+                        <a:sym typeface="Roboto"/>
+                      </a:endParaRPr>
+                    </a:p>
+                  </a:txBody>
+                  <a:tcPr marT="63500" marB="63500" marR="63500" marL="63500"/>
+                </a:tc>
+              </a:tr>
+              <a:tr h="0">
+                <a:tc>
+                  <a:txBody>
+                    <a:bodyPr/>
+                    <a:lstStyle/>
+                    <a:p>
+                      <a:pPr indent="0" lvl="0" marL="0" rtl="0" algn="l">
+                        <a:lnSpc>
+                          <a:spcPct val="115000"/>
+                        </a:lnSpc>
+                        <a:spcBef>
+                          <a:spcPts val="0"/>
+                        </a:spcBef>
+                        <a:spcAft>
+                          <a:spcPts val="0"/>
+                        </a:spcAft>
+                        <a:buNone/>
+                      </a:pPr>
+                      <a:r>
+                        <a:rPr lang="en" sz="1000">
+                          <a:solidFill>
+                            <a:schemeClr val="dk1"/>
+                          </a:solidFill>
+                        </a:rPr>
+                        <a:t>Because we don’t know the operating cost per used run, we can’t determine how much cost saving will be offset the loss in revenue after closing more than one run</a:t>
+                      </a:r>
+                      <a:endParaRPr sz="1000">
+                        <a:solidFill>
+                          <a:schemeClr val="dk1"/>
+                        </a:solidFill>
+                      </a:endParaRPr>
+                    </a:p>
+                  </a:txBody>
+                  <a:tcPr marT="63500" marB="63500" marR="63500" marL="63500"/>
+                </a:tc>
+              </a:tr>
+            </a:tbl>
+          </a:graphicData>
+        </a:graphic>
+      </p:graphicFrame>
+      <p:pic>
+        <p:nvPicPr>
+          <p:cNvPr id="81" name="Google Shape;81;p17"/>
+          <p:cNvPicPr preferRelativeResize="0"/>
+          <p:nvPr/>
+        </p:nvPicPr>
+        <p:blipFill>
+          <a:blip r:embed="rId3">
+            <a:alphaModFix/>
+          </a:blip>
+          <a:stretch>
+            <a:fillRect/>
+          </a:stretch>
+        </p:blipFill>
+        <p:spPr>
+          <a:xfrm>
+            <a:off x="480075" y="2125525"/>
+            <a:ext cx="4897773" cy="2393950"/>
+          </a:xfrm>
+          <a:prstGeom prst="rect">
+            <a:avLst/>
+          </a:prstGeom>
+          <a:noFill/>
+          <a:ln>
+            <a:noFill/>
+          </a:ln>
+        </p:spPr>
+      </p:pic>
     </p:spTree>
   </p:cSld>
   <p:clrMapOvr>
@@ -8312,13 +7811,13 @@
     <p:bg>
       <p:bgPr>
         <a:solidFill>
-          <a:srgbClr val="A4C2F4"/>
+          <a:srgbClr val="CCCCCC"/>
         </a:solidFill>
       </p:bgPr>
     </p:bg>
     <p:spTree>
       <p:nvGrpSpPr>
-        <p:cNvPr id="82" name="Shape 82"/>
+        <p:cNvPr id="85" name="Shape 85"/>
         <p:cNvGrpSpPr/>
         <p:nvPr/>
       </p:nvGrpSpPr>
@@ -8332,7 +7831,7 @@
       </p:grpSpPr>
       <p:sp>
         <p:nvSpPr>
-          <p:cNvPr id="83" name="Google Shape;83;p18"/>
+          <p:cNvPr id="86" name="Google Shape;86;p18"/>
           <p:cNvSpPr txBox="1"/>
           <p:nvPr>
             <p:ph type="title"/>
@@ -8380,92 +7879,9 @@
           </a:p>
         </p:txBody>
       </p:sp>
-      <p:sp>
-        <p:nvSpPr>
-          <p:cNvPr id="84" name="Google Shape;84;p18"/>
-          <p:cNvSpPr txBox="1"/>
-          <p:nvPr>
-            <p:ph idx="1" type="body"/>
-          </p:nvPr>
-        </p:nvSpPr>
-        <p:spPr>
-          <a:xfrm>
-            <a:off x="311700" y="1152475"/>
-            <a:ext cx="8520600" cy="3416400"/>
-          </a:xfrm>
-          <a:prstGeom prst="rect">
-            <a:avLst/>
-          </a:prstGeom>
-        </p:spPr>
-        <p:txBody>
-          <a:bodyPr anchorCtr="0" anchor="t" bIns="91425" lIns="91425" spcFirstLastPara="1" rIns="91425" wrap="square" tIns="91425">
-            <a:normAutofit/>
-          </a:bodyPr>
-          <a:lstStyle/>
-          <a:p>
-            <a:pPr indent="0" lvl="0" marL="0" rtl="0" algn="l">
-              <a:lnSpc>
-                <a:spcPct val="115000"/>
-              </a:lnSpc>
-              <a:spcBef>
-                <a:spcPts val="0"/>
-              </a:spcBef>
-              <a:spcAft>
-                <a:spcPts val="0"/>
-              </a:spcAft>
-              <a:buNone/>
-            </a:pPr>
-            <a:r>
-              <a:t/>
-            </a:r>
-            <a:endParaRPr>
-              <a:solidFill>
-                <a:schemeClr val="dk1"/>
-              </a:solidFill>
-            </a:endParaRPr>
-          </a:p>
-          <a:p>
-            <a:pPr indent="0" lvl="0" marL="0" rtl="0" algn="l">
-              <a:lnSpc>
-                <a:spcPct val="115000"/>
-              </a:lnSpc>
-              <a:spcBef>
-                <a:spcPts val="0"/>
-              </a:spcBef>
-              <a:spcAft>
-                <a:spcPts val="0"/>
-              </a:spcAft>
-              <a:buNone/>
-            </a:pPr>
-            <a:r>
-              <a:t/>
-            </a:r>
-            <a:endParaRPr>
-              <a:solidFill>
-                <a:schemeClr val="dk1"/>
-              </a:solidFill>
-            </a:endParaRPr>
-          </a:p>
-          <a:p>
-            <a:pPr indent="0" lvl="0" marL="0" rtl="0" algn="l">
-              <a:spcBef>
-                <a:spcPts val="0"/>
-              </a:spcBef>
-              <a:spcAft>
-                <a:spcPts val="1200"/>
-              </a:spcAft>
-              <a:buNone/>
-            </a:pPr>
-            <a:r>
-              <a:t/>
-            </a:r>
-            <a:endParaRPr/>
-          </a:p>
-        </p:txBody>
-      </p:sp>
       <p:pic>
         <p:nvPicPr>
-          <p:cNvPr id="85" name="Google Shape;85;p18"/>
+          <p:cNvPr id="87" name="Google Shape;87;p18"/>
           <p:cNvPicPr preferRelativeResize="0"/>
           <p:nvPr/>
         </p:nvPicPr>
@@ -8479,8 +7895,148 @@
         </p:blipFill>
         <p:spPr>
           <a:xfrm>
-            <a:off x="860588" y="1340775"/>
-            <a:ext cx="6772275" cy="3600450"/>
+            <a:off x="219924" y="1061025"/>
+            <a:ext cx="2696524" cy="1433595"/>
+          </a:xfrm>
+          <a:prstGeom prst="rect">
+            <a:avLst/>
+          </a:prstGeom>
+          <a:noFill/>
+          <a:ln>
+            <a:noFill/>
+          </a:ln>
+        </p:spPr>
+      </p:pic>
+      <p:pic>
+        <p:nvPicPr>
+          <p:cNvPr id="88" name="Google Shape;88;p18"/>
+          <p:cNvPicPr preferRelativeResize="0"/>
+          <p:nvPr/>
+        </p:nvPicPr>
+        <p:blipFill>
+          <a:blip r:embed="rId4">
+            <a:alphaModFix/>
+          </a:blip>
+          <a:stretch>
+            <a:fillRect/>
+          </a:stretch>
+        </p:blipFill>
+        <p:spPr>
+          <a:xfrm>
+            <a:off x="3214225" y="1061025"/>
+            <a:ext cx="2779300" cy="1433600"/>
+          </a:xfrm>
+          <a:prstGeom prst="rect">
+            <a:avLst/>
+          </a:prstGeom>
+          <a:noFill/>
+          <a:ln>
+            <a:noFill/>
+          </a:ln>
+        </p:spPr>
+      </p:pic>
+      <p:pic>
+        <p:nvPicPr>
+          <p:cNvPr id="89" name="Google Shape;89;p18"/>
+          <p:cNvPicPr preferRelativeResize="0"/>
+          <p:nvPr/>
+        </p:nvPicPr>
+        <p:blipFill>
+          <a:blip r:embed="rId5">
+            <a:alphaModFix/>
+          </a:blip>
+          <a:stretch>
+            <a:fillRect/>
+          </a:stretch>
+        </p:blipFill>
+        <p:spPr>
+          <a:xfrm>
+            <a:off x="6126850" y="1061025"/>
+            <a:ext cx="2696526" cy="1433600"/>
+          </a:xfrm>
+          <a:prstGeom prst="rect">
+            <a:avLst/>
+          </a:prstGeom>
+          <a:noFill/>
+          <a:ln>
+            <a:noFill/>
+          </a:ln>
+        </p:spPr>
+      </p:pic>
+      <p:pic>
+        <p:nvPicPr>
+          <p:cNvPr id="90" name="Google Shape;90;p18"/>
+          <p:cNvPicPr preferRelativeResize="0"/>
+          <p:nvPr/>
+        </p:nvPicPr>
+        <p:blipFill>
+          <a:blip r:embed="rId6">
+            <a:alphaModFix/>
+          </a:blip>
+          <a:stretch>
+            <a:fillRect/>
+          </a:stretch>
+        </p:blipFill>
+        <p:spPr>
+          <a:xfrm>
+            <a:off x="178538" y="2683100"/>
+            <a:ext cx="2779300" cy="1554400"/>
+          </a:xfrm>
+          <a:prstGeom prst="rect">
+            <a:avLst/>
+          </a:prstGeom>
+          <a:noFill/>
+          <a:ln>
+            <a:noFill/>
+          </a:ln>
+        </p:spPr>
+      </p:pic>
+      <p:pic>
+        <p:nvPicPr>
+          <p:cNvPr id="91" name="Google Shape;91;p18"/>
+          <p:cNvPicPr preferRelativeResize="0"/>
+          <p:nvPr/>
+        </p:nvPicPr>
+        <p:blipFill>
+          <a:blip r:embed="rId7">
+            <a:alphaModFix/>
+          </a:blip>
+          <a:stretch>
+            <a:fillRect/>
+          </a:stretch>
+        </p:blipFill>
+        <p:spPr>
+          <a:xfrm>
+            <a:off x="3214225" y="2647025"/>
+            <a:ext cx="2779300" cy="1590475"/>
+          </a:xfrm>
+          <a:prstGeom prst="rect">
+            <a:avLst/>
+          </a:prstGeom>
+          <a:noFill/>
+          <a:ln>
+            <a:noFill/>
+          </a:ln>
+        </p:spPr>
+      </p:pic>
+      <p:pic>
+        <p:nvPicPr>
+          <p:cNvPr id="92" name="Google Shape;92;p18"/>
+          <p:cNvPicPr preferRelativeResize="0"/>
+          <p:nvPr/>
+        </p:nvPicPr>
+        <p:blipFill>
+          <a:blip r:embed="rId8">
+            <a:alphaModFix/>
+          </a:blip>
+          <a:stretch>
+            <a:fillRect/>
+          </a:stretch>
+        </p:blipFill>
+        <p:spPr>
+          <a:xfrm>
+            <a:off x="6126850" y="2683100"/>
+            <a:ext cx="2696525" cy="1554400"/>
           </a:xfrm>
           <a:prstGeom prst="rect">
             <a:avLst/>
@@ -8505,13 +8061,13 @@
     <p:bg>
       <p:bgPr>
         <a:solidFill>
-          <a:srgbClr val="A4C2F4"/>
+          <a:srgbClr val="CCCCCC"/>
         </a:solidFill>
       </p:bgPr>
     </p:bg>
     <p:spTree>
       <p:nvGrpSpPr>
-        <p:cNvPr id="89" name="Shape 89"/>
+        <p:cNvPr id="96" name="Shape 96"/>
         <p:cNvGrpSpPr/>
         <p:nvPr/>
       </p:nvGrpSpPr>
@@ -8525,7 +8081,7 @@
       </p:grpSpPr>
       <p:sp>
         <p:nvSpPr>
-          <p:cNvPr id="90" name="Google Shape;90;p19"/>
+          <p:cNvPr id="97" name="Google Shape;97;p19"/>
           <p:cNvSpPr txBox="1"/>
           <p:nvPr>
             <p:ph type="title"/>
@@ -8562,294 +8118,6 @@
                 <a:cs typeface="Oswald"/>
                 <a:sym typeface="Oswald"/>
               </a:rPr>
-              <a:t>Effect of closing runs on ticket price and revenue</a:t>
-            </a:r>
-            <a:endParaRPr/>
-          </a:p>
-        </p:txBody>
-      </p:sp>
-      <p:sp>
-        <p:nvSpPr>
-          <p:cNvPr id="91" name="Google Shape;91;p19"/>
-          <p:cNvSpPr txBox="1"/>
-          <p:nvPr>
-            <p:ph idx="1" type="body"/>
-          </p:nvPr>
-        </p:nvSpPr>
-        <p:spPr>
-          <a:xfrm>
-            <a:off x="311700" y="1152475"/>
-            <a:ext cx="8520600" cy="3416400"/>
-          </a:xfrm>
-          <a:prstGeom prst="rect">
-            <a:avLst/>
-          </a:prstGeom>
-        </p:spPr>
-        <p:txBody>
-          <a:bodyPr anchorCtr="0" anchor="t" bIns="91425" lIns="91425" spcFirstLastPara="1" rIns="91425" wrap="square" tIns="91425">
-            <a:normAutofit/>
-          </a:bodyPr>
-          <a:lstStyle/>
-          <a:p>
-            <a:pPr indent="0" lvl="0" marL="0" rtl="0" algn="l">
-              <a:spcBef>
-                <a:spcPts val="0"/>
-              </a:spcBef>
-              <a:spcAft>
-                <a:spcPts val="1200"/>
-              </a:spcAft>
-              <a:buNone/>
-            </a:pPr>
-            <a:r>
-              <a:t/>
-            </a:r>
-            <a:endParaRPr/>
-          </a:p>
-        </p:txBody>
-      </p:sp>
-      <p:pic>
-        <p:nvPicPr>
-          <p:cNvPr id="92" name="Google Shape;92;p19"/>
-          <p:cNvPicPr preferRelativeResize="0"/>
-          <p:nvPr/>
-        </p:nvPicPr>
-        <p:blipFill>
-          <a:blip r:embed="rId3">
-            <a:alphaModFix/>
-          </a:blip>
-          <a:stretch>
-            <a:fillRect/>
-          </a:stretch>
-        </p:blipFill>
-        <p:spPr>
-          <a:xfrm>
-            <a:off x="1356250" y="1408100"/>
-            <a:ext cx="5943600" cy="2905125"/>
-          </a:xfrm>
-          <a:prstGeom prst="rect">
-            <a:avLst/>
-          </a:prstGeom>
-          <a:noFill/>
-          <a:ln>
-            <a:noFill/>
-          </a:ln>
-        </p:spPr>
-      </p:pic>
-    </p:spTree>
-  </p:cSld>
-  <p:clrMapOvr>
-    <a:masterClrMapping/>
-  </p:clrMapOvr>
-</p:sld>
-</file>
-
-<file path=ppt/slides/slide8.xml><?xml version="1.0" encoding="utf-8"?>
-<p:sld xmlns:a="http://schemas.openxmlformats.org/drawingml/2006/main" xmlns:r="http://schemas.openxmlformats.org/officeDocument/2006/relationships" xmlns:mc="http://schemas.openxmlformats.org/markup-compatibility/2006" xmlns:mv="urn:schemas-microsoft-com:mac:vml" xmlns:p="http://schemas.openxmlformats.org/presentationml/2006/main" xmlns:c="http://schemas.openxmlformats.org/drawingml/2006/chart" xmlns:dgm="http://schemas.openxmlformats.org/drawingml/2006/diagram" xmlns:o="urn:schemas-microsoft-com:office:office" xmlns:v="urn:schemas-microsoft-com:vml" xmlns:pvml="urn:schemas-microsoft-com:office:powerpoint" xmlns:com="http://schemas.openxmlformats.org/drawingml/2006/compatibility" xmlns:p14="http://schemas.microsoft.com/office/powerpoint/2010/main" xmlns:p15="http://schemas.microsoft.com/office/powerpoint/2012/main" xmlns:ahyp="http://schemas.microsoft.com/office/drawing/2018/hyperlinkcolor">
-  <p:cSld>
-    <p:bg>
-      <p:bgPr>
-        <a:solidFill>
-          <a:srgbClr val="A4C2F4"/>
-        </a:solidFill>
-      </p:bgPr>
-    </p:bg>
-    <p:spTree>
-      <p:nvGrpSpPr>
-        <p:cNvPr id="96" name="Shape 96"/>
-        <p:cNvGrpSpPr/>
-        <p:nvPr/>
-      </p:nvGrpSpPr>
-      <p:grpSpPr>
-        <a:xfrm>
-          <a:off x="0" y="0"/>
-          <a:ext cx="0" cy="0"/>
-          <a:chOff x="0" y="0"/>
-          <a:chExt cx="0" cy="0"/>
-        </a:xfrm>
-      </p:grpSpPr>
-      <p:sp>
-        <p:nvSpPr>
-          <p:cNvPr id="97" name="Google Shape;97;p20"/>
-          <p:cNvSpPr txBox="1"/>
-          <p:nvPr>
-            <p:ph type="title"/>
-          </p:nvPr>
-        </p:nvSpPr>
-        <p:spPr>
-          <a:xfrm>
-            <a:off x="311700" y="445025"/>
-            <a:ext cx="8520600" cy="572700"/>
-          </a:xfrm>
-          <a:prstGeom prst="rect">
-            <a:avLst/>
-          </a:prstGeom>
-        </p:spPr>
-        <p:txBody>
-          <a:bodyPr anchorCtr="0" anchor="t" bIns="91425" lIns="91425" spcFirstLastPara="1" rIns="91425" wrap="square" tIns="91425">
-            <a:normAutofit fontScale="90000"/>
-          </a:bodyPr>
-          <a:lstStyle/>
-          <a:p>
-            <a:pPr indent="0" lvl="0" marL="0" rtl="0" algn="l">
-              <a:spcBef>
-                <a:spcPts val="0"/>
-              </a:spcBef>
-              <a:spcAft>
-                <a:spcPts val="0"/>
-              </a:spcAft>
-              <a:buNone/>
-            </a:pPr>
-            <a:r>
-              <a:rPr lang="en" sz="3000">
-                <a:latin typeface="Oswald"/>
-                <a:ea typeface="Oswald"/>
-                <a:cs typeface="Oswald"/>
-                <a:sym typeface="Oswald"/>
-              </a:rPr>
-              <a:t>Bar graph of most relevant features/facilities</a:t>
-            </a:r>
-            <a:endParaRPr/>
-          </a:p>
-        </p:txBody>
-      </p:sp>
-      <p:sp>
-        <p:nvSpPr>
-          <p:cNvPr id="98" name="Google Shape;98;p20"/>
-          <p:cNvSpPr txBox="1"/>
-          <p:nvPr>
-            <p:ph idx="1" type="body"/>
-          </p:nvPr>
-        </p:nvSpPr>
-        <p:spPr>
-          <a:xfrm>
-            <a:off x="311700" y="1152475"/>
-            <a:ext cx="8520600" cy="3416400"/>
-          </a:xfrm>
-          <a:prstGeom prst="rect">
-            <a:avLst/>
-          </a:prstGeom>
-        </p:spPr>
-        <p:txBody>
-          <a:bodyPr anchorCtr="0" anchor="t" bIns="91425" lIns="91425" spcFirstLastPara="1" rIns="91425" wrap="square" tIns="91425">
-            <a:normAutofit/>
-          </a:bodyPr>
-          <a:lstStyle/>
-          <a:p>
-            <a:pPr indent="0" lvl="0" marL="0" rtl="0" algn="l">
-              <a:spcBef>
-                <a:spcPts val="0"/>
-              </a:spcBef>
-              <a:spcAft>
-                <a:spcPts val="1200"/>
-              </a:spcAft>
-              <a:buNone/>
-            </a:pPr>
-            <a:r>
-              <a:t/>
-            </a:r>
-            <a:endParaRPr/>
-          </a:p>
-        </p:txBody>
-      </p:sp>
-      <p:pic>
-        <p:nvPicPr>
-          <p:cNvPr id="99" name="Google Shape;99;p20"/>
-          <p:cNvPicPr preferRelativeResize="0"/>
-          <p:nvPr/>
-        </p:nvPicPr>
-        <p:blipFill>
-          <a:blip r:embed="rId3">
-            <a:alphaModFix/>
-          </a:blip>
-          <a:stretch>
-            <a:fillRect/>
-          </a:stretch>
-        </p:blipFill>
-        <p:spPr>
-          <a:xfrm>
-            <a:off x="2185025" y="1202800"/>
-            <a:ext cx="4322626" cy="3315750"/>
-          </a:xfrm>
-          <a:prstGeom prst="rect">
-            <a:avLst/>
-          </a:prstGeom>
-          <a:noFill/>
-          <a:ln>
-            <a:noFill/>
-          </a:ln>
-        </p:spPr>
-      </p:pic>
-    </p:spTree>
-  </p:cSld>
-  <p:clrMapOvr>
-    <a:masterClrMapping/>
-  </p:clrMapOvr>
-</p:sld>
-</file>
-
-<file path=ppt/slides/slide9.xml><?xml version="1.0" encoding="utf-8"?>
-<p:sld xmlns:a="http://schemas.openxmlformats.org/drawingml/2006/main" xmlns:r="http://schemas.openxmlformats.org/officeDocument/2006/relationships" xmlns:mc="http://schemas.openxmlformats.org/markup-compatibility/2006" xmlns:mv="urn:schemas-microsoft-com:mac:vml" xmlns:p="http://schemas.openxmlformats.org/presentationml/2006/main" xmlns:c="http://schemas.openxmlformats.org/drawingml/2006/chart" xmlns:dgm="http://schemas.openxmlformats.org/drawingml/2006/diagram" xmlns:o="urn:schemas-microsoft-com:office:office" xmlns:v="urn:schemas-microsoft-com:vml" xmlns:pvml="urn:schemas-microsoft-com:office:powerpoint" xmlns:com="http://schemas.openxmlformats.org/drawingml/2006/compatibility" xmlns:p14="http://schemas.microsoft.com/office/powerpoint/2010/main" xmlns:p15="http://schemas.microsoft.com/office/powerpoint/2012/main" xmlns:ahyp="http://schemas.microsoft.com/office/drawing/2018/hyperlinkcolor">
-  <p:cSld>
-    <p:bg>
-      <p:bgPr>
-        <a:solidFill>
-          <a:srgbClr val="A4C2F4"/>
-        </a:solidFill>
-      </p:bgPr>
-    </p:bg>
-    <p:spTree>
-      <p:nvGrpSpPr>
-        <p:cNvPr id="103" name="Shape 103"/>
-        <p:cNvGrpSpPr/>
-        <p:nvPr/>
-      </p:nvGrpSpPr>
-      <p:grpSpPr>
-        <a:xfrm>
-          <a:off x="0" y="0"/>
-          <a:ext cx="0" cy="0"/>
-          <a:chOff x="0" y="0"/>
-          <a:chExt cx="0" cy="0"/>
-        </a:xfrm>
-      </p:grpSpPr>
-      <p:sp>
-        <p:nvSpPr>
-          <p:cNvPr id="104" name="Google Shape;104;p21"/>
-          <p:cNvSpPr txBox="1"/>
-          <p:nvPr>
-            <p:ph type="title"/>
-          </p:nvPr>
-        </p:nvSpPr>
-        <p:spPr>
-          <a:xfrm>
-            <a:off x="311700" y="445025"/>
-            <a:ext cx="8520600" cy="572700"/>
-          </a:xfrm>
-          <a:prstGeom prst="rect">
-            <a:avLst/>
-          </a:prstGeom>
-        </p:spPr>
-        <p:txBody>
-          <a:bodyPr anchorCtr="0" anchor="t" bIns="91425" lIns="91425" spcFirstLastPara="1" rIns="91425" wrap="square" tIns="91425">
-            <a:normAutofit fontScale="90000"/>
-          </a:bodyPr>
-          <a:lstStyle/>
-          <a:p>
-            <a:pPr indent="0" lvl="0" marL="0" rtl="0" algn="l">
-              <a:spcBef>
-                <a:spcPts val="0"/>
-              </a:spcBef>
-              <a:spcAft>
-                <a:spcPts val="0"/>
-              </a:spcAft>
-              <a:buNone/>
-            </a:pPr>
-            <a:r>
-              <a:rPr lang="en" sz="3000">
-                <a:latin typeface="Oswald"/>
-                <a:ea typeface="Oswald"/>
-                <a:cs typeface="Oswald"/>
-                <a:sym typeface="Oswald"/>
-              </a:rPr>
               <a:t>Conclusion</a:t>
             </a:r>
             <a:endParaRPr/>
@@ -8858,7 +8126,7 @@
       </p:sp>
       <p:sp>
         <p:nvSpPr>
-          <p:cNvPr id="105" name="Google Shape;105;p21"/>
+          <p:cNvPr id="98" name="Google Shape;98;p19"/>
           <p:cNvSpPr txBox="1"/>
           <p:nvPr>
             <p:ph idx="1" type="body"/>
@@ -8995,6 +8263,344 @@
                 </a:solidFill>
               </a:rPr>
               <a:t>The model’s scope is only the dataset provided so model results should be accompanied by domain knowledge and business knowledge during decision making</a:t>
+            </a:r>
+            <a:endParaRPr>
+              <a:solidFill>
+                <a:schemeClr val="dk1"/>
+              </a:solidFill>
+            </a:endParaRPr>
+          </a:p>
+          <a:p>
+            <a:pPr indent="0" lvl="0" marL="0" rtl="0" algn="l">
+              <a:spcBef>
+                <a:spcPts val="0"/>
+              </a:spcBef>
+              <a:spcAft>
+                <a:spcPts val="1200"/>
+              </a:spcAft>
+              <a:buNone/>
+            </a:pPr>
+            <a:r>
+              <a:t/>
+            </a:r>
+            <a:endParaRPr/>
+          </a:p>
+        </p:txBody>
+      </p:sp>
+    </p:spTree>
+  </p:cSld>
+  <p:clrMapOvr>
+    <a:masterClrMapping/>
+  </p:clrMapOvr>
+</p:sld>
+</file>
+
+<file path=ppt/slides/slide8.xml><?xml version="1.0" encoding="utf-8"?>
+<p:sld xmlns:a="http://schemas.openxmlformats.org/drawingml/2006/main" xmlns:r="http://schemas.openxmlformats.org/officeDocument/2006/relationships" xmlns:mc="http://schemas.openxmlformats.org/markup-compatibility/2006" xmlns:mv="urn:schemas-microsoft-com:mac:vml" xmlns:p="http://schemas.openxmlformats.org/presentationml/2006/main" xmlns:c="http://schemas.openxmlformats.org/drawingml/2006/chart" xmlns:dgm="http://schemas.openxmlformats.org/drawingml/2006/diagram" xmlns:o="urn:schemas-microsoft-com:office:office" xmlns:v="urn:schemas-microsoft-com:vml" xmlns:pvml="urn:schemas-microsoft-com:office:powerpoint" xmlns:com="http://schemas.openxmlformats.org/drawingml/2006/compatibility" xmlns:p14="http://schemas.microsoft.com/office/powerpoint/2010/main" xmlns:p15="http://schemas.microsoft.com/office/powerpoint/2012/main" xmlns:ahyp="http://schemas.microsoft.com/office/drawing/2018/hyperlinkcolor">
+  <p:cSld>
+    <p:bg>
+      <p:bgPr>
+        <a:solidFill>
+          <a:srgbClr val="D9D9D9"/>
+        </a:solidFill>
+      </p:bgPr>
+    </p:bg>
+    <p:spTree>
+      <p:nvGrpSpPr>
+        <p:cNvPr id="102" name="Shape 102"/>
+        <p:cNvGrpSpPr/>
+        <p:nvPr/>
+      </p:nvGrpSpPr>
+      <p:grpSpPr>
+        <a:xfrm>
+          <a:off x="0" y="0"/>
+          <a:ext cx="0" cy="0"/>
+          <a:chOff x="0" y="0"/>
+          <a:chExt cx="0" cy="0"/>
+        </a:xfrm>
+      </p:grpSpPr>
+      <p:sp>
+        <p:nvSpPr>
+          <p:cNvPr id="103" name="Google Shape;103;p20"/>
+          <p:cNvSpPr txBox="1"/>
+          <p:nvPr>
+            <p:ph type="title"/>
+          </p:nvPr>
+        </p:nvSpPr>
+        <p:spPr>
+          <a:xfrm>
+            <a:off x="311700" y="445025"/>
+            <a:ext cx="8520600" cy="572700"/>
+          </a:xfrm>
+          <a:prstGeom prst="rect">
+            <a:avLst/>
+          </a:prstGeom>
+        </p:spPr>
+        <p:txBody>
+          <a:bodyPr anchorCtr="0" anchor="t" bIns="91425" lIns="91425" spcFirstLastPara="1" rIns="91425" wrap="square" tIns="91425">
+            <a:normAutofit fontScale="90000"/>
+          </a:bodyPr>
+          <a:lstStyle/>
+          <a:p>
+            <a:pPr indent="0" lvl="0" marL="0" rtl="0" algn="l">
+              <a:spcBef>
+                <a:spcPts val="0"/>
+              </a:spcBef>
+              <a:spcAft>
+                <a:spcPts val="0"/>
+              </a:spcAft>
+              <a:buNone/>
+            </a:pPr>
+            <a:r>
+              <a:rPr lang="en" sz="3000">
+                <a:latin typeface="Oswald"/>
+                <a:ea typeface="Oswald"/>
+                <a:cs typeface="Oswald"/>
+                <a:sym typeface="Oswald"/>
+              </a:rPr>
+              <a:t>Conclusion</a:t>
+            </a:r>
+            <a:endParaRPr/>
+          </a:p>
+        </p:txBody>
+      </p:sp>
+      <p:sp>
+        <p:nvSpPr>
+          <p:cNvPr id="104" name="Google Shape;104;p20"/>
+          <p:cNvSpPr txBox="1"/>
+          <p:nvPr>
+            <p:ph idx="1" type="body"/>
+          </p:nvPr>
+        </p:nvSpPr>
+        <p:spPr>
+          <a:xfrm>
+            <a:off x="311700" y="1152475"/>
+            <a:ext cx="8520600" cy="3416400"/>
+          </a:xfrm>
+          <a:prstGeom prst="rect">
+            <a:avLst/>
+          </a:prstGeom>
+        </p:spPr>
+        <p:txBody>
+          <a:bodyPr anchorCtr="0" anchor="t" bIns="91425" lIns="91425" spcFirstLastPara="1" rIns="91425" wrap="square" tIns="91425">
+            <a:normAutofit fontScale="92500" lnSpcReduction="20000"/>
+          </a:bodyPr>
+          <a:lstStyle/>
+          <a:p>
+            <a:pPr indent="0" lvl="0" marL="457200" rtl="0" algn="just">
+              <a:spcBef>
+                <a:spcPts val="0"/>
+              </a:spcBef>
+              <a:spcAft>
+                <a:spcPts val="0"/>
+              </a:spcAft>
+              <a:buNone/>
+            </a:pPr>
+            <a:r>
+              <a:rPr lang="en">
+                <a:solidFill>
+                  <a:schemeClr val="dk1"/>
+                </a:solidFill>
+              </a:rPr>
+              <a:t>The best scenario where we managed to gain the highest revenue increase possible was by  -</a:t>
+            </a:r>
+            <a:endParaRPr>
+              <a:solidFill>
+                <a:schemeClr val="dk1"/>
+              </a:solidFill>
+            </a:endParaRPr>
+          </a:p>
+          <a:p>
+            <a:pPr indent="-334327" lvl="0" marL="914400" rtl="0" algn="just">
+              <a:spcBef>
+                <a:spcPts val="0"/>
+              </a:spcBef>
+              <a:spcAft>
+                <a:spcPts val="0"/>
+              </a:spcAft>
+              <a:buClr>
+                <a:schemeClr val="dk1"/>
+              </a:buClr>
+              <a:buSzPct val="100000"/>
+              <a:buChar char="●"/>
+            </a:pPr>
+            <a:r>
+              <a:rPr lang="en">
+                <a:solidFill>
+                  <a:schemeClr val="dk1"/>
+                </a:solidFill>
+              </a:rPr>
+              <a:t>adding one run and adding </a:t>
+            </a:r>
+            <a:endParaRPr>
+              <a:solidFill>
+                <a:schemeClr val="dk1"/>
+              </a:solidFill>
+            </a:endParaRPr>
+          </a:p>
+          <a:p>
+            <a:pPr indent="-334327" lvl="0" marL="914400" rtl="0" algn="just">
+              <a:spcBef>
+                <a:spcPts val="0"/>
+              </a:spcBef>
+              <a:spcAft>
+                <a:spcPts val="0"/>
+              </a:spcAft>
+              <a:buClr>
+                <a:schemeClr val="dk1"/>
+              </a:buClr>
+              <a:buSzPct val="100000"/>
+              <a:buChar char="●"/>
+            </a:pPr>
+            <a:r>
+              <a:rPr lang="en">
+                <a:solidFill>
+                  <a:schemeClr val="dk1"/>
+                </a:solidFill>
+              </a:rPr>
+              <a:t>increasing the vertical drop by 150 ft</a:t>
+            </a:r>
+            <a:endParaRPr>
+              <a:solidFill>
+                <a:schemeClr val="dk1"/>
+              </a:solidFill>
+            </a:endParaRPr>
+          </a:p>
+          <a:p>
+            <a:pPr indent="-334327" lvl="0" marL="914400" rtl="0" algn="just">
+              <a:spcBef>
+                <a:spcPts val="0"/>
+              </a:spcBef>
+              <a:spcAft>
+                <a:spcPts val="0"/>
+              </a:spcAft>
+              <a:buClr>
+                <a:schemeClr val="dk1"/>
+              </a:buClr>
+              <a:buSzPct val="100000"/>
+              <a:buChar char="●"/>
+            </a:pPr>
+            <a:r>
+              <a:rPr lang="en">
+                <a:solidFill>
+                  <a:schemeClr val="dk1"/>
+                </a:solidFill>
+              </a:rPr>
+              <a:t>2 acres of snow making cover</a:t>
+            </a:r>
+            <a:endParaRPr>
+              <a:solidFill>
+                <a:schemeClr val="dk1"/>
+              </a:solidFill>
+            </a:endParaRPr>
+          </a:p>
+          <a:p>
+            <a:pPr indent="-334327" lvl="0" marL="914400" rtl="0" algn="just">
+              <a:spcBef>
+                <a:spcPts val="0"/>
+              </a:spcBef>
+              <a:spcAft>
+                <a:spcPts val="0"/>
+              </a:spcAft>
+              <a:buClr>
+                <a:schemeClr val="dk1"/>
+              </a:buClr>
+              <a:buSzPct val="100000"/>
+              <a:buChar char="●"/>
+            </a:pPr>
+            <a:r>
+              <a:rPr b="1" lang="en">
+                <a:solidFill>
+                  <a:schemeClr val="dk1"/>
+                </a:solidFill>
+              </a:rPr>
+              <a:t>adding one Chair Lift</a:t>
+            </a:r>
+            <a:endParaRPr b="1">
+              <a:solidFill>
+                <a:schemeClr val="dk1"/>
+              </a:solidFill>
+            </a:endParaRPr>
+          </a:p>
+          <a:p>
+            <a:pPr indent="0" lvl="0" marL="457200" rtl="0" algn="just">
+              <a:spcBef>
+                <a:spcPts val="0"/>
+              </a:spcBef>
+              <a:spcAft>
+                <a:spcPts val="0"/>
+              </a:spcAft>
+              <a:buNone/>
+            </a:pPr>
+            <a:r>
+              <a:t/>
+            </a:r>
+            <a:endParaRPr>
+              <a:solidFill>
+                <a:schemeClr val="dk1"/>
+              </a:solidFill>
+            </a:endParaRPr>
+          </a:p>
+          <a:p>
+            <a:pPr indent="0" lvl="0" marL="457200" rtl="0" algn="just">
+              <a:spcBef>
+                <a:spcPts val="0"/>
+              </a:spcBef>
+              <a:spcAft>
+                <a:spcPts val="0"/>
+              </a:spcAft>
+              <a:buNone/>
+            </a:pPr>
+            <a:r>
+              <a:rPr lang="en">
+                <a:solidFill>
+                  <a:schemeClr val="dk1"/>
+                </a:solidFill>
+              </a:rPr>
+              <a:t>This scenario has increased ticket price by 12% from $81 to $94.66, resulting in a bottom-line increase by $15,528,841 (After deducting operating costs = $1.54M).</a:t>
+            </a:r>
+            <a:endParaRPr>
+              <a:solidFill>
+                <a:schemeClr val="dk1"/>
+              </a:solidFill>
+            </a:endParaRPr>
+          </a:p>
+          <a:p>
+            <a:pPr indent="0" lvl="0" marL="0" rtl="0" algn="just">
+              <a:spcBef>
+                <a:spcPts val="0"/>
+              </a:spcBef>
+              <a:spcAft>
+                <a:spcPts val="0"/>
+              </a:spcAft>
+              <a:buNone/>
+            </a:pPr>
+            <a:r>
+              <a:t/>
+            </a:r>
+            <a:endParaRPr>
+              <a:solidFill>
+                <a:schemeClr val="dk1"/>
+              </a:solidFill>
+            </a:endParaRPr>
+          </a:p>
+          <a:p>
+            <a:pPr indent="0" lvl="0" marL="457200" rtl="0" algn="just">
+              <a:spcBef>
+                <a:spcPts val="0"/>
+              </a:spcBef>
+              <a:spcAft>
+                <a:spcPts val="0"/>
+              </a:spcAft>
+              <a:buNone/>
+            </a:pPr>
+            <a:r>
+              <a:rPr lang="en">
+                <a:solidFill>
+                  <a:schemeClr val="dk1"/>
+                </a:solidFill>
+              </a:rPr>
+              <a:t>Because of lack of data on operating cost per used run and weekdays ticket price, model cannot recommend closing down used runs.</a:t>
             </a:r>
             <a:endParaRPr>
               <a:solidFill>

--- a/CapstoneProjects/Big Mountain Ski Resort/Docs/Project Slides.pptx
+++ b/CapstoneProjects/Big Mountain Ski Resort/Docs/Project Slides.pptx
@@ -7613,7 +7613,7 @@
             <a:tbl>
               <a:tblPr>
                 <a:noFill/>
-                <a:tableStyleId>{9C6A622A-D40E-466A-A767-0483D26FCD08}</a:tableStyleId>
+                <a:tableStyleId>{57C43825-355C-4A61-BD7E-5FA64DF62B77}</a:tableStyleId>
               </a:tblPr>
               <a:tblGrid>
                 <a:gridCol w="3179175"/>
@@ -8179,6 +8179,34 @@
           </a:p>
           <a:p>
             <a:pPr indent="-342900" lvl="0" marL="457200" rtl="0" algn="l">
+              <a:spcBef>
+                <a:spcPts val="0"/>
+              </a:spcBef>
+              <a:spcAft>
+                <a:spcPts val="0"/>
+              </a:spcAft>
+              <a:buClr>
+                <a:schemeClr val="dk1"/>
+              </a:buClr>
+              <a:buSzPts val="1800"/>
+              <a:buChar char="●"/>
+            </a:pPr>
+            <a:r>
+              <a:rPr lang="en">
+                <a:solidFill>
+                  <a:schemeClr val="dk1"/>
+                </a:solidFill>
+              </a:rPr>
+              <a:t>The company should consider closing down the least used run and enacting Scenario 2</a:t>
+            </a:r>
+            <a:endParaRPr>
+              <a:solidFill>
+                <a:schemeClr val="dk1"/>
+              </a:solidFill>
+            </a:endParaRPr>
+          </a:p>
+          <a:p>
+            <a:pPr indent="-342900" lvl="0" marL="457200" rtl="0" algn="l">
               <a:lnSpc>
                 <a:spcPct val="115000"/>
               </a:lnSpc>
@@ -8201,37 +8229,6 @@
                 </a:solidFill>
               </a:rPr>
               <a:t>There are only a handful of important facilities that are most relevant to affecting ticket prices, around 8</a:t>
-            </a:r>
-            <a:endParaRPr>
-              <a:solidFill>
-                <a:schemeClr val="dk1"/>
-              </a:solidFill>
-            </a:endParaRPr>
-          </a:p>
-          <a:p>
-            <a:pPr indent="-342900" lvl="0" marL="457200" rtl="0" algn="l">
-              <a:lnSpc>
-                <a:spcPct val="115000"/>
-              </a:lnSpc>
-              <a:spcBef>
-                <a:spcPts val="0"/>
-              </a:spcBef>
-              <a:spcAft>
-                <a:spcPts val="0"/>
-              </a:spcAft>
-              <a:buClr>
-                <a:schemeClr val="dk1"/>
-              </a:buClr>
-              <a:buSzPts val="1800"/>
-              <a:buChar char="●"/>
-            </a:pPr>
-            <a:r>
-              <a:rPr lang="en">
-                <a:solidFill>
-                  <a:schemeClr val="dk1"/>
-                </a:solidFill>
-              </a:rPr>
-              <a:t>The company should consider closing down the least used run and enacting Scenario 2</a:t>
             </a:r>
             <a:endParaRPr>
               <a:solidFill>
@@ -8634,6 +8631,285 @@
 </file>
 
 <file path=ppt/theme/theme1.xml><?xml version="1.0" encoding="utf-8"?>
+<a:theme xmlns:a="http://schemas.openxmlformats.org/drawingml/2006/main" xmlns:r="http://schemas.openxmlformats.org/officeDocument/2006/relationships">
+  <a:themeElements>
+    <a:clrScheme name="Default">
+      <a:dk1>
+        <a:srgbClr val="000000"/>
+      </a:dk1>
+      <a:lt1>
+        <a:srgbClr val="FFFFFF"/>
+      </a:lt1>
+      <a:dk2>
+        <a:srgbClr val="158158"/>
+      </a:dk2>
+      <a:lt2>
+        <a:srgbClr val="F3F3F3"/>
+      </a:lt2>
+      <a:accent1>
+        <a:srgbClr val="058DC7"/>
+      </a:accent1>
+      <a:accent2>
+        <a:srgbClr val="50B432"/>
+      </a:accent2>
+      <a:accent3>
+        <a:srgbClr val="ED561B"/>
+      </a:accent3>
+      <a:accent4>
+        <a:srgbClr val="EDEF00"/>
+      </a:accent4>
+      <a:accent5>
+        <a:srgbClr val="24CBE5"/>
+      </a:accent5>
+      <a:accent6>
+        <a:srgbClr val="64E572"/>
+      </a:accent6>
+      <a:hlink>
+        <a:srgbClr val="2200CC"/>
+      </a:hlink>
+      <a:folHlink>
+        <a:srgbClr val="551A8B"/>
+      </a:folHlink>
+    </a:clrScheme>
+    <a:fontScheme name="Office">
+      <a:majorFont>
+        <a:latin typeface="Arial"/>
+        <a:ea typeface=""/>
+        <a:cs typeface=""/>
+        <a:font script="Jpan" typeface="ＭＳ Ｐゴシック"/>
+        <a:font script="Hang" typeface="맑은 고딕"/>
+        <a:font script="Hans" typeface="宋体"/>
+        <a:font script="Hant" typeface="新細明體"/>
+        <a:font script="Arab" typeface="Times New Roman"/>
+        <a:font script="Hebr" typeface="Times New Roman"/>
+        <a:font script="Thai" typeface="Angsana New"/>
+        <a:font script="Ethi" typeface="Nyala"/>
+        <a:font script="Beng" typeface="Vrinda"/>
+        <a:font script="Gujr" typeface="Shruti"/>
+        <a:font script="Khmr" typeface="MoolBoran"/>
+        <a:font script="Knda" typeface="Tunga"/>
+        <a:font script="Guru" typeface="Raavi"/>
+        <a:font script="Cans" typeface="Euphemia"/>
+        <a:font script="Cher" typeface="Plantagenet Cherokee"/>
+        <a:font script="Yiii" typeface="Microsoft Yi Baiti"/>
+        <a:font script="Tibt" typeface="Microsoft Himalaya"/>
+        <a:font script="Thaa" typeface="MV Boli"/>
+        <a:font script="Deva" typeface="Mangal"/>
+        <a:font script="Telu" typeface="Gautami"/>
+        <a:font script="Taml" typeface="Latha"/>
+        <a:font script="Syrc" typeface="Estrangelo Edessa"/>
+        <a:font script="Orya" typeface="Kalinga"/>
+        <a:font script="Mlym" typeface="Kartika"/>
+        <a:font script="Laoo" typeface="DokChampa"/>
+        <a:font script="Sinh" typeface="Iskoola Pota"/>
+        <a:font script="Mong" typeface="Mongolian Baiti"/>
+        <a:font script="Viet" typeface="Times New Roman"/>
+        <a:font script="Uigh" typeface="Microsoft Uighur"/>
+        <a:font script="Geor" typeface="Sylfaen"/>
+      </a:majorFont>
+      <a:minorFont>
+        <a:latin typeface="Arial"/>
+        <a:ea typeface=""/>
+        <a:cs typeface=""/>
+        <a:font script="Jpan" typeface="ＭＳ Ｐゴシック"/>
+        <a:font script="Hang" typeface="맑은 고딕"/>
+        <a:font script="Hans" typeface="宋体"/>
+        <a:font script="Hant" typeface="新細明體"/>
+        <a:font script="Arab" typeface="Arial"/>
+        <a:font script="Hebr" typeface="Arial"/>
+        <a:font script="Thai" typeface="Cordia New"/>
+        <a:font script="Ethi" typeface="Nyala"/>
+        <a:font script="Beng" typeface="Vrinda"/>
+        <a:font script="Gujr" typeface="Shruti"/>
+        <a:font script="Khmr" typeface="DaunPenh"/>
+        <a:font script="Knda" typeface="Tunga"/>
+        <a:font script="Guru" typeface="Raavi"/>
+        <a:font script="Cans" typeface="Euphemia"/>
+        <a:font script="Cher" typeface="Plantagenet Cherokee"/>
+        <a:font script="Yiii" typeface="Microsoft Yi Baiti"/>
+        <a:font script="Tibt" typeface="Microsoft Himalaya"/>
+        <a:font script="Thaa" typeface="MV Boli"/>
+        <a:font script="Deva" typeface="Mangal"/>
+        <a:font script="Telu" typeface="Gautami"/>
+        <a:font script="Taml" typeface="Latha"/>
+        <a:font script="Syrc" typeface="Estrangelo Edessa"/>
+        <a:font script="Orya" typeface="Kalinga"/>
+        <a:font script="Mlym" typeface="Kartika"/>
+        <a:font script="Laoo" typeface="DokChampa"/>
+        <a:font script="Sinh" typeface="Iskoola Pota"/>
+        <a:font script="Mong" typeface="Mongolian Baiti"/>
+        <a:font script="Viet" typeface="Arial"/>
+        <a:font script="Uigh" typeface="Microsoft Uighur"/>
+        <a:font script="Geor" typeface="Sylfaen"/>
+      </a:minorFont>
+    </a:fontScheme>
+    <a:fmtScheme name="Office">
+      <a:fillStyleLst>
+        <a:solidFill>
+          <a:schemeClr val="phClr"/>
+        </a:solidFill>
+        <a:gradFill rotWithShape="1">
+          <a:gsLst>
+            <a:gs pos="0">
+              <a:schemeClr val="phClr">
+                <a:tint val="50000"/>
+                <a:satMod val="300000"/>
+              </a:schemeClr>
+            </a:gs>
+            <a:gs pos="35000">
+              <a:schemeClr val="phClr">
+                <a:tint val="37000"/>
+                <a:satMod val="300000"/>
+              </a:schemeClr>
+            </a:gs>
+            <a:gs pos="100000">
+              <a:schemeClr val="phClr">
+                <a:tint val="15000"/>
+                <a:satMod val="350000"/>
+              </a:schemeClr>
+            </a:gs>
+          </a:gsLst>
+          <a:lin ang="16200000" scaled="1"/>
+        </a:gradFill>
+        <a:gradFill rotWithShape="1">
+          <a:gsLst>
+            <a:gs pos="0">
+              <a:schemeClr val="phClr">
+                <a:tint val="100000"/>
+                <a:shade val="100000"/>
+                <a:satMod val="130000"/>
+              </a:schemeClr>
+            </a:gs>
+            <a:gs pos="100000">
+              <a:schemeClr val="phClr">
+                <a:tint val="50000"/>
+                <a:shade val="100000"/>
+                <a:satMod val="350000"/>
+              </a:schemeClr>
+            </a:gs>
+          </a:gsLst>
+          <a:lin ang="16200000" scaled="0"/>
+        </a:gradFill>
+      </a:fillStyleLst>
+      <a:lnStyleLst>
+        <a:ln w="9525" cap="flat" cmpd="sng" algn="ctr">
+          <a:solidFill>
+            <a:schemeClr val="phClr">
+              <a:shade val="95000"/>
+              <a:satMod val="105000"/>
+            </a:schemeClr>
+          </a:solidFill>
+          <a:prstDash val="solid"/>
+        </a:ln>
+        <a:ln w="25400" cap="flat" cmpd="sng" algn="ctr">
+          <a:solidFill>
+            <a:schemeClr val="phClr"/>
+          </a:solidFill>
+          <a:prstDash val="solid"/>
+        </a:ln>
+        <a:ln w="38100" cap="flat" cmpd="sng" algn="ctr">
+          <a:solidFill>
+            <a:schemeClr val="phClr"/>
+          </a:solidFill>
+          <a:prstDash val="solid"/>
+        </a:ln>
+      </a:lnStyleLst>
+      <a:effectStyleLst>
+        <a:effectStyle>
+          <a:effectLst>
+            <a:outerShdw blurRad="40000" dist="20000" dir="5400000" rotWithShape="0">
+              <a:srgbClr val="000000">
+                <a:alpha val="38000"/>
+              </a:srgbClr>
+            </a:outerShdw>
+          </a:effectLst>
+        </a:effectStyle>
+        <a:effectStyle>
+          <a:effectLst>
+            <a:outerShdw blurRad="40000" dist="23000" dir="5400000" rotWithShape="0">
+              <a:srgbClr val="000000">
+                <a:alpha val="35000"/>
+              </a:srgbClr>
+            </a:outerShdw>
+          </a:effectLst>
+        </a:effectStyle>
+        <a:effectStyle>
+          <a:effectLst>
+            <a:outerShdw blurRad="40000" dist="23000" dir="5400000" rotWithShape="0">
+              <a:srgbClr val="000000">
+                <a:alpha val="35000"/>
+              </a:srgbClr>
+            </a:outerShdw>
+          </a:effectLst>
+          <a:scene3d>
+            <a:camera prst="orthographicFront">
+              <a:rot lat="0" lon="0" rev="0"/>
+            </a:camera>
+            <a:lightRig rig="threePt" dir="t">
+              <a:rot lat="0" lon="0" rev="1200000"/>
+            </a:lightRig>
+          </a:scene3d>
+          <a:sp3d>
+            <a:bevelT w="63500" h="25400"/>
+          </a:sp3d>
+        </a:effectStyle>
+      </a:effectStyleLst>
+      <a:bgFillStyleLst>
+        <a:solidFill>
+          <a:schemeClr val="phClr"/>
+        </a:solidFill>
+        <a:gradFill rotWithShape="1">
+          <a:gsLst>
+            <a:gs pos="0">
+              <a:schemeClr val="phClr">
+                <a:tint val="40000"/>
+                <a:satMod val="350000"/>
+              </a:schemeClr>
+            </a:gs>
+            <a:gs pos="40000">
+              <a:schemeClr val="phClr">
+                <a:tint val="45000"/>
+                <a:shade val="99000"/>
+                <a:satMod val="350000"/>
+              </a:schemeClr>
+            </a:gs>
+            <a:gs pos="100000">
+              <a:schemeClr val="phClr">
+                <a:shade val="20000"/>
+                <a:satMod val="255000"/>
+              </a:schemeClr>
+            </a:gs>
+          </a:gsLst>
+          <a:path path="circle">
+            <a:fillToRect l="50000" t="-80000" r="50000" b="180000"/>
+          </a:path>
+        </a:gradFill>
+        <a:gradFill rotWithShape="1">
+          <a:gsLst>
+            <a:gs pos="0">
+              <a:schemeClr val="phClr">
+                <a:tint val="80000"/>
+                <a:satMod val="300000"/>
+              </a:schemeClr>
+            </a:gs>
+            <a:gs pos="100000">
+              <a:schemeClr val="phClr">
+                <a:shade val="30000"/>
+                <a:satMod val="200000"/>
+              </a:schemeClr>
+            </a:gs>
+          </a:gsLst>
+          <a:path path="circle">
+            <a:fillToRect l="50000" t="50000" r="50000" b="50000"/>
+          </a:path>
+        </a:gradFill>
+      </a:bgFillStyleLst>
+    </a:fmtScheme>
+  </a:themeElements>
+</a:theme>
+</file>
+
+<file path=ppt/theme/theme2.xml><?xml version="1.0" encoding="utf-8"?>
 <a:theme xmlns:a="http://schemas.openxmlformats.org/drawingml/2006/main" xmlns:r="http://schemas.openxmlformats.org/officeDocument/2006/relationships" name="Simple Light">
   <a:themeElements>
     <a:clrScheme name="Simple Light">
@@ -8910,283 +9186,4 @@
     </a:fmtScheme>
   </a:themeElements>
 </a:theme>
-</file>
-
-<file path=ppt/theme/theme2.xml><?xml version="1.0" encoding="utf-8"?>
-<a:theme xmlns:a="http://schemas.openxmlformats.org/drawingml/2006/main" xmlns:r="http://schemas.openxmlformats.org/officeDocument/2006/relationships">
-  <a:themeElements>
-    <a:clrScheme name="Default">
-      <a:dk1>
-        <a:srgbClr val="000000"/>
-      </a:dk1>
-      <a:lt1>
-        <a:srgbClr val="FFFFFF"/>
-      </a:lt1>
-      <a:dk2>
-        <a:srgbClr val="158158"/>
-      </a:dk2>
-      <a:lt2>
-        <a:srgbClr val="F3F3F3"/>
-      </a:lt2>
-      <a:accent1>
-        <a:srgbClr val="058DC7"/>
-      </a:accent1>
-      <a:accent2>
-        <a:srgbClr val="50B432"/>
-      </a:accent2>
-      <a:accent3>
-        <a:srgbClr val="ED561B"/>
-      </a:accent3>
-      <a:accent4>
-        <a:srgbClr val="EDEF00"/>
-      </a:accent4>
-      <a:accent5>
-        <a:srgbClr val="24CBE5"/>
-      </a:accent5>
-      <a:accent6>
-        <a:srgbClr val="64E572"/>
-      </a:accent6>
-      <a:hlink>
-        <a:srgbClr val="2200CC"/>
-      </a:hlink>
-      <a:folHlink>
-        <a:srgbClr val="551A8B"/>
-      </a:folHlink>
-    </a:clrScheme>
-    <a:fontScheme name="Office">
-      <a:majorFont>
-        <a:latin typeface="Arial"/>
-        <a:ea typeface=""/>
-        <a:cs typeface=""/>
-        <a:font script="Jpan" typeface="ＭＳ Ｐゴシック"/>
-        <a:font script="Hang" typeface="맑은 고딕"/>
-        <a:font script="Hans" typeface="宋体"/>
-        <a:font script="Hant" typeface="新細明體"/>
-        <a:font script="Arab" typeface="Times New Roman"/>
-        <a:font script="Hebr" typeface="Times New Roman"/>
-        <a:font script="Thai" typeface="Angsana New"/>
-        <a:font script="Ethi" typeface="Nyala"/>
-        <a:font script="Beng" typeface="Vrinda"/>
-        <a:font script="Gujr" typeface="Shruti"/>
-        <a:font script="Khmr" typeface="MoolBoran"/>
-        <a:font script="Knda" typeface="Tunga"/>
-        <a:font script="Guru" typeface="Raavi"/>
-        <a:font script="Cans" typeface="Euphemia"/>
-        <a:font script="Cher" typeface="Plantagenet Cherokee"/>
-        <a:font script="Yiii" typeface="Microsoft Yi Baiti"/>
-        <a:font script="Tibt" typeface="Microsoft Himalaya"/>
-        <a:font script="Thaa" typeface="MV Boli"/>
-        <a:font script="Deva" typeface="Mangal"/>
-        <a:font script="Telu" typeface="Gautami"/>
-        <a:font script="Taml" typeface="Latha"/>
-        <a:font script="Syrc" typeface="Estrangelo Edessa"/>
-        <a:font script="Orya" typeface="Kalinga"/>
-        <a:font script="Mlym" typeface="Kartika"/>
-        <a:font script="Laoo" typeface="DokChampa"/>
-        <a:font script="Sinh" typeface="Iskoola Pota"/>
-        <a:font script="Mong" typeface="Mongolian Baiti"/>
-        <a:font script="Viet" typeface="Times New Roman"/>
-        <a:font script="Uigh" typeface="Microsoft Uighur"/>
-        <a:font script="Geor" typeface="Sylfaen"/>
-      </a:majorFont>
-      <a:minorFont>
-        <a:latin typeface="Arial"/>
-        <a:ea typeface=""/>
-        <a:cs typeface=""/>
-        <a:font script="Jpan" typeface="ＭＳ Ｐゴシック"/>
-        <a:font script="Hang" typeface="맑은 고딕"/>
-        <a:font script="Hans" typeface="宋体"/>
-        <a:font script="Hant" typeface="新細明體"/>
-        <a:font script="Arab" typeface="Arial"/>
-        <a:font script="Hebr" typeface="Arial"/>
-        <a:font script="Thai" typeface="Cordia New"/>
-        <a:font script="Ethi" typeface="Nyala"/>
-        <a:font script="Beng" typeface="Vrinda"/>
-        <a:font script="Gujr" typeface="Shruti"/>
-        <a:font script="Khmr" typeface="DaunPenh"/>
-        <a:font script="Knda" typeface="Tunga"/>
-        <a:font script="Guru" typeface="Raavi"/>
-        <a:font script="Cans" typeface="Euphemia"/>
-        <a:font script="Cher" typeface="Plantagenet Cherokee"/>
-        <a:font script="Yiii" typeface="Microsoft Yi Baiti"/>
-        <a:font script="Tibt" typeface="Microsoft Himalaya"/>
-        <a:font script="Thaa" typeface="MV Boli"/>
-        <a:font script="Deva" typeface="Mangal"/>
-        <a:font script="Telu" typeface="Gautami"/>
-        <a:font script="Taml" typeface="Latha"/>
-        <a:font script="Syrc" typeface="Estrangelo Edessa"/>
-        <a:font script="Orya" typeface="Kalinga"/>
-        <a:font script="Mlym" typeface="Kartika"/>
-        <a:font script="Laoo" typeface="DokChampa"/>
-        <a:font script="Sinh" typeface="Iskoola Pota"/>
-        <a:font script="Mong" typeface="Mongolian Baiti"/>
-        <a:font script="Viet" typeface="Arial"/>
-        <a:font script="Uigh" typeface="Microsoft Uighur"/>
-        <a:font script="Geor" typeface="Sylfaen"/>
-      </a:minorFont>
-    </a:fontScheme>
-    <a:fmtScheme name="Office">
-      <a:fillStyleLst>
-        <a:solidFill>
-          <a:schemeClr val="phClr"/>
-        </a:solidFill>
-        <a:gradFill rotWithShape="1">
-          <a:gsLst>
-            <a:gs pos="0">
-              <a:schemeClr val="phClr">
-                <a:tint val="50000"/>
-                <a:satMod val="300000"/>
-              </a:schemeClr>
-            </a:gs>
-            <a:gs pos="35000">
-              <a:schemeClr val="phClr">
-                <a:tint val="37000"/>
-                <a:satMod val="300000"/>
-              </a:schemeClr>
-            </a:gs>
-            <a:gs pos="100000">
-              <a:schemeClr val="phClr">
-                <a:tint val="15000"/>
-                <a:satMod val="350000"/>
-              </a:schemeClr>
-            </a:gs>
-          </a:gsLst>
-          <a:lin ang="16200000" scaled="1"/>
-        </a:gradFill>
-        <a:gradFill rotWithShape="1">
-          <a:gsLst>
-            <a:gs pos="0">
-              <a:schemeClr val="phClr">
-                <a:tint val="100000"/>
-                <a:shade val="100000"/>
-                <a:satMod val="130000"/>
-              </a:schemeClr>
-            </a:gs>
-            <a:gs pos="100000">
-              <a:schemeClr val="phClr">
-                <a:tint val="50000"/>
-                <a:shade val="100000"/>
-                <a:satMod val="350000"/>
-              </a:schemeClr>
-            </a:gs>
-          </a:gsLst>
-          <a:lin ang="16200000" scaled="0"/>
-        </a:gradFill>
-      </a:fillStyleLst>
-      <a:lnStyleLst>
-        <a:ln w="9525" cap="flat" cmpd="sng" algn="ctr">
-          <a:solidFill>
-            <a:schemeClr val="phClr">
-              <a:shade val="95000"/>
-              <a:satMod val="105000"/>
-            </a:schemeClr>
-          </a:solidFill>
-          <a:prstDash val="solid"/>
-        </a:ln>
-        <a:ln w="25400" cap="flat" cmpd="sng" algn="ctr">
-          <a:solidFill>
-            <a:schemeClr val="phClr"/>
-          </a:solidFill>
-          <a:prstDash val="solid"/>
-        </a:ln>
-        <a:ln w="38100" cap="flat" cmpd="sng" algn="ctr">
-          <a:solidFill>
-            <a:schemeClr val="phClr"/>
-          </a:solidFill>
-          <a:prstDash val="solid"/>
-        </a:ln>
-      </a:lnStyleLst>
-      <a:effectStyleLst>
-        <a:effectStyle>
-          <a:effectLst>
-            <a:outerShdw blurRad="40000" dist="20000" dir="5400000" rotWithShape="0">
-              <a:srgbClr val="000000">
-                <a:alpha val="38000"/>
-              </a:srgbClr>
-            </a:outerShdw>
-          </a:effectLst>
-        </a:effectStyle>
-        <a:effectStyle>
-          <a:effectLst>
-            <a:outerShdw blurRad="40000" dist="23000" dir="5400000" rotWithShape="0">
-              <a:srgbClr val="000000">
-                <a:alpha val="35000"/>
-              </a:srgbClr>
-            </a:outerShdw>
-          </a:effectLst>
-        </a:effectStyle>
-        <a:effectStyle>
-          <a:effectLst>
-            <a:outerShdw blurRad="40000" dist="23000" dir="5400000" rotWithShape="0">
-              <a:srgbClr val="000000">
-                <a:alpha val="35000"/>
-              </a:srgbClr>
-            </a:outerShdw>
-          </a:effectLst>
-          <a:scene3d>
-            <a:camera prst="orthographicFront">
-              <a:rot lat="0" lon="0" rev="0"/>
-            </a:camera>
-            <a:lightRig rig="threePt" dir="t">
-              <a:rot lat="0" lon="0" rev="1200000"/>
-            </a:lightRig>
-          </a:scene3d>
-          <a:sp3d>
-            <a:bevelT w="63500" h="25400"/>
-          </a:sp3d>
-        </a:effectStyle>
-      </a:effectStyleLst>
-      <a:bgFillStyleLst>
-        <a:solidFill>
-          <a:schemeClr val="phClr"/>
-        </a:solidFill>
-        <a:gradFill rotWithShape="1">
-          <a:gsLst>
-            <a:gs pos="0">
-              <a:schemeClr val="phClr">
-                <a:tint val="40000"/>
-                <a:satMod val="350000"/>
-              </a:schemeClr>
-            </a:gs>
-            <a:gs pos="40000">
-              <a:schemeClr val="phClr">
-                <a:tint val="45000"/>
-                <a:shade val="99000"/>
-                <a:satMod val="350000"/>
-              </a:schemeClr>
-            </a:gs>
-            <a:gs pos="100000">
-              <a:schemeClr val="phClr">
-                <a:shade val="20000"/>
-                <a:satMod val="255000"/>
-              </a:schemeClr>
-            </a:gs>
-          </a:gsLst>
-          <a:path path="circle">
-            <a:fillToRect l="50000" t="-80000" r="50000" b="180000"/>
-          </a:path>
-        </a:gradFill>
-        <a:gradFill rotWithShape="1">
-          <a:gsLst>
-            <a:gs pos="0">
-              <a:schemeClr val="phClr">
-                <a:tint val="80000"/>
-                <a:satMod val="300000"/>
-              </a:schemeClr>
-            </a:gs>
-            <a:gs pos="100000">
-              <a:schemeClr val="phClr">
-                <a:shade val="30000"/>
-                <a:satMod val="200000"/>
-              </a:schemeClr>
-            </a:gs>
-          </a:gsLst>
-          <a:path path="circle">
-            <a:fillToRect l="50000" t="50000" r="50000" b="50000"/>
-          </a:path>
-        </a:gradFill>
-      </a:bgFillStyleLst>
-    </a:fmtScheme>
-  </a:themeElements>
-</a:theme>
 </file>
--- a/CapstoneProjects/Big Mountain Ski Resort/Docs/Project Slides.pptx
+++ b/CapstoneProjects/Big Mountain Ski Resort/Docs/Project Slides.pptx
@@ -16,6 +16,9 @@
     <p:sldId id="261" r:id="rId12"/>
     <p:sldId id="262" r:id="rId13"/>
     <p:sldId id="263" r:id="rId14"/>
+    <p:sldId id="264" r:id="rId15"/>
+    <p:sldId id="265" r:id="rId16"/>
+    <p:sldId id="266" r:id="rId17"/>
   </p:sldIdLst>
   <p:sldSz cy="5143500" cx="9144000"/>
   <p:notesSz cx="6858000" cy="9144000"/>
@@ -792,6 +795,204 @@
 </p:notes>
 </file>
 
+<file path=ppt/notesSlides/notesSlide10.xml><?xml version="1.0" encoding="utf-8"?>
+<p:notes xmlns:a="http://schemas.openxmlformats.org/drawingml/2006/main" xmlns:r="http://schemas.openxmlformats.org/officeDocument/2006/relationships" xmlns:mc="http://schemas.openxmlformats.org/markup-compatibility/2006" xmlns:mv="urn:schemas-microsoft-com:mac:vml" xmlns:p="http://schemas.openxmlformats.org/presentationml/2006/main" xmlns:c="http://schemas.openxmlformats.org/drawingml/2006/chart" xmlns:dgm="http://schemas.openxmlformats.org/drawingml/2006/diagram" xmlns:o="urn:schemas-microsoft-com:office:office" xmlns:v="urn:schemas-microsoft-com:vml" xmlns:pvml="urn:schemas-microsoft-com:office:powerpoint" xmlns:com="http://schemas.openxmlformats.org/drawingml/2006/compatibility" xmlns:p14="http://schemas.microsoft.com/office/powerpoint/2010/main" xmlns:p15="http://schemas.microsoft.com/office/powerpoint/2012/main" xmlns:ahyp="http://schemas.microsoft.com/office/drawing/2018/hyperlinkcolor" showMasterPhAnim="0" showMasterSp="0">
+  <p:cSld>
+    <p:spTree>
+      <p:nvGrpSpPr>
+        <p:cNvPr id="117" name="Shape 117"/>
+        <p:cNvGrpSpPr/>
+        <p:nvPr/>
+      </p:nvGrpSpPr>
+      <p:grpSpPr>
+        <a:xfrm>
+          <a:off x="0" y="0"/>
+          <a:ext cx="0" cy="0"/>
+          <a:chOff x="0" y="0"/>
+          <a:chExt cx="0" cy="0"/>
+        </a:xfrm>
+      </p:grpSpPr>
+      <p:sp>
+        <p:nvSpPr>
+          <p:cNvPr id="118" name="Google Shape;118;ge6584ab0eb_0_63:notes"/>
+          <p:cNvSpPr/>
+          <p:nvPr>
+            <p:ph idx="2" type="sldImg"/>
+          </p:nvPr>
+        </p:nvSpPr>
+        <p:spPr>
+          <a:xfrm>
+            <a:off x="381300" y="685800"/>
+            <a:ext cx="6096000" cy="3429000"/>
+          </a:xfrm>
+          <a:custGeom>
+            <a:rect b="b" l="l" r="r" t="t"/>
+            <a:pathLst>
+              <a:path extrusionOk="0" h="120000" w="120000">
+                <a:moveTo>
+                  <a:pt x="0" y="0"/>
+                </a:moveTo>
+                <a:lnTo>
+                  <a:pt x="120000" y="0"/>
+                </a:lnTo>
+                <a:lnTo>
+                  <a:pt x="120000" y="120000"/>
+                </a:lnTo>
+                <a:lnTo>
+                  <a:pt x="0" y="120000"/>
+                </a:lnTo>
+                <a:close/>
+              </a:path>
+            </a:pathLst>
+          </a:custGeom>
+        </p:spPr>
+      </p:sp>
+      <p:sp>
+        <p:nvSpPr>
+          <p:cNvPr id="119" name="Google Shape;119;ge6584ab0eb_0_63:notes"/>
+          <p:cNvSpPr txBox="1"/>
+          <p:nvPr>
+            <p:ph idx="1" type="body"/>
+          </p:nvPr>
+        </p:nvSpPr>
+        <p:spPr>
+          <a:xfrm>
+            <a:off x="685800" y="4343400"/>
+            <a:ext cx="5486400" cy="4114800"/>
+          </a:xfrm>
+          <a:prstGeom prst="rect">
+            <a:avLst/>
+          </a:prstGeom>
+        </p:spPr>
+        <p:txBody>
+          <a:bodyPr anchorCtr="0" anchor="t" bIns="91425" lIns="91425" spcFirstLastPara="1" rIns="91425" wrap="square" tIns="91425">
+            <a:noAutofit/>
+          </a:bodyPr>
+          <a:lstStyle/>
+          <a:p>
+            <a:pPr indent="0" lvl="0" marL="0" rtl="0" algn="l">
+              <a:spcBef>
+                <a:spcPts val="0"/>
+              </a:spcBef>
+              <a:spcAft>
+                <a:spcPts val="0"/>
+              </a:spcAft>
+              <a:buNone/>
+            </a:pPr>
+            <a:r>
+              <a:t/>
+            </a:r>
+            <a:endParaRPr/>
+          </a:p>
+        </p:txBody>
+      </p:sp>
+    </p:spTree>
+  </p:cSld>
+  <p:clrMapOvr>
+    <a:masterClrMapping/>
+  </p:clrMapOvr>
+</p:notes>
+</file>
+
+<file path=ppt/notesSlides/notesSlide11.xml><?xml version="1.0" encoding="utf-8"?>
+<p:notes xmlns:a="http://schemas.openxmlformats.org/drawingml/2006/main" xmlns:r="http://schemas.openxmlformats.org/officeDocument/2006/relationships" xmlns:mc="http://schemas.openxmlformats.org/markup-compatibility/2006" xmlns:mv="urn:schemas-microsoft-com:mac:vml" xmlns:p="http://schemas.openxmlformats.org/presentationml/2006/main" xmlns:c="http://schemas.openxmlformats.org/drawingml/2006/chart" xmlns:dgm="http://schemas.openxmlformats.org/drawingml/2006/diagram" xmlns:o="urn:schemas-microsoft-com:office:office" xmlns:v="urn:schemas-microsoft-com:vml" xmlns:pvml="urn:schemas-microsoft-com:office:powerpoint" xmlns:com="http://schemas.openxmlformats.org/drawingml/2006/compatibility" xmlns:p14="http://schemas.microsoft.com/office/powerpoint/2010/main" xmlns:p15="http://schemas.microsoft.com/office/powerpoint/2012/main" xmlns:ahyp="http://schemas.microsoft.com/office/drawing/2018/hyperlinkcolor" showMasterPhAnim="0" showMasterSp="0">
+  <p:cSld>
+    <p:spTree>
+      <p:nvGrpSpPr>
+        <p:cNvPr id="123" name="Shape 123"/>
+        <p:cNvGrpSpPr/>
+        <p:nvPr/>
+      </p:nvGrpSpPr>
+      <p:grpSpPr>
+        <a:xfrm>
+          <a:off x="0" y="0"/>
+          <a:ext cx="0" cy="0"/>
+          <a:chOff x="0" y="0"/>
+          <a:chExt cx="0" cy="0"/>
+        </a:xfrm>
+      </p:grpSpPr>
+      <p:sp>
+        <p:nvSpPr>
+          <p:cNvPr id="124" name="Google Shape;124;ge6584ab0eb_0_76:notes"/>
+          <p:cNvSpPr/>
+          <p:nvPr>
+            <p:ph idx="2" type="sldImg"/>
+          </p:nvPr>
+        </p:nvSpPr>
+        <p:spPr>
+          <a:xfrm>
+            <a:off x="381300" y="685800"/>
+            <a:ext cx="6096000" cy="3429000"/>
+          </a:xfrm>
+          <a:custGeom>
+            <a:rect b="b" l="l" r="r" t="t"/>
+            <a:pathLst>
+              <a:path extrusionOk="0" h="120000" w="120000">
+                <a:moveTo>
+                  <a:pt x="0" y="0"/>
+                </a:moveTo>
+                <a:lnTo>
+                  <a:pt x="120000" y="0"/>
+                </a:lnTo>
+                <a:lnTo>
+                  <a:pt x="120000" y="120000"/>
+                </a:lnTo>
+                <a:lnTo>
+                  <a:pt x="0" y="120000"/>
+                </a:lnTo>
+                <a:close/>
+              </a:path>
+            </a:pathLst>
+          </a:custGeom>
+        </p:spPr>
+      </p:sp>
+      <p:sp>
+        <p:nvSpPr>
+          <p:cNvPr id="125" name="Google Shape;125;ge6584ab0eb_0_76:notes"/>
+          <p:cNvSpPr txBox="1"/>
+          <p:nvPr>
+            <p:ph idx="1" type="body"/>
+          </p:nvPr>
+        </p:nvSpPr>
+        <p:spPr>
+          <a:xfrm>
+            <a:off x="685800" y="4343400"/>
+            <a:ext cx="5486400" cy="4114800"/>
+          </a:xfrm>
+          <a:prstGeom prst="rect">
+            <a:avLst/>
+          </a:prstGeom>
+        </p:spPr>
+        <p:txBody>
+          <a:bodyPr anchorCtr="0" anchor="t" bIns="91425" lIns="91425" spcFirstLastPara="1" rIns="91425" wrap="square" tIns="91425">
+            <a:noAutofit/>
+          </a:bodyPr>
+          <a:lstStyle/>
+          <a:p>
+            <a:pPr indent="0" lvl="0" marL="0" rtl="0" algn="l">
+              <a:spcBef>
+                <a:spcPts val="0"/>
+              </a:spcBef>
+              <a:spcAft>
+                <a:spcPts val="0"/>
+              </a:spcAft>
+              <a:buNone/>
+            </a:pPr>
+            <a:r>
+              <a:t/>
+            </a:r>
+            <a:endParaRPr/>
+          </a:p>
+        </p:txBody>
+      </p:sp>
+    </p:spTree>
+  </p:cSld>
+  <p:clrMapOvr>
+    <a:masterClrMapping/>
+  </p:clrMapOvr>
+</p:notes>
+</file>
+
 <file path=ppt/notesSlides/notesSlide2.xml><?xml version="1.0" encoding="utf-8"?>
 <p:notes xmlns:a="http://schemas.openxmlformats.org/drawingml/2006/main" xmlns:r="http://schemas.openxmlformats.org/officeDocument/2006/relationships" xmlns:mc="http://schemas.openxmlformats.org/markup-compatibility/2006" xmlns:mv="urn:schemas-microsoft-com:mac:vml" xmlns:p="http://schemas.openxmlformats.org/presentationml/2006/main" xmlns:c="http://schemas.openxmlformats.org/drawingml/2006/chart" xmlns:dgm="http://schemas.openxmlformats.org/drawingml/2006/diagram" xmlns:o="urn:schemas-microsoft-com:office:office" xmlns:v="urn:schemas-microsoft-com:vml" xmlns:pvml="urn:schemas-microsoft-com:office:powerpoint" xmlns:com="http://schemas.openxmlformats.org/drawingml/2006/compatibility" xmlns:p14="http://schemas.microsoft.com/office/powerpoint/2010/main" xmlns:p15="http://schemas.microsoft.com/office/powerpoint/2012/main" xmlns:ahyp="http://schemas.microsoft.com/office/drawing/2018/hyperlinkcolor" showMasterPhAnim="0" showMasterSp="0">
   <p:cSld>
@@ -1207,7 +1408,7 @@
       </p:grpSpPr>
       <p:sp>
         <p:nvSpPr>
-          <p:cNvPr id="83" name="Google Shape;83;ge6584ab0eb_0_44:notes"/>
+          <p:cNvPr id="83" name="Google Shape;83;ge68166078d_0_15:notes"/>
           <p:cNvSpPr/>
           <p:nvPr>
             <p:ph idx="2" type="sldImg"/>
@@ -1242,7 +1443,7 @@
       </p:sp>
       <p:sp>
         <p:nvSpPr>
-          <p:cNvPr id="84" name="Google Shape;84;ge6584ab0eb_0_44:notes"/>
+          <p:cNvPr id="84" name="Google Shape;84;ge68166078d_0_15:notes"/>
           <p:cNvSpPr txBox="1"/>
           <p:nvPr>
             <p:ph idx="1" type="body"/>
@@ -1292,7 +1493,7 @@
   <p:cSld>
     <p:spTree>
       <p:nvGrpSpPr>
-        <p:cNvPr id="93" name="Shape 93"/>
+        <p:cNvPr id="90" name="Shape 90"/>
         <p:cNvGrpSpPr/>
         <p:nvPr/>
       </p:nvGrpSpPr>
@@ -1306,7 +1507,7 @@
       </p:grpSpPr>
       <p:sp>
         <p:nvSpPr>
-          <p:cNvPr id="94" name="Google Shape;94;ge6584ab0eb_0_63:notes"/>
+          <p:cNvPr id="91" name="Google Shape;91;ge68166078d_0_136:notes"/>
           <p:cNvSpPr/>
           <p:nvPr>
             <p:ph idx="2" type="sldImg"/>
@@ -1341,7 +1542,7 @@
       </p:sp>
       <p:sp>
         <p:nvSpPr>
-          <p:cNvPr id="95" name="Google Shape;95;ge6584ab0eb_0_63:notes"/>
+          <p:cNvPr id="92" name="Google Shape;92;ge68166078d_0_136:notes"/>
           <p:cNvSpPr txBox="1"/>
           <p:nvPr>
             <p:ph idx="1" type="body"/>
@@ -1405,7 +1606,7 @@
       </p:grpSpPr>
       <p:sp>
         <p:nvSpPr>
-          <p:cNvPr id="100" name="Google Shape;100;ge6584ab0eb_0_76:notes"/>
+          <p:cNvPr id="100" name="Google Shape;100;ge68166078d_0_106:notes"/>
           <p:cNvSpPr/>
           <p:nvPr>
             <p:ph idx="2" type="sldImg"/>
@@ -1440,7 +1641,106 @@
       </p:sp>
       <p:sp>
         <p:nvSpPr>
-          <p:cNvPr id="101" name="Google Shape;101;ge6584ab0eb_0_76:notes"/>
+          <p:cNvPr id="101" name="Google Shape;101;ge68166078d_0_106:notes"/>
+          <p:cNvSpPr txBox="1"/>
+          <p:nvPr>
+            <p:ph idx="1" type="body"/>
+          </p:nvPr>
+        </p:nvSpPr>
+        <p:spPr>
+          <a:xfrm>
+            <a:off x="685800" y="4343400"/>
+            <a:ext cx="5486400" cy="4114800"/>
+          </a:xfrm>
+          <a:prstGeom prst="rect">
+            <a:avLst/>
+          </a:prstGeom>
+        </p:spPr>
+        <p:txBody>
+          <a:bodyPr anchorCtr="0" anchor="t" bIns="91425" lIns="91425" spcFirstLastPara="1" rIns="91425" wrap="square" tIns="91425">
+            <a:noAutofit/>
+          </a:bodyPr>
+          <a:lstStyle/>
+          <a:p>
+            <a:pPr indent="0" lvl="0" marL="0" rtl="0" algn="l">
+              <a:spcBef>
+                <a:spcPts val="0"/>
+              </a:spcBef>
+              <a:spcAft>
+                <a:spcPts val="0"/>
+              </a:spcAft>
+              <a:buNone/>
+            </a:pPr>
+            <a:r>
+              <a:t/>
+            </a:r>
+            <a:endParaRPr/>
+          </a:p>
+        </p:txBody>
+      </p:sp>
+    </p:spTree>
+  </p:cSld>
+  <p:clrMapOvr>
+    <a:masterClrMapping/>
+  </p:clrMapOvr>
+</p:notes>
+</file>
+
+<file path=ppt/notesSlides/notesSlide9.xml><?xml version="1.0" encoding="utf-8"?>
+<p:notes xmlns:a="http://schemas.openxmlformats.org/drawingml/2006/main" xmlns:r="http://schemas.openxmlformats.org/officeDocument/2006/relationships" xmlns:mc="http://schemas.openxmlformats.org/markup-compatibility/2006" xmlns:mv="urn:schemas-microsoft-com:mac:vml" xmlns:p="http://schemas.openxmlformats.org/presentationml/2006/main" xmlns:c="http://schemas.openxmlformats.org/drawingml/2006/chart" xmlns:dgm="http://schemas.openxmlformats.org/drawingml/2006/diagram" xmlns:o="urn:schemas-microsoft-com:office:office" xmlns:v="urn:schemas-microsoft-com:vml" xmlns:pvml="urn:schemas-microsoft-com:office:powerpoint" xmlns:com="http://schemas.openxmlformats.org/drawingml/2006/compatibility" xmlns:p14="http://schemas.microsoft.com/office/powerpoint/2010/main" xmlns:p15="http://schemas.microsoft.com/office/powerpoint/2012/main" xmlns:ahyp="http://schemas.microsoft.com/office/drawing/2018/hyperlinkcolor" showMasterPhAnim="0" showMasterSp="0">
+  <p:cSld>
+    <p:spTree>
+      <p:nvGrpSpPr>
+        <p:cNvPr id="108" name="Shape 108"/>
+        <p:cNvGrpSpPr/>
+        <p:nvPr/>
+      </p:nvGrpSpPr>
+      <p:grpSpPr>
+        <a:xfrm>
+          <a:off x="0" y="0"/>
+          <a:ext cx="0" cy="0"/>
+          <a:chOff x="0" y="0"/>
+          <a:chExt cx="0" cy="0"/>
+        </a:xfrm>
+      </p:grpSpPr>
+      <p:sp>
+        <p:nvSpPr>
+          <p:cNvPr id="109" name="Google Shape;109;ge68166078d_0_98:notes"/>
+          <p:cNvSpPr/>
+          <p:nvPr>
+            <p:ph idx="2" type="sldImg"/>
+          </p:nvPr>
+        </p:nvSpPr>
+        <p:spPr>
+          <a:xfrm>
+            <a:off x="381300" y="685800"/>
+            <a:ext cx="6096000" cy="3429000"/>
+          </a:xfrm>
+          <a:custGeom>
+            <a:rect b="b" l="l" r="r" t="t"/>
+            <a:pathLst>
+              <a:path extrusionOk="0" h="120000" w="120000">
+                <a:moveTo>
+                  <a:pt x="0" y="0"/>
+                </a:moveTo>
+                <a:lnTo>
+                  <a:pt x="120000" y="0"/>
+                </a:lnTo>
+                <a:lnTo>
+                  <a:pt x="120000" y="120000"/>
+                </a:lnTo>
+                <a:lnTo>
+                  <a:pt x="0" y="120000"/>
+                </a:lnTo>
+                <a:close/>
+              </a:path>
+            </a:pathLst>
+          </a:custGeom>
+        </p:spPr>
+      </p:sp>
+      <p:sp>
+        <p:nvSpPr>
+          <p:cNvPr id="110" name="Google Shape;110;ge68166078d_0_98:notes"/>
           <p:cNvSpPr txBox="1"/>
           <p:nvPr>
             <p:ph idx="1" type="body"/>
@@ -6294,6 +6594,543 @@
 </p:sld>
 </file>
 
+<file path=ppt/slides/slide10.xml><?xml version="1.0" encoding="utf-8"?>
+<p:sld xmlns:a="http://schemas.openxmlformats.org/drawingml/2006/main" xmlns:r="http://schemas.openxmlformats.org/officeDocument/2006/relationships" xmlns:mc="http://schemas.openxmlformats.org/markup-compatibility/2006" xmlns:mv="urn:schemas-microsoft-com:mac:vml" xmlns:p="http://schemas.openxmlformats.org/presentationml/2006/main" xmlns:c="http://schemas.openxmlformats.org/drawingml/2006/chart" xmlns:dgm="http://schemas.openxmlformats.org/drawingml/2006/diagram" xmlns:o="urn:schemas-microsoft-com:office:office" xmlns:v="urn:schemas-microsoft-com:vml" xmlns:pvml="urn:schemas-microsoft-com:office:powerpoint" xmlns:com="http://schemas.openxmlformats.org/drawingml/2006/compatibility" xmlns:p14="http://schemas.microsoft.com/office/powerpoint/2010/main" xmlns:p15="http://schemas.microsoft.com/office/powerpoint/2012/main" xmlns:ahyp="http://schemas.microsoft.com/office/drawing/2018/hyperlinkcolor">
+  <p:cSld>
+    <p:bg>
+      <p:bgPr>
+        <a:solidFill>
+          <a:srgbClr val="CCCCCC"/>
+        </a:solidFill>
+      </p:bgPr>
+    </p:bg>
+    <p:spTree>
+      <p:nvGrpSpPr>
+        <p:cNvPr id="120" name="Shape 120"/>
+        <p:cNvGrpSpPr/>
+        <p:nvPr/>
+      </p:nvGrpSpPr>
+      <p:grpSpPr>
+        <a:xfrm>
+          <a:off x="0" y="0"/>
+          <a:ext cx="0" cy="0"/>
+          <a:chOff x="0" y="0"/>
+          <a:chExt cx="0" cy="0"/>
+        </a:xfrm>
+      </p:grpSpPr>
+      <p:sp>
+        <p:nvSpPr>
+          <p:cNvPr id="121" name="Google Shape;121;p22"/>
+          <p:cNvSpPr txBox="1"/>
+          <p:nvPr>
+            <p:ph type="title"/>
+          </p:nvPr>
+        </p:nvSpPr>
+        <p:spPr>
+          <a:xfrm>
+            <a:off x="311700" y="445025"/>
+            <a:ext cx="8520600" cy="572700"/>
+          </a:xfrm>
+          <a:prstGeom prst="rect">
+            <a:avLst/>
+          </a:prstGeom>
+        </p:spPr>
+        <p:txBody>
+          <a:bodyPr anchorCtr="0" anchor="t" bIns="91425" lIns="91425" spcFirstLastPara="1" rIns="91425" wrap="square" tIns="91425">
+            <a:normAutofit fontScale="90000"/>
+          </a:bodyPr>
+          <a:lstStyle/>
+          <a:p>
+            <a:pPr indent="0" lvl="0" marL="0" rtl="0" algn="l">
+              <a:spcBef>
+                <a:spcPts val="0"/>
+              </a:spcBef>
+              <a:spcAft>
+                <a:spcPts val="0"/>
+              </a:spcAft>
+              <a:buNone/>
+            </a:pPr>
+            <a:r>
+              <a:rPr lang="en" sz="3000">
+                <a:latin typeface="Oswald"/>
+                <a:ea typeface="Oswald"/>
+                <a:cs typeface="Oswald"/>
+                <a:sym typeface="Oswald"/>
+              </a:rPr>
+              <a:t>Conclusion</a:t>
+            </a:r>
+            <a:endParaRPr/>
+          </a:p>
+        </p:txBody>
+      </p:sp>
+      <p:sp>
+        <p:nvSpPr>
+          <p:cNvPr id="122" name="Google Shape;122;p22"/>
+          <p:cNvSpPr txBox="1"/>
+          <p:nvPr>
+            <p:ph idx="1" type="body"/>
+          </p:nvPr>
+        </p:nvSpPr>
+        <p:spPr>
+          <a:xfrm>
+            <a:off x="311700" y="1152475"/>
+            <a:ext cx="8520600" cy="3416400"/>
+          </a:xfrm>
+          <a:prstGeom prst="rect">
+            <a:avLst/>
+          </a:prstGeom>
+        </p:spPr>
+        <p:txBody>
+          <a:bodyPr anchorCtr="0" anchor="t" bIns="91425" lIns="91425" spcFirstLastPara="1" rIns="91425" wrap="square" tIns="91425">
+            <a:normAutofit/>
+          </a:bodyPr>
+          <a:lstStyle/>
+          <a:p>
+            <a:pPr indent="-342900" lvl="0" marL="457200" rtl="0" algn="l">
+              <a:lnSpc>
+                <a:spcPct val="115000"/>
+              </a:lnSpc>
+              <a:spcBef>
+                <a:spcPts val="0"/>
+              </a:spcBef>
+              <a:spcAft>
+                <a:spcPts val="0"/>
+              </a:spcAft>
+              <a:buClr>
+                <a:schemeClr val="dk1"/>
+              </a:buClr>
+              <a:buSzPts val="1800"/>
+              <a:buChar char="●"/>
+            </a:pPr>
+            <a:r>
+              <a:rPr lang="en">
+                <a:solidFill>
+                  <a:schemeClr val="dk1"/>
+                </a:solidFill>
+              </a:rPr>
+              <a:t>The model suggests that Big Mountain is underpricing their tickets so the company can probably increase prices marginally ,</a:t>
+            </a:r>
+            <a:r>
+              <a:rPr lang="en">
+                <a:solidFill>
+                  <a:schemeClr val="dk1"/>
+                </a:solidFill>
+              </a:rPr>
+              <a:t>on increasing the price of their adult weekend tickets by $10 to $15.</a:t>
+            </a:r>
+            <a:endParaRPr>
+              <a:solidFill>
+                <a:schemeClr val="dk1"/>
+              </a:solidFill>
+            </a:endParaRPr>
+          </a:p>
+          <a:p>
+            <a:pPr indent="0" lvl="0" marL="457200" rtl="0" algn="l">
+              <a:lnSpc>
+                <a:spcPct val="115000"/>
+              </a:lnSpc>
+              <a:spcBef>
+                <a:spcPts val="0"/>
+              </a:spcBef>
+              <a:spcAft>
+                <a:spcPts val="0"/>
+              </a:spcAft>
+              <a:buNone/>
+            </a:pPr>
+            <a:r>
+              <a:t/>
+            </a:r>
+            <a:endParaRPr>
+              <a:solidFill>
+                <a:schemeClr val="dk1"/>
+              </a:solidFill>
+            </a:endParaRPr>
+          </a:p>
+          <a:p>
+            <a:pPr indent="-342900" lvl="0" marL="457200" rtl="0" algn="l">
+              <a:lnSpc>
+                <a:spcPct val="115000"/>
+              </a:lnSpc>
+              <a:spcBef>
+                <a:spcPts val="0"/>
+              </a:spcBef>
+              <a:spcAft>
+                <a:spcPts val="0"/>
+              </a:spcAft>
+              <a:buClr>
+                <a:schemeClr val="dk1"/>
+              </a:buClr>
+              <a:buSzPts val="1800"/>
+              <a:buChar char="●"/>
+            </a:pPr>
+            <a:r>
+              <a:rPr lang="en">
+                <a:solidFill>
+                  <a:schemeClr val="dk1"/>
+                </a:solidFill>
+              </a:rPr>
+              <a:t>Increase the vertical drop by adding a run to a point 150 feet lower down but requiring the installation of an additional chair lift to bring skiers back up, without additional snow making coverage </a:t>
+            </a:r>
+            <a:endParaRPr>
+              <a:solidFill>
+                <a:schemeClr val="dk1"/>
+              </a:solidFill>
+            </a:endParaRPr>
+          </a:p>
+          <a:p>
+            <a:pPr indent="0" lvl="0" marL="457200" rtl="0" algn="l">
+              <a:lnSpc>
+                <a:spcPct val="115000"/>
+              </a:lnSpc>
+              <a:spcBef>
+                <a:spcPts val="0"/>
+              </a:spcBef>
+              <a:spcAft>
+                <a:spcPts val="0"/>
+              </a:spcAft>
+              <a:buNone/>
+            </a:pPr>
+            <a:r>
+              <a:t/>
+            </a:r>
+            <a:endParaRPr>
+              <a:solidFill>
+                <a:schemeClr val="dk1"/>
+              </a:solidFill>
+            </a:endParaRPr>
+          </a:p>
+          <a:p>
+            <a:pPr indent="-342900" lvl="0" marL="457200" rtl="0" algn="l">
+              <a:lnSpc>
+                <a:spcPct val="115000"/>
+              </a:lnSpc>
+              <a:spcBef>
+                <a:spcPts val="0"/>
+              </a:spcBef>
+              <a:spcAft>
+                <a:spcPts val="0"/>
+              </a:spcAft>
+              <a:buClr>
+                <a:schemeClr val="dk1"/>
+              </a:buClr>
+              <a:buSzPts val="1800"/>
+              <a:buChar char="●"/>
+            </a:pPr>
+            <a:r>
+              <a:rPr lang="en">
+                <a:solidFill>
+                  <a:schemeClr val="dk1"/>
+                </a:solidFill>
+              </a:rPr>
+              <a:t>Big Mountain keeps the old price for weekdays, and adopts an increased price for weekends.</a:t>
+            </a:r>
+            <a:endParaRPr/>
+          </a:p>
+        </p:txBody>
+      </p:sp>
+    </p:spTree>
+  </p:cSld>
+  <p:clrMapOvr>
+    <a:masterClrMapping/>
+  </p:clrMapOvr>
+</p:sld>
+</file>
+
+<file path=ppt/slides/slide11.xml><?xml version="1.0" encoding="utf-8"?>
+<p:sld xmlns:a="http://schemas.openxmlformats.org/drawingml/2006/main" xmlns:r="http://schemas.openxmlformats.org/officeDocument/2006/relationships" xmlns:mc="http://schemas.openxmlformats.org/markup-compatibility/2006" xmlns:mv="urn:schemas-microsoft-com:mac:vml" xmlns:p="http://schemas.openxmlformats.org/presentationml/2006/main" xmlns:c="http://schemas.openxmlformats.org/drawingml/2006/chart" xmlns:dgm="http://schemas.openxmlformats.org/drawingml/2006/diagram" xmlns:o="urn:schemas-microsoft-com:office:office" xmlns:v="urn:schemas-microsoft-com:vml" xmlns:pvml="urn:schemas-microsoft-com:office:powerpoint" xmlns:com="http://schemas.openxmlformats.org/drawingml/2006/compatibility" xmlns:p14="http://schemas.microsoft.com/office/powerpoint/2010/main" xmlns:p15="http://schemas.microsoft.com/office/powerpoint/2012/main" xmlns:ahyp="http://schemas.microsoft.com/office/drawing/2018/hyperlinkcolor">
+  <p:cSld>
+    <p:bg>
+      <p:bgPr>
+        <a:solidFill>
+          <a:srgbClr val="D9D9D9"/>
+        </a:solidFill>
+      </p:bgPr>
+    </p:bg>
+    <p:spTree>
+      <p:nvGrpSpPr>
+        <p:cNvPr id="126" name="Shape 126"/>
+        <p:cNvGrpSpPr/>
+        <p:nvPr/>
+      </p:nvGrpSpPr>
+      <p:grpSpPr>
+        <a:xfrm>
+          <a:off x="0" y="0"/>
+          <a:ext cx="0" cy="0"/>
+          <a:chOff x="0" y="0"/>
+          <a:chExt cx="0" cy="0"/>
+        </a:xfrm>
+      </p:grpSpPr>
+      <p:sp>
+        <p:nvSpPr>
+          <p:cNvPr id="127" name="Google Shape;127;p23"/>
+          <p:cNvSpPr txBox="1"/>
+          <p:nvPr>
+            <p:ph type="title"/>
+          </p:nvPr>
+        </p:nvSpPr>
+        <p:spPr>
+          <a:xfrm>
+            <a:off x="311700" y="445025"/>
+            <a:ext cx="8520600" cy="572700"/>
+          </a:xfrm>
+          <a:prstGeom prst="rect">
+            <a:avLst/>
+          </a:prstGeom>
+        </p:spPr>
+        <p:txBody>
+          <a:bodyPr anchorCtr="0" anchor="t" bIns="91425" lIns="91425" spcFirstLastPara="1" rIns="91425" wrap="square" tIns="91425">
+            <a:normAutofit fontScale="90000"/>
+          </a:bodyPr>
+          <a:lstStyle/>
+          <a:p>
+            <a:pPr indent="0" lvl="0" marL="0" rtl="0" algn="l">
+              <a:spcBef>
+                <a:spcPts val="0"/>
+              </a:spcBef>
+              <a:spcAft>
+                <a:spcPts val="0"/>
+              </a:spcAft>
+              <a:buNone/>
+            </a:pPr>
+            <a:r>
+              <a:rPr lang="en" sz="3000">
+                <a:latin typeface="Oswald"/>
+                <a:ea typeface="Oswald"/>
+                <a:cs typeface="Oswald"/>
+                <a:sym typeface="Oswald"/>
+              </a:rPr>
+              <a:t>Conclusion</a:t>
+            </a:r>
+            <a:endParaRPr/>
+          </a:p>
+        </p:txBody>
+      </p:sp>
+      <p:sp>
+        <p:nvSpPr>
+          <p:cNvPr id="128" name="Google Shape;128;p23"/>
+          <p:cNvSpPr txBox="1"/>
+          <p:nvPr>
+            <p:ph idx="1" type="body"/>
+          </p:nvPr>
+        </p:nvSpPr>
+        <p:spPr>
+          <a:xfrm>
+            <a:off x="311700" y="1152475"/>
+            <a:ext cx="8520600" cy="3416400"/>
+          </a:xfrm>
+          <a:prstGeom prst="rect">
+            <a:avLst/>
+          </a:prstGeom>
+        </p:spPr>
+        <p:txBody>
+          <a:bodyPr anchorCtr="0" anchor="t" bIns="91425" lIns="91425" spcFirstLastPara="1" rIns="91425" wrap="square" tIns="91425">
+            <a:normAutofit lnSpcReduction="10000"/>
+          </a:bodyPr>
+          <a:lstStyle/>
+          <a:p>
+            <a:pPr indent="0" lvl="0" marL="457200" rtl="0" algn="just">
+              <a:spcBef>
+                <a:spcPts val="0"/>
+              </a:spcBef>
+              <a:spcAft>
+                <a:spcPts val="0"/>
+              </a:spcAft>
+              <a:buNone/>
+            </a:pPr>
+            <a:r>
+              <a:rPr lang="en">
+                <a:solidFill>
+                  <a:schemeClr val="dk1"/>
+                </a:solidFill>
+              </a:rPr>
+              <a:t>The best scenario where we managed to gain the highest revenue increase possible was by  -</a:t>
+            </a:r>
+            <a:endParaRPr>
+              <a:solidFill>
+                <a:schemeClr val="dk1"/>
+              </a:solidFill>
+            </a:endParaRPr>
+          </a:p>
+          <a:p>
+            <a:pPr indent="-342900" lvl="0" marL="914400" rtl="0" algn="just">
+              <a:spcBef>
+                <a:spcPts val="0"/>
+              </a:spcBef>
+              <a:spcAft>
+                <a:spcPts val="0"/>
+              </a:spcAft>
+              <a:buClr>
+                <a:schemeClr val="dk1"/>
+              </a:buClr>
+              <a:buSzPts val="1800"/>
+              <a:buChar char="●"/>
+            </a:pPr>
+            <a:r>
+              <a:rPr lang="en">
+                <a:solidFill>
+                  <a:schemeClr val="dk1"/>
+                </a:solidFill>
+              </a:rPr>
+              <a:t>adding one </a:t>
+            </a:r>
+            <a:endParaRPr>
+              <a:solidFill>
+                <a:schemeClr val="dk1"/>
+              </a:solidFill>
+            </a:endParaRPr>
+          </a:p>
+          <a:p>
+            <a:pPr indent="-342900" lvl="0" marL="914400" rtl="0" algn="just">
+              <a:spcBef>
+                <a:spcPts val="0"/>
+              </a:spcBef>
+              <a:spcAft>
+                <a:spcPts val="0"/>
+              </a:spcAft>
+              <a:buClr>
+                <a:schemeClr val="dk1"/>
+              </a:buClr>
+              <a:buSzPts val="1800"/>
+              <a:buChar char="●"/>
+            </a:pPr>
+            <a:r>
+              <a:rPr lang="en">
+                <a:solidFill>
+                  <a:schemeClr val="dk1"/>
+                </a:solidFill>
+              </a:rPr>
+              <a:t>increasing the vertical drop by 150 ft</a:t>
+            </a:r>
+            <a:endParaRPr>
+              <a:solidFill>
+                <a:schemeClr val="dk1"/>
+              </a:solidFill>
+            </a:endParaRPr>
+          </a:p>
+          <a:p>
+            <a:pPr indent="-342900" lvl="0" marL="914400" rtl="0" algn="just">
+              <a:spcBef>
+                <a:spcPts val="0"/>
+              </a:spcBef>
+              <a:spcAft>
+                <a:spcPts val="0"/>
+              </a:spcAft>
+              <a:buClr>
+                <a:schemeClr val="dk1"/>
+              </a:buClr>
+              <a:buSzPts val="1800"/>
+              <a:buChar char="●"/>
+            </a:pPr>
+            <a:r>
+              <a:rPr lang="en">
+                <a:solidFill>
+                  <a:schemeClr val="dk1"/>
+                </a:solidFill>
+              </a:rPr>
+              <a:t>2 acres of snow making cover</a:t>
+            </a:r>
+            <a:endParaRPr>
+              <a:solidFill>
+                <a:schemeClr val="dk1"/>
+              </a:solidFill>
+            </a:endParaRPr>
+          </a:p>
+          <a:p>
+            <a:pPr indent="-342900" lvl="0" marL="914400" rtl="0" algn="just">
+              <a:spcBef>
+                <a:spcPts val="0"/>
+              </a:spcBef>
+              <a:spcAft>
+                <a:spcPts val="0"/>
+              </a:spcAft>
+              <a:buClr>
+                <a:schemeClr val="dk1"/>
+              </a:buClr>
+              <a:buSzPts val="1800"/>
+              <a:buChar char="●"/>
+            </a:pPr>
+            <a:r>
+              <a:rPr b="1" lang="en">
+                <a:solidFill>
+                  <a:schemeClr val="dk1"/>
+                </a:solidFill>
+              </a:rPr>
+              <a:t>adding one Chair Lift</a:t>
+            </a:r>
+            <a:endParaRPr b="1">
+              <a:solidFill>
+                <a:schemeClr val="dk1"/>
+              </a:solidFill>
+            </a:endParaRPr>
+          </a:p>
+          <a:p>
+            <a:pPr indent="0" lvl="0" marL="457200" rtl="0" algn="just">
+              <a:spcBef>
+                <a:spcPts val="0"/>
+              </a:spcBef>
+              <a:spcAft>
+                <a:spcPts val="0"/>
+              </a:spcAft>
+              <a:buNone/>
+            </a:pPr>
+            <a:r>
+              <a:t/>
+            </a:r>
+            <a:endParaRPr>
+              <a:solidFill>
+                <a:schemeClr val="dk1"/>
+              </a:solidFill>
+            </a:endParaRPr>
+          </a:p>
+          <a:p>
+            <a:pPr indent="0" lvl="0" marL="457200" rtl="0" algn="just">
+              <a:spcBef>
+                <a:spcPts val="0"/>
+              </a:spcBef>
+              <a:spcAft>
+                <a:spcPts val="0"/>
+              </a:spcAft>
+              <a:buNone/>
+            </a:pPr>
+            <a:r>
+              <a:rPr lang="en">
+                <a:solidFill>
+                  <a:schemeClr val="dk1"/>
+                </a:solidFill>
+              </a:rPr>
+              <a:t>This scenario has increased ticket price by 12% from $81 to $94.66, resulting in a bottom-line increase by $15,528,841 (After deducting operating costs = $1.54M).</a:t>
+            </a:r>
+            <a:endParaRPr>
+              <a:solidFill>
+                <a:schemeClr val="dk1"/>
+              </a:solidFill>
+            </a:endParaRPr>
+          </a:p>
+          <a:p>
+            <a:pPr indent="0" lvl="0" marL="0" rtl="0" algn="l">
+              <a:spcBef>
+                <a:spcPts val="0"/>
+              </a:spcBef>
+              <a:spcAft>
+                <a:spcPts val="1200"/>
+              </a:spcAft>
+              <a:buNone/>
+            </a:pPr>
+            <a:r>
+              <a:t/>
+            </a:r>
+            <a:endParaRPr/>
+          </a:p>
+        </p:txBody>
+      </p:sp>
+    </p:spTree>
+  </p:cSld>
+  <p:clrMapOvr>
+    <a:masterClrMapping/>
+  </p:clrMapOvr>
+</p:sld>
+</file>
+
 <file path=ppt/slides/slide2.xml><?xml version="1.0" encoding="utf-8"?>
 <p:sld xmlns:a="http://schemas.openxmlformats.org/drawingml/2006/main" xmlns:r="http://schemas.openxmlformats.org/officeDocument/2006/relationships" xmlns:mc="http://schemas.openxmlformats.org/markup-compatibility/2006" xmlns:mv="urn:schemas-microsoft-com:mac:vml" xmlns:p="http://schemas.openxmlformats.org/presentationml/2006/main" xmlns:c="http://schemas.openxmlformats.org/drawingml/2006/chart" xmlns:dgm="http://schemas.openxmlformats.org/drawingml/2006/diagram" xmlns:o="urn:schemas-microsoft-com:office:office" xmlns:v="urn:schemas-microsoft-com:vml" xmlns:pvml="urn:schemas-microsoft-com:office:powerpoint" xmlns:com="http://schemas.openxmlformats.org/drawingml/2006/compatibility" xmlns:p14="http://schemas.microsoft.com/office/powerpoint/2010/main" xmlns:p15="http://schemas.microsoft.com/office/powerpoint/2012/main" xmlns:ahyp="http://schemas.microsoft.com/office/drawing/2018/hyperlinkcolor">
   <p:cSld>
@@ -6698,97 +7535,28 @@
         </p:spPr>
         <p:txBody>
           <a:bodyPr anchorCtr="0" anchor="t" bIns="91425" lIns="91425" spcFirstLastPara="1" rIns="91425" wrap="square" tIns="91425">
-            <a:normAutofit/>
+            <a:noAutofit/>
           </a:bodyPr>
           <a:lstStyle/>
           <a:p>
-            <a:pPr indent="-342900" lvl="0" marL="457200" rtl="0" algn="l">
-              <a:lnSpc>
-                <a:spcPct val="115000"/>
-              </a:lnSpc>
-              <a:spcBef>
-                <a:spcPts val="0"/>
-              </a:spcBef>
-              <a:spcAft>
-                <a:spcPts val="0"/>
-              </a:spcAft>
-              <a:buClr>
-                <a:schemeClr val="dk1"/>
-              </a:buClr>
-              <a:buSzPts val="1800"/>
-              <a:buChar char="●"/>
+            <a:pPr indent="0" lvl="0" marL="457200" rtl="0" algn="just">
+              <a:spcBef>
+                <a:spcPts val="0"/>
+              </a:spcBef>
+              <a:spcAft>
+                <a:spcPts val="0"/>
+              </a:spcAft>
+              <a:buNone/>
             </a:pPr>
             <a:r>
-              <a:rPr lang="en">
+              <a:rPr lang="en" sz="2000">
                 <a:solidFill>
                   <a:schemeClr val="dk1"/>
                 </a:solidFill>
               </a:rPr>
-              <a:t>Big Mountain plans on increasing operational costs by $1,500,000 this season and needs to offset this by increased revenues</a:t>
+              <a:t>Big Mountain Resort offers spectacular views of Glacier National Park and Flathead National Forest, with access to 105 trails. Every year about 350,000 people ski or snowboard at Big Mountain. The business expressed a desire for some guidance on how to select a better value for their ticket price. by considering number of changes hoping to reduce cost without reducing ticket price or increasing ticket price.</a:t>
             </a:r>
-            <a:endParaRPr>
-              <a:solidFill>
-                <a:schemeClr val="dk1"/>
-              </a:solidFill>
-            </a:endParaRPr>
-          </a:p>
-          <a:p>
-            <a:pPr indent="-342900" lvl="0" marL="457200" rtl="0" algn="l">
-              <a:lnSpc>
-                <a:spcPct val="115000"/>
-              </a:lnSpc>
-              <a:spcBef>
-                <a:spcPts val="0"/>
-              </a:spcBef>
-              <a:spcAft>
-                <a:spcPts val="0"/>
-              </a:spcAft>
-              <a:buClr>
-                <a:schemeClr val="dk1"/>
-              </a:buClr>
-              <a:buSzPts val="1800"/>
-              <a:buChar char="●"/>
-            </a:pPr>
-            <a:r>
-              <a:rPr lang="en">
-                <a:solidFill>
-                  <a:schemeClr val="dk1"/>
-                </a:solidFill>
-              </a:rPr>
-              <a:t>The ski resort market is competitive and therefore ticket price changes are delicate and need to be fine-tuned</a:t>
-            </a:r>
-            <a:endParaRPr>
-              <a:solidFill>
-                <a:schemeClr val="dk1"/>
-              </a:solidFill>
-            </a:endParaRPr>
-          </a:p>
-          <a:p>
-            <a:pPr indent="-342900" lvl="0" marL="457200" rtl="0" algn="l">
-              <a:lnSpc>
-                <a:spcPct val="115000"/>
-              </a:lnSpc>
-              <a:spcBef>
-                <a:spcPts val="0"/>
-              </a:spcBef>
-              <a:spcAft>
-                <a:spcPts val="0"/>
-              </a:spcAft>
-              <a:buClr>
-                <a:schemeClr val="dk1"/>
-              </a:buClr>
-              <a:buSzPts val="1800"/>
-              <a:buChar char="●"/>
-            </a:pPr>
-            <a:r>
-              <a:rPr lang="en">
-                <a:solidFill>
-                  <a:schemeClr val="dk1"/>
-                </a:solidFill>
-              </a:rPr>
-              <a:t>Big Mountain needs to determine how and to what extent different facilities affect supportable ticket prices using a data driven approach</a:t>
-            </a:r>
-            <a:endParaRPr>
+            <a:endParaRPr sz="2000">
               <a:solidFill>
                 <a:schemeClr val="dk1"/>
               </a:solidFill>
@@ -6810,7 +7578,7 @@
             <a:r>
               <a:t/>
             </a:r>
-            <a:endParaRPr>
+            <a:endParaRPr b="1" sz="2000">
               <a:solidFill>
                 <a:schemeClr val="dk1"/>
               </a:solidFill>
@@ -6829,7 +7597,7 @@
             <a:r>
               <a:t/>
             </a:r>
-            <a:endParaRPr/>
+            <a:endParaRPr b="1"/>
           </a:p>
         </p:txBody>
       </p:sp>
@@ -6926,7 +7694,7 @@
         <p:spPr>
           <a:xfrm>
             <a:off x="311700" y="908825"/>
-            <a:ext cx="3985500" cy="3416400"/>
+            <a:ext cx="3985500" cy="3689700"/>
           </a:xfrm>
           <a:prstGeom prst="rect">
             <a:avLst/>
@@ -6987,7 +7755,7 @@
                   <a:schemeClr val="dk1"/>
                 </a:solidFill>
               </a:rPr>
-              <a:t>Snow Making_ac</a:t>
+              <a:t>Total Chairs</a:t>
             </a:r>
             <a:endParaRPr sz="1400">
               <a:solidFill>
@@ -7018,38 +7786,15 @@
                   <a:schemeClr val="dk1"/>
                 </a:solidFill>
               </a:rPr>
-              <a:t>total_chairs</a:t>
+              <a:t>F</a:t>
             </a:r>
-            <a:endParaRPr sz="1400">
-              <a:solidFill>
-                <a:schemeClr val="dk1"/>
-              </a:solidFill>
-            </a:endParaRPr>
-          </a:p>
-          <a:p>
-            <a:pPr indent="-284162" lvl="0" marL="457200" rtl="0" algn="l">
-              <a:lnSpc>
-                <a:spcPct val="115000"/>
-              </a:lnSpc>
-              <a:spcBef>
-                <a:spcPts val="0"/>
-              </a:spcBef>
-              <a:spcAft>
-                <a:spcPts val="0"/>
-              </a:spcAft>
-              <a:buClr>
-                <a:schemeClr val="dk1"/>
-              </a:buClr>
-              <a:buSzPct val="100000"/>
-              <a:buChar char="●"/>
-            </a:pPr>
             <a:r>
               <a:rPr lang="en" sz="1400">
                 <a:solidFill>
                   <a:schemeClr val="dk1"/>
                 </a:solidFill>
               </a:rPr>
-              <a:t>fastQuads</a:t>
+              <a:t>ast Quads</a:t>
             </a:r>
             <a:endParaRPr sz="1400">
               <a:solidFill>
@@ -7111,7 +7856,7 @@
                   <a:schemeClr val="dk1"/>
                 </a:solidFill>
               </a:rPr>
-              <a:t>LongestRun_mi</a:t>
+              <a:t>Longest Run </a:t>
             </a:r>
             <a:endParaRPr sz="1400">
               <a:solidFill>
@@ -7142,7 +7887,7 @@
                   <a:schemeClr val="dk1"/>
                 </a:solidFill>
               </a:rPr>
-              <a:t>trams</a:t>
+              <a:t>Trams</a:t>
             </a:r>
             <a:endParaRPr sz="1400">
               <a:solidFill>
@@ -7173,7 +7918,15 @@
                   <a:schemeClr val="dk1"/>
                 </a:solidFill>
               </a:rPr>
-              <a:t>SkiableTerrain_ac</a:t>
+              <a:t>Skiable Terrain</a:t>
+            </a:r>
+            <a:r>
+              <a:rPr lang="en" sz="1400">
+                <a:solidFill>
+                  <a:schemeClr val="dk1"/>
+                </a:solidFill>
+              </a:rPr>
+              <a:t> Area</a:t>
             </a:r>
             <a:endParaRPr sz="1400">
               <a:solidFill>
@@ -7204,7 +7957,35 @@
                   <a:schemeClr val="dk1"/>
                 </a:solidFill>
               </a:rPr>
-              <a:t>Vertical_drop</a:t>
+              <a:t>Vertical Drop</a:t>
+            </a:r>
+            <a:endParaRPr sz="1400">
+              <a:solidFill>
+                <a:schemeClr val="dk1"/>
+              </a:solidFill>
+            </a:endParaRPr>
+          </a:p>
+          <a:p>
+            <a:pPr indent="-284162" lvl="0" marL="457200" rtl="0" algn="l">
+              <a:spcBef>
+                <a:spcPts val="0"/>
+              </a:spcBef>
+              <a:spcAft>
+                <a:spcPts val="0"/>
+              </a:spcAft>
+              <a:buClr>
+                <a:schemeClr val="dk1"/>
+              </a:buClr>
+              <a:buSzPct val="100000"/>
+              <a:buChar char="●"/>
+            </a:pPr>
+            <a:r>
+              <a:rPr lang="en" sz="1400">
+                <a:solidFill>
+                  <a:schemeClr val="dk1"/>
+                </a:solidFill>
+              </a:rPr>
+              <a:t>Snow Making Equipment</a:t>
             </a:r>
             <a:endParaRPr sz="1400">
               <a:solidFill>
@@ -7605,7 +8386,7 @@
           <p:nvPr/>
         </p:nvGraphicFramePr>
         <p:xfrm>
-          <a:off x="5653125" y="2065350"/>
+          <a:off x="383300" y="2083400"/>
           <a:ext cx="3000000" cy="3000000"/>
         </p:xfrm>
         <a:graphic>
@@ -7613,7 +8394,7 @@
             <a:tbl>
               <a:tblPr>
                 <a:noFill/>
-                <a:tableStyleId>{57C43825-355C-4A61-BD7E-5FA64DF62B77}</a:tableStyleId>
+                <a:tableStyleId>{E3EB7161-FECD-44C5-9C74-04853472A76A}</a:tableStyleId>
               </a:tblPr>
               <a:tblGrid>
                 <a:gridCol w="3179175"/>
@@ -7785,7 +8566,7 @@
         </p:blipFill>
         <p:spPr>
           <a:xfrm>
-            <a:off x="480075" y="2125525"/>
+            <a:off x="3845925" y="2039575"/>
             <a:ext cx="4897773" cy="2393950"/>
           </a:xfrm>
           <a:prstGeom prst="rect">
@@ -7895,8 +8676,8 @@
         </p:blipFill>
         <p:spPr>
           <a:xfrm>
-            <a:off x="219924" y="1061025"/>
-            <a:ext cx="2696524" cy="1433595"/>
+            <a:off x="271026" y="1216700"/>
+            <a:ext cx="4136600" cy="2199212"/>
           </a:xfrm>
           <a:prstGeom prst="rect">
             <a:avLst/>
@@ -7907,9 +8688,59 @@
           </a:ln>
         </p:spPr>
       </p:pic>
+      <p:sp>
+        <p:nvSpPr>
+          <p:cNvPr id="88" name="Google Shape;88;p18"/>
+          <p:cNvSpPr txBox="1"/>
+          <p:nvPr/>
+        </p:nvSpPr>
+        <p:spPr>
+          <a:xfrm>
+            <a:off x="2256175" y="3867550"/>
+            <a:ext cx="4136700" cy="677100"/>
+          </a:xfrm>
+          <a:prstGeom prst="rect">
+            <a:avLst/>
+          </a:prstGeom>
+          <a:noFill/>
+          <a:ln>
+            <a:noFill/>
+          </a:ln>
+        </p:spPr>
+        <p:txBody>
+          <a:bodyPr anchorCtr="0" anchor="t" bIns="91425" lIns="91425" spcFirstLastPara="1" rIns="91425" wrap="square" tIns="91425">
+            <a:spAutoFit/>
+          </a:bodyPr>
+          <a:lstStyle/>
+          <a:p>
+            <a:pPr indent="0" lvl="0" marL="0" rtl="0" algn="ctr">
+              <a:spcBef>
+                <a:spcPts val="0"/>
+              </a:spcBef>
+              <a:spcAft>
+                <a:spcPts val="0"/>
+              </a:spcAft>
+              <a:buNone/>
+            </a:pPr>
+            <a:r>
+              <a:rPr lang="en" sz="1600">
+                <a:solidFill>
+                  <a:schemeClr val="dk1"/>
+                </a:solidFill>
+              </a:rPr>
+              <a:t>Big Mountain’s Ticket Price compared to other Resorts Ticket Price.</a:t>
+            </a:r>
+            <a:endParaRPr sz="1300">
+              <a:solidFill>
+                <a:schemeClr val="dk1"/>
+              </a:solidFill>
+            </a:endParaRPr>
+          </a:p>
+        </p:txBody>
+      </p:sp>
       <p:pic>
         <p:nvPicPr>
-          <p:cNvPr id="88" name="Google Shape;88;p18"/>
+          <p:cNvPr id="89" name="Google Shape;89;p18"/>
           <p:cNvPicPr preferRelativeResize="0"/>
           <p:nvPr/>
         </p:nvPicPr>
@@ -7923,120 +8754,8 @@
         </p:blipFill>
         <p:spPr>
           <a:xfrm>
-            <a:off x="3214225" y="1061025"/>
-            <a:ext cx="2779300" cy="1433600"/>
-          </a:xfrm>
-          <a:prstGeom prst="rect">
-            <a:avLst/>
-          </a:prstGeom>
-          <a:noFill/>
-          <a:ln>
-            <a:noFill/>
-          </a:ln>
-        </p:spPr>
-      </p:pic>
-      <p:pic>
-        <p:nvPicPr>
-          <p:cNvPr id="89" name="Google Shape;89;p18"/>
-          <p:cNvPicPr preferRelativeResize="0"/>
-          <p:nvPr/>
-        </p:nvPicPr>
-        <p:blipFill>
-          <a:blip r:embed="rId5">
-            <a:alphaModFix/>
-          </a:blip>
-          <a:stretch>
-            <a:fillRect/>
-          </a:stretch>
-        </p:blipFill>
-        <p:spPr>
-          <a:xfrm>
-            <a:off x="6126850" y="1061025"/>
-            <a:ext cx="2696526" cy="1433600"/>
-          </a:xfrm>
-          <a:prstGeom prst="rect">
-            <a:avLst/>
-          </a:prstGeom>
-          <a:noFill/>
-          <a:ln>
-            <a:noFill/>
-          </a:ln>
-        </p:spPr>
-      </p:pic>
-      <p:pic>
-        <p:nvPicPr>
-          <p:cNvPr id="90" name="Google Shape;90;p18"/>
-          <p:cNvPicPr preferRelativeResize="0"/>
-          <p:nvPr/>
-        </p:nvPicPr>
-        <p:blipFill>
-          <a:blip r:embed="rId6">
-            <a:alphaModFix/>
-          </a:blip>
-          <a:stretch>
-            <a:fillRect/>
-          </a:stretch>
-        </p:blipFill>
-        <p:spPr>
-          <a:xfrm>
-            <a:off x="178538" y="2683100"/>
-            <a:ext cx="2779300" cy="1554400"/>
-          </a:xfrm>
-          <a:prstGeom prst="rect">
-            <a:avLst/>
-          </a:prstGeom>
-          <a:noFill/>
-          <a:ln>
-            <a:noFill/>
-          </a:ln>
-        </p:spPr>
-      </p:pic>
-      <p:pic>
-        <p:nvPicPr>
-          <p:cNvPr id="91" name="Google Shape;91;p18"/>
-          <p:cNvPicPr preferRelativeResize="0"/>
-          <p:nvPr/>
-        </p:nvPicPr>
-        <p:blipFill>
-          <a:blip r:embed="rId7">
-            <a:alphaModFix/>
-          </a:blip>
-          <a:stretch>
-            <a:fillRect/>
-          </a:stretch>
-        </p:blipFill>
-        <p:spPr>
-          <a:xfrm>
-            <a:off x="3214225" y="2647025"/>
-            <a:ext cx="2779300" cy="1590475"/>
-          </a:xfrm>
-          <a:prstGeom prst="rect">
-            <a:avLst/>
-          </a:prstGeom>
-          <a:noFill/>
-          <a:ln>
-            <a:noFill/>
-          </a:ln>
-        </p:spPr>
-      </p:pic>
-      <p:pic>
-        <p:nvPicPr>
-          <p:cNvPr id="92" name="Google Shape;92;p18"/>
-          <p:cNvPicPr preferRelativeResize="0"/>
-          <p:nvPr/>
-        </p:nvPicPr>
-        <p:blipFill>
-          <a:blip r:embed="rId8">
-            <a:alphaModFix/>
-          </a:blip>
-          <a:stretch>
-            <a:fillRect/>
-          </a:stretch>
-        </p:blipFill>
-        <p:spPr>
-          <a:xfrm>
-            <a:off x="6126850" y="2683100"/>
-            <a:ext cx="2696525" cy="1554400"/>
+            <a:off x="4623200" y="1193425"/>
+            <a:ext cx="3931023" cy="2199200"/>
           </a:xfrm>
           <a:prstGeom prst="rect">
             <a:avLst/>
@@ -8067,7 +8786,7 @@
     </p:bg>
     <p:spTree>
       <p:nvGrpSpPr>
-        <p:cNvPr id="96" name="Shape 96"/>
+        <p:cNvPr id="93" name="Shape 93"/>
         <p:cNvGrpSpPr/>
         <p:nvPr/>
       </p:nvGrpSpPr>
@@ -8081,7 +8800,7 @@
       </p:grpSpPr>
       <p:sp>
         <p:nvSpPr>
-          <p:cNvPr id="97" name="Google Shape;97;p19"/>
+          <p:cNvPr id="94" name="Google Shape;94;p19"/>
           <p:cNvSpPr txBox="1"/>
           <p:nvPr>
             <p:ph type="title"/>
@@ -8089,7 +8808,7 @@
         </p:nvSpPr>
         <p:spPr>
           <a:xfrm>
-            <a:off x="311700" y="445025"/>
+            <a:off x="271025" y="445025"/>
             <a:ext cx="8520600" cy="572700"/>
           </a:xfrm>
           <a:prstGeom prst="rect">
@@ -8118,36 +8837,71 @@
                 <a:cs typeface="Oswald"/>
                 <a:sym typeface="Oswald"/>
               </a:rPr>
-              <a:t>Conclusion</a:t>
+              <a:t>Big Mountain Ticket Price comparison in market</a:t>
             </a:r>
-            <a:endParaRPr/>
+            <a:endParaRPr b="1">
+              <a:latin typeface="Oswald"/>
+              <a:ea typeface="Oswald"/>
+              <a:cs typeface="Oswald"/>
+              <a:sym typeface="Oswald"/>
+            </a:endParaRPr>
           </a:p>
         </p:txBody>
       </p:sp>
-      <p:sp>
-        <p:nvSpPr>
-          <p:cNvPr id="98" name="Google Shape;98;p19"/>
-          <p:cNvSpPr txBox="1"/>
-          <p:nvPr>
-            <p:ph idx="1" type="body"/>
-          </p:nvPr>
-        </p:nvSpPr>
+      <p:pic>
+        <p:nvPicPr>
+          <p:cNvPr id="95" name="Google Shape;95;p19"/>
+          <p:cNvPicPr preferRelativeResize="0"/>
+          <p:nvPr/>
+        </p:nvPicPr>
+        <p:blipFill>
+          <a:blip r:embed="rId3">
+            <a:alphaModFix/>
+          </a:blip>
+          <a:stretch>
+            <a:fillRect/>
+          </a:stretch>
+        </p:blipFill>
         <p:spPr>
           <a:xfrm>
-            <a:off x="311700" y="1152475"/>
-            <a:ext cx="8520600" cy="3416400"/>
+            <a:off x="4800350" y="1209705"/>
+            <a:ext cx="3839401" cy="2213200"/>
           </a:xfrm>
           <a:prstGeom prst="rect">
             <a:avLst/>
           </a:prstGeom>
+          <a:noFill/>
+          <a:ln>
+            <a:noFill/>
+          </a:ln>
+        </p:spPr>
+      </p:pic>
+      <p:sp>
+        <p:nvSpPr>
+          <p:cNvPr id="96" name="Google Shape;96;p19"/>
+          <p:cNvSpPr txBox="1"/>
+          <p:nvPr/>
+        </p:nvSpPr>
+        <p:spPr>
+          <a:xfrm>
+            <a:off x="4800350" y="3581700"/>
+            <a:ext cx="3710100" cy="1280700"/>
+          </a:xfrm>
+          <a:prstGeom prst="rect">
+            <a:avLst/>
+          </a:prstGeom>
+          <a:noFill/>
+          <a:ln>
+            <a:noFill/>
+          </a:ln>
         </p:spPr>
         <p:txBody>
           <a:bodyPr anchorCtr="0" anchor="t" bIns="91425" lIns="91425" spcFirstLastPara="1" rIns="91425" wrap="square" tIns="91425">
-            <a:normAutofit lnSpcReduction="10000"/>
+            <a:spAutoFit/>
           </a:bodyPr>
           <a:lstStyle/>
           <a:p>
-            <a:pPr indent="-342900" lvl="0" marL="457200" rtl="0" algn="l">
+            <a:pPr indent="0" lvl="0" marL="0" rtl="0" algn="ctr">
               <a:lnSpc>
                 <a:spcPct val="115000"/>
               </a:lnSpc>
@@ -8157,130 +8911,102 @@
               <a:spcAft>
                 <a:spcPts val="0"/>
               </a:spcAft>
-              <a:buClr>
-                <a:schemeClr val="dk1"/>
-              </a:buClr>
-              <a:buSzPts val="1800"/>
-              <a:buChar char="●"/>
+              <a:buNone/>
             </a:pPr>
             <a:r>
-              <a:rPr lang="en">
+              <a:rPr lang="en" sz="1600">
                 <a:solidFill>
                   <a:schemeClr val="dk1"/>
                 </a:solidFill>
               </a:rPr>
-              <a:t>The model suggests that Big Mountain is underpricing their tickets so the company can probably increase prices marginally with a disproportionately smaller penalty</a:t>
+              <a:t>Big Mountain has one of the longest runs. Although it is just over half the length of the longest, the longer ones are rare.</a:t>
             </a:r>
-            <a:endParaRPr>
+            <a:endParaRPr sz="1600">
               <a:solidFill>
                 <a:schemeClr val="dk1"/>
               </a:solidFill>
             </a:endParaRPr>
           </a:p>
+        </p:txBody>
+      </p:sp>
+      <p:pic>
+        <p:nvPicPr>
+          <p:cNvPr id="97" name="Google Shape;97;p19"/>
+          <p:cNvPicPr preferRelativeResize="0"/>
+          <p:nvPr/>
+        </p:nvPicPr>
+        <p:blipFill>
+          <a:blip r:embed="rId4">
+            <a:alphaModFix/>
+          </a:blip>
+          <a:stretch>
+            <a:fillRect/>
+          </a:stretch>
+        </p:blipFill>
+        <p:spPr>
+          <a:xfrm>
+            <a:off x="412225" y="1209700"/>
+            <a:ext cx="4086700" cy="2213200"/>
+          </a:xfrm>
+          <a:prstGeom prst="rect">
+            <a:avLst/>
+          </a:prstGeom>
+          <a:noFill/>
+          <a:ln>
+            <a:noFill/>
+          </a:ln>
+        </p:spPr>
+      </p:pic>
+      <p:sp>
+        <p:nvSpPr>
+          <p:cNvPr id="98" name="Google Shape;98;p19"/>
+          <p:cNvSpPr txBox="1"/>
+          <p:nvPr/>
+        </p:nvSpPr>
+        <p:spPr>
+          <a:xfrm>
+            <a:off x="738675" y="3698000"/>
+            <a:ext cx="3710100" cy="714300"/>
+          </a:xfrm>
+          <a:prstGeom prst="rect">
+            <a:avLst/>
+          </a:prstGeom>
+          <a:noFill/>
+          <a:ln>
+            <a:noFill/>
+          </a:ln>
+        </p:spPr>
+        <p:txBody>
+          <a:bodyPr anchorCtr="0" anchor="t" bIns="91425" lIns="91425" spcFirstLastPara="1" rIns="91425" wrap="square" tIns="91425">
+            <a:spAutoFit/>
+          </a:bodyPr>
+          <a:lstStyle/>
           <a:p>
-            <a:pPr indent="-342900" lvl="0" marL="457200" rtl="0" algn="l">
-              <a:spcBef>
-                <a:spcPts val="0"/>
-              </a:spcBef>
-              <a:spcAft>
-                <a:spcPts val="0"/>
-              </a:spcAft>
-              <a:buClr>
-                <a:schemeClr val="dk1"/>
-              </a:buClr>
-              <a:buSzPts val="1800"/>
-              <a:buChar char="●"/>
+            <a:pPr indent="0" lvl="0" marL="0" rtl="0" algn="ctr">
+              <a:lnSpc>
+                <a:spcPct val="115000"/>
+              </a:lnSpc>
+              <a:spcBef>
+                <a:spcPts val="0"/>
+              </a:spcBef>
+              <a:spcAft>
+                <a:spcPts val="0"/>
+              </a:spcAft>
+              <a:buNone/>
             </a:pPr>
             <a:r>
-              <a:rPr lang="en">
+              <a:rPr lang="en" sz="1600">
                 <a:solidFill>
                   <a:schemeClr val="dk1"/>
                 </a:solidFill>
               </a:rPr>
-              <a:t>The company should consider closing down the least used run and enacting Scenario 2</a:t>
+              <a:t>Big Mountain compares well for the number of runs. </a:t>
             </a:r>
-            <a:endParaRPr>
+            <a:endParaRPr sz="1600">
               <a:solidFill>
                 <a:schemeClr val="dk1"/>
               </a:solidFill>
             </a:endParaRPr>
-          </a:p>
-          <a:p>
-            <a:pPr indent="-342900" lvl="0" marL="457200" rtl="0" algn="l">
-              <a:lnSpc>
-                <a:spcPct val="115000"/>
-              </a:lnSpc>
-              <a:spcBef>
-                <a:spcPts val="0"/>
-              </a:spcBef>
-              <a:spcAft>
-                <a:spcPts val="0"/>
-              </a:spcAft>
-              <a:buClr>
-                <a:schemeClr val="dk1"/>
-              </a:buClr>
-              <a:buSzPts val="1800"/>
-              <a:buChar char="●"/>
-            </a:pPr>
-            <a:r>
-              <a:rPr lang="en">
-                <a:solidFill>
-                  <a:schemeClr val="dk1"/>
-                </a:solidFill>
-              </a:rPr>
-              <a:t>There are only a handful of important facilities that are most relevant to affecting ticket prices, around 8</a:t>
-            </a:r>
-            <a:endParaRPr>
-              <a:solidFill>
-                <a:schemeClr val="dk1"/>
-              </a:solidFill>
-            </a:endParaRPr>
-          </a:p>
-          <a:p>
-            <a:pPr indent="-342900" lvl="0" marL="457200" rtl="0" algn="l">
-              <a:lnSpc>
-                <a:spcPct val="115000"/>
-              </a:lnSpc>
-              <a:spcBef>
-                <a:spcPts val="0"/>
-              </a:spcBef>
-              <a:spcAft>
-                <a:spcPts val="0"/>
-              </a:spcAft>
-              <a:buClr>
-                <a:schemeClr val="dk1"/>
-              </a:buClr>
-              <a:buSzPts val="1800"/>
-              <a:buChar char="●"/>
-            </a:pPr>
-            <a:r>
-              <a:rPr lang="en">
-                <a:solidFill>
-                  <a:schemeClr val="dk1"/>
-                </a:solidFill>
-              </a:rPr>
-              <a:t>The model’s scope is only the dataset provided so model results should be accompanied by domain knowledge and business knowledge during decision making</a:t>
-            </a:r>
-            <a:endParaRPr>
-              <a:solidFill>
-                <a:schemeClr val="dk1"/>
-              </a:solidFill>
-            </a:endParaRPr>
-          </a:p>
-          <a:p>
-            <a:pPr indent="0" lvl="0" marL="0" rtl="0" algn="l">
-              <a:spcBef>
-                <a:spcPts val="0"/>
-              </a:spcBef>
-              <a:spcAft>
-                <a:spcPts val="1200"/>
-              </a:spcAft>
-              <a:buNone/>
-            </a:pPr>
-            <a:r>
-              <a:t/>
-            </a:r>
-            <a:endParaRPr/>
           </a:p>
         </p:txBody>
       </p:sp>
@@ -8298,7 +9024,7 @@
     <p:bg>
       <p:bgPr>
         <a:solidFill>
-          <a:srgbClr val="D9D9D9"/>
+          <a:srgbClr val="CCCCCC"/>
         </a:solidFill>
       </p:bgPr>
     </p:bg>
@@ -8326,7 +9052,7 @@
         </p:nvSpPr>
         <p:spPr>
           <a:xfrm>
-            <a:off x="311700" y="445025"/>
+            <a:off x="271025" y="445025"/>
             <a:ext cx="8520600" cy="572700"/>
           </a:xfrm>
           <a:prstGeom prst="rect">
@@ -8355,24 +9081,223 @@
                 <a:cs typeface="Oswald"/>
                 <a:sym typeface="Oswald"/>
               </a:rPr>
-              <a:t>Conclusion</a:t>
+              <a:t>Big Mountain Ticket Price comparison in market</a:t>
             </a:r>
-            <a:endParaRPr/>
+            <a:endParaRPr b="1">
+              <a:latin typeface="Oswald"/>
+              <a:ea typeface="Oswald"/>
+              <a:cs typeface="Oswald"/>
+              <a:sym typeface="Oswald"/>
+            </a:endParaRPr>
           </a:p>
         </p:txBody>
       </p:sp>
+      <p:pic>
+        <p:nvPicPr>
+          <p:cNvPr id="104" name="Google Shape;104;p20"/>
+          <p:cNvPicPr preferRelativeResize="0"/>
+          <p:nvPr/>
+        </p:nvPicPr>
+        <p:blipFill>
+          <a:blip r:embed="rId3">
+            <a:alphaModFix/>
+          </a:blip>
+          <a:stretch>
+            <a:fillRect/>
+          </a:stretch>
+        </p:blipFill>
+        <p:spPr>
+          <a:xfrm>
+            <a:off x="395107" y="1097125"/>
+            <a:ext cx="4212999" cy="2356257"/>
+          </a:xfrm>
+          <a:prstGeom prst="rect">
+            <a:avLst/>
+          </a:prstGeom>
+          <a:noFill/>
+          <a:ln>
+            <a:noFill/>
+          </a:ln>
+        </p:spPr>
+      </p:pic>
       <p:sp>
         <p:nvSpPr>
-          <p:cNvPr id="104" name="Google Shape;104;p20"/>
+          <p:cNvPr id="105" name="Google Shape;105;p20"/>
+          <p:cNvSpPr txBox="1"/>
+          <p:nvPr/>
+        </p:nvSpPr>
+        <p:spPr>
+          <a:xfrm>
+            <a:off x="433150" y="3532775"/>
+            <a:ext cx="4138800" cy="780300"/>
+          </a:xfrm>
+          <a:prstGeom prst="rect">
+            <a:avLst/>
+          </a:prstGeom>
+          <a:noFill/>
+          <a:ln>
+            <a:noFill/>
+          </a:ln>
+        </p:spPr>
+        <p:txBody>
+          <a:bodyPr anchorCtr="0" anchor="t" bIns="91425" lIns="91425" spcFirstLastPara="1" rIns="91425" wrap="square" tIns="91425">
+            <a:spAutoFit/>
+          </a:bodyPr>
+          <a:lstStyle/>
+          <a:p>
+            <a:pPr indent="0" lvl="0" marL="0" rtl="0" algn="ctr">
+              <a:lnSpc>
+                <a:spcPct val="115000"/>
+              </a:lnSpc>
+              <a:spcBef>
+                <a:spcPts val="0"/>
+              </a:spcBef>
+              <a:spcAft>
+                <a:spcPts val="0"/>
+              </a:spcAft>
+              <a:buNone/>
+            </a:pPr>
+            <a:r>
+              <a:rPr lang="en" sz="1800">
+                <a:solidFill>
+                  <a:schemeClr val="dk1"/>
+                </a:solidFill>
+              </a:rPr>
+              <a:t>Big Mountain is very high up the league table of snow making area.</a:t>
+            </a:r>
+            <a:endParaRPr sz="1800">
+              <a:solidFill>
+                <a:schemeClr val="dk1"/>
+              </a:solidFill>
+            </a:endParaRPr>
+          </a:p>
+        </p:txBody>
+      </p:sp>
+      <p:pic>
+        <p:nvPicPr>
+          <p:cNvPr id="106" name="Google Shape;106;p20"/>
+          <p:cNvPicPr preferRelativeResize="0"/>
+          <p:nvPr/>
+        </p:nvPicPr>
+        <p:blipFill>
+          <a:blip r:embed="rId4">
+            <a:alphaModFix/>
+          </a:blip>
+          <a:stretch>
+            <a:fillRect/>
+          </a:stretch>
+        </p:blipFill>
+        <p:spPr>
+          <a:xfrm>
+            <a:off x="4703242" y="1126108"/>
+            <a:ext cx="4294434" cy="2347917"/>
+          </a:xfrm>
+          <a:prstGeom prst="rect">
+            <a:avLst/>
+          </a:prstGeom>
+          <a:noFill/>
+          <a:ln>
+            <a:noFill/>
+          </a:ln>
+        </p:spPr>
+      </p:pic>
+      <p:sp>
+        <p:nvSpPr>
+          <p:cNvPr id="107" name="Google Shape;107;p20"/>
+          <p:cNvSpPr txBox="1"/>
+          <p:nvPr/>
+        </p:nvSpPr>
+        <p:spPr>
+          <a:xfrm>
+            <a:off x="4812213" y="3582400"/>
+            <a:ext cx="3932100" cy="997500"/>
+          </a:xfrm>
+          <a:prstGeom prst="rect">
+            <a:avLst/>
+          </a:prstGeom>
+          <a:noFill/>
+          <a:ln>
+            <a:noFill/>
+          </a:ln>
+        </p:spPr>
+        <p:txBody>
+          <a:bodyPr anchorCtr="0" anchor="t" bIns="91425" lIns="91425" spcFirstLastPara="1" rIns="91425" wrap="square" tIns="91425">
+            <a:spAutoFit/>
+          </a:bodyPr>
+          <a:lstStyle/>
+          <a:p>
+            <a:pPr indent="0" lvl="0" marL="0" rtl="0" algn="ctr">
+              <a:lnSpc>
+                <a:spcPct val="115000"/>
+              </a:lnSpc>
+              <a:spcBef>
+                <a:spcPts val="0"/>
+              </a:spcBef>
+              <a:spcAft>
+                <a:spcPts val="0"/>
+              </a:spcAft>
+              <a:buNone/>
+            </a:pPr>
+            <a:r>
+              <a:rPr lang="en" sz="1600">
+                <a:solidFill>
+                  <a:schemeClr val="dk1"/>
+                </a:solidFill>
+              </a:rPr>
+              <a:t>Big Mountain is doing well for vertical drop but there are still quite a few resorts with a greater drops.</a:t>
+            </a:r>
+            <a:endParaRPr sz="1600">
+              <a:solidFill>
+                <a:schemeClr val="dk1"/>
+              </a:solidFill>
+            </a:endParaRPr>
+          </a:p>
+        </p:txBody>
+      </p:sp>
+    </p:spTree>
+  </p:cSld>
+  <p:clrMapOvr>
+    <a:masterClrMapping/>
+  </p:clrMapOvr>
+</p:sld>
+</file>
+
+<file path=ppt/slides/slide9.xml><?xml version="1.0" encoding="utf-8"?>
+<p:sld xmlns:a="http://schemas.openxmlformats.org/drawingml/2006/main" xmlns:r="http://schemas.openxmlformats.org/officeDocument/2006/relationships" xmlns:mc="http://schemas.openxmlformats.org/markup-compatibility/2006" xmlns:mv="urn:schemas-microsoft-com:mac:vml" xmlns:p="http://schemas.openxmlformats.org/presentationml/2006/main" xmlns:c="http://schemas.openxmlformats.org/drawingml/2006/chart" xmlns:dgm="http://schemas.openxmlformats.org/drawingml/2006/diagram" xmlns:o="urn:schemas-microsoft-com:office:office" xmlns:v="urn:schemas-microsoft-com:vml" xmlns:pvml="urn:schemas-microsoft-com:office:powerpoint" xmlns:com="http://schemas.openxmlformats.org/drawingml/2006/compatibility" xmlns:p14="http://schemas.microsoft.com/office/powerpoint/2010/main" xmlns:p15="http://schemas.microsoft.com/office/powerpoint/2012/main" xmlns:ahyp="http://schemas.microsoft.com/office/drawing/2018/hyperlinkcolor">
+  <p:cSld>
+    <p:bg>
+      <p:bgPr>
+        <a:solidFill>
+          <a:srgbClr val="CCCCCC"/>
+        </a:solidFill>
+      </p:bgPr>
+    </p:bg>
+    <p:spTree>
+      <p:nvGrpSpPr>
+        <p:cNvPr id="111" name="Shape 111"/>
+        <p:cNvGrpSpPr/>
+        <p:nvPr/>
+      </p:nvGrpSpPr>
+      <p:grpSpPr>
+        <a:xfrm>
+          <a:off x="0" y="0"/>
+          <a:ext cx="0" cy="0"/>
+          <a:chOff x="0" y="0"/>
+          <a:chExt cx="0" cy="0"/>
+        </a:xfrm>
+      </p:grpSpPr>
+      <p:sp>
+        <p:nvSpPr>
+          <p:cNvPr id="112" name="Google Shape;112;p21"/>
           <p:cNvSpPr txBox="1"/>
           <p:nvPr>
-            <p:ph idx="1" type="body"/>
+            <p:ph type="title"/>
           </p:nvPr>
         </p:nvSpPr>
         <p:spPr>
           <a:xfrm>
-            <a:off x="311700" y="1152475"/>
-            <a:ext cx="8520600" cy="3416400"/>
+            <a:off x="271025" y="445025"/>
+            <a:ext cx="8520600" cy="572700"/>
           </a:xfrm>
           <a:prstGeom prst="rect">
             <a:avLst/>
@@ -8380,11 +9305,11 @@
         </p:spPr>
         <p:txBody>
           <a:bodyPr anchorCtr="0" anchor="t" bIns="91425" lIns="91425" spcFirstLastPara="1" rIns="91425" wrap="square" tIns="91425">
-            <a:normAutofit fontScale="92500" lnSpcReduction="20000"/>
+            <a:normAutofit fontScale="90000"/>
           </a:bodyPr>
           <a:lstStyle/>
           <a:p>
-            <a:pPr indent="0" lvl="0" marL="457200" rtl="0" algn="just">
+            <a:pPr indent="0" lvl="0" marL="0" rtl="0" algn="l">
               <a:spcBef>
                 <a:spcPts val="0"/>
               </a:spcBef>
@@ -8394,231 +9319,182 @@
               <a:buNone/>
             </a:pPr>
             <a:r>
-              <a:rPr lang="en">
+              <a:rPr lang="en" sz="3000">
+                <a:latin typeface="Oswald"/>
+                <a:ea typeface="Oswald"/>
+                <a:cs typeface="Oswald"/>
+                <a:sym typeface="Oswald"/>
+              </a:rPr>
+              <a:t>Big Mountain Ticket Price comparison in market</a:t>
+            </a:r>
+            <a:endParaRPr b="1">
+              <a:latin typeface="Oswald"/>
+              <a:ea typeface="Oswald"/>
+              <a:cs typeface="Oswald"/>
+              <a:sym typeface="Oswald"/>
+            </a:endParaRPr>
+          </a:p>
+        </p:txBody>
+      </p:sp>
+      <p:pic>
+        <p:nvPicPr>
+          <p:cNvPr id="113" name="Google Shape;113;p21"/>
+          <p:cNvPicPr preferRelativeResize="0"/>
+          <p:nvPr/>
+        </p:nvPicPr>
+        <p:blipFill>
+          <a:blip r:embed="rId3">
+            <a:alphaModFix/>
+          </a:blip>
+          <a:stretch>
+            <a:fillRect/>
+          </a:stretch>
+        </p:blipFill>
+        <p:spPr>
+          <a:xfrm>
+            <a:off x="354475" y="1142250"/>
+            <a:ext cx="3989724" cy="2283125"/>
+          </a:xfrm>
+          <a:prstGeom prst="rect">
+            <a:avLst/>
+          </a:prstGeom>
+          <a:noFill/>
+          <a:ln>
+            <a:noFill/>
+          </a:ln>
+        </p:spPr>
+      </p:pic>
+      <p:sp>
+        <p:nvSpPr>
+          <p:cNvPr id="114" name="Google Shape;114;p21"/>
+          <p:cNvSpPr txBox="1"/>
+          <p:nvPr/>
+        </p:nvSpPr>
+        <p:spPr>
+          <a:xfrm>
+            <a:off x="354475" y="3549900"/>
+            <a:ext cx="3932100" cy="997500"/>
+          </a:xfrm>
+          <a:prstGeom prst="rect">
+            <a:avLst/>
+          </a:prstGeom>
+          <a:noFill/>
+          <a:ln>
+            <a:noFill/>
+          </a:ln>
+        </p:spPr>
+        <p:txBody>
+          <a:bodyPr anchorCtr="0" anchor="t" bIns="91425" lIns="91425" spcFirstLastPara="1" rIns="91425" wrap="square" tIns="91425">
+            <a:spAutoFit/>
+          </a:bodyPr>
+          <a:lstStyle/>
+          <a:p>
+            <a:pPr indent="0" lvl="0" marL="0" rtl="0" algn="ctr">
+              <a:lnSpc>
+                <a:spcPct val="115000"/>
+              </a:lnSpc>
+              <a:spcBef>
+                <a:spcPts val="0"/>
+              </a:spcBef>
+              <a:spcAft>
+                <a:spcPts val="0"/>
+              </a:spcAft>
+              <a:buNone/>
+            </a:pPr>
+            <a:r>
+              <a:rPr lang="en" sz="1600">
                 <a:solidFill>
                   <a:schemeClr val="dk1"/>
                 </a:solidFill>
               </a:rPr>
-              <a:t>The best scenario where we managed to gain the highest revenue increase possible was by  -</a:t>
+              <a:t>Big Mountain has amongst the highest number of total chairs, resorts with more appear to be outliers.</a:t>
             </a:r>
-            <a:endParaRPr>
+            <a:endParaRPr sz="1600">
               <a:solidFill>
                 <a:schemeClr val="dk1"/>
               </a:solidFill>
             </a:endParaRPr>
           </a:p>
+        </p:txBody>
+      </p:sp>
+      <p:pic>
+        <p:nvPicPr>
+          <p:cNvPr id="115" name="Google Shape;115;p21"/>
+          <p:cNvPicPr preferRelativeResize="0"/>
+          <p:nvPr/>
+        </p:nvPicPr>
+        <p:blipFill>
+          <a:blip r:embed="rId4">
+            <a:alphaModFix/>
+          </a:blip>
+          <a:stretch>
+            <a:fillRect/>
+          </a:stretch>
+        </p:blipFill>
+        <p:spPr>
+          <a:xfrm>
+            <a:off x="4496600" y="1170125"/>
+            <a:ext cx="3932100" cy="2283125"/>
+          </a:xfrm>
+          <a:prstGeom prst="rect">
+            <a:avLst/>
+          </a:prstGeom>
+          <a:noFill/>
+          <a:ln>
+            <a:noFill/>
+          </a:ln>
+        </p:spPr>
+      </p:pic>
+      <p:sp>
+        <p:nvSpPr>
+          <p:cNvPr id="116" name="Google Shape;116;p21"/>
+          <p:cNvSpPr txBox="1"/>
+          <p:nvPr/>
+        </p:nvSpPr>
+        <p:spPr>
+          <a:xfrm>
+            <a:off x="4572000" y="3605650"/>
+            <a:ext cx="3932100" cy="714300"/>
+          </a:xfrm>
+          <a:prstGeom prst="rect">
+            <a:avLst/>
+          </a:prstGeom>
+          <a:noFill/>
+          <a:ln>
+            <a:noFill/>
+          </a:ln>
+        </p:spPr>
+        <p:txBody>
+          <a:bodyPr anchorCtr="0" anchor="t" bIns="91425" lIns="91425" spcFirstLastPara="1" rIns="91425" wrap="square" tIns="91425">
+            <a:spAutoFit/>
+          </a:bodyPr>
+          <a:lstStyle/>
           <a:p>
-            <a:pPr indent="-334327" lvl="0" marL="914400" rtl="0" algn="just">
-              <a:spcBef>
-                <a:spcPts val="0"/>
-              </a:spcBef>
-              <a:spcAft>
-                <a:spcPts val="0"/>
-              </a:spcAft>
-              <a:buClr>
-                <a:schemeClr val="dk1"/>
-              </a:buClr>
-              <a:buSzPct val="100000"/>
-              <a:buChar char="●"/>
+            <a:pPr indent="0" lvl="0" marL="0" rtl="0" algn="ctr">
+              <a:lnSpc>
+                <a:spcPct val="115000"/>
+              </a:lnSpc>
+              <a:spcBef>
+                <a:spcPts val="0"/>
+              </a:spcBef>
+              <a:spcAft>
+                <a:spcPts val="0"/>
+              </a:spcAft>
+              <a:buNone/>
             </a:pPr>
             <a:r>
-              <a:rPr lang="en">
+              <a:rPr lang="en" sz="1600">
                 <a:solidFill>
                   <a:schemeClr val="dk1"/>
                 </a:solidFill>
               </a:rPr>
-              <a:t>adding one run and adding </a:t>
+              <a:t>Big Mountain has 3 quads, which puts it high up that league table. </a:t>
             </a:r>
-            <a:endParaRPr>
+            <a:endParaRPr sz="1600">
               <a:solidFill>
                 <a:schemeClr val="dk1"/>
               </a:solidFill>
             </a:endParaRPr>
-          </a:p>
-          <a:p>
-            <a:pPr indent="-334327" lvl="0" marL="914400" rtl="0" algn="just">
-              <a:spcBef>
-                <a:spcPts val="0"/>
-              </a:spcBef>
-              <a:spcAft>
-                <a:spcPts val="0"/>
-              </a:spcAft>
-              <a:buClr>
-                <a:schemeClr val="dk1"/>
-              </a:buClr>
-              <a:buSzPct val="100000"/>
-              <a:buChar char="●"/>
-            </a:pPr>
-            <a:r>
-              <a:rPr lang="en">
-                <a:solidFill>
-                  <a:schemeClr val="dk1"/>
-                </a:solidFill>
-              </a:rPr>
-              <a:t>increasing the vertical drop by 150 ft</a:t>
-            </a:r>
-            <a:endParaRPr>
-              <a:solidFill>
-                <a:schemeClr val="dk1"/>
-              </a:solidFill>
-            </a:endParaRPr>
-          </a:p>
-          <a:p>
-            <a:pPr indent="-334327" lvl="0" marL="914400" rtl="0" algn="just">
-              <a:spcBef>
-                <a:spcPts val="0"/>
-              </a:spcBef>
-              <a:spcAft>
-                <a:spcPts val="0"/>
-              </a:spcAft>
-              <a:buClr>
-                <a:schemeClr val="dk1"/>
-              </a:buClr>
-              <a:buSzPct val="100000"/>
-              <a:buChar char="●"/>
-            </a:pPr>
-            <a:r>
-              <a:rPr lang="en">
-                <a:solidFill>
-                  <a:schemeClr val="dk1"/>
-                </a:solidFill>
-              </a:rPr>
-              <a:t>2 acres of snow making cover</a:t>
-            </a:r>
-            <a:endParaRPr>
-              <a:solidFill>
-                <a:schemeClr val="dk1"/>
-              </a:solidFill>
-            </a:endParaRPr>
-          </a:p>
-          <a:p>
-            <a:pPr indent="-334327" lvl="0" marL="914400" rtl="0" algn="just">
-              <a:spcBef>
-                <a:spcPts val="0"/>
-              </a:spcBef>
-              <a:spcAft>
-                <a:spcPts val="0"/>
-              </a:spcAft>
-              <a:buClr>
-                <a:schemeClr val="dk1"/>
-              </a:buClr>
-              <a:buSzPct val="100000"/>
-              <a:buChar char="●"/>
-            </a:pPr>
-            <a:r>
-              <a:rPr b="1" lang="en">
-                <a:solidFill>
-                  <a:schemeClr val="dk1"/>
-                </a:solidFill>
-              </a:rPr>
-              <a:t>adding one Chair Lift</a:t>
-            </a:r>
-            <a:endParaRPr b="1">
-              <a:solidFill>
-                <a:schemeClr val="dk1"/>
-              </a:solidFill>
-            </a:endParaRPr>
-          </a:p>
-          <a:p>
-            <a:pPr indent="0" lvl="0" marL="457200" rtl="0" algn="just">
-              <a:spcBef>
-                <a:spcPts val="0"/>
-              </a:spcBef>
-              <a:spcAft>
-                <a:spcPts val="0"/>
-              </a:spcAft>
-              <a:buNone/>
-            </a:pPr>
-            <a:r>
-              <a:t/>
-            </a:r>
-            <a:endParaRPr>
-              <a:solidFill>
-                <a:schemeClr val="dk1"/>
-              </a:solidFill>
-            </a:endParaRPr>
-          </a:p>
-          <a:p>
-            <a:pPr indent="0" lvl="0" marL="457200" rtl="0" algn="just">
-              <a:spcBef>
-                <a:spcPts val="0"/>
-              </a:spcBef>
-              <a:spcAft>
-                <a:spcPts val="0"/>
-              </a:spcAft>
-              <a:buNone/>
-            </a:pPr>
-            <a:r>
-              <a:rPr lang="en">
-                <a:solidFill>
-                  <a:schemeClr val="dk1"/>
-                </a:solidFill>
-              </a:rPr>
-              <a:t>This scenario has increased ticket price by 12% from $81 to $94.66, resulting in a bottom-line increase by $15,528,841 (After deducting operating costs = $1.54M).</a:t>
-            </a:r>
-            <a:endParaRPr>
-              <a:solidFill>
-                <a:schemeClr val="dk1"/>
-              </a:solidFill>
-            </a:endParaRPr>
-          </a:p>
-          <a:p>
-            <a:pPr indent="0" lvl="0" marL="0" rtl="0" algn="just">
-              <a:spcBef>
-                <a:spcPts val="0"/>
-              </a:spcBef>
-              <a:spcAft>
-                <a:spcPts val="0"/>
-              </a:spcAft>
-              <a:buNone/>
-            </a:pPr>
-            <a:r>
-              <a:t/>
-            </a:r>
-            <a:endParaRPr>
-              <a:solidFill>
-                <a:schemeClr val="dk1"/>
-              </a:solidFill>
-            </a:endParaRPr>
-          </a:p>
-          <a:p>
-            <a:pPr indent="0" lvl="0" marL="457200" rtl="0" algn="just">
-              <a:spcBef>
-                <a:spcPts val="0"/>
-              </a:spcBef>
-              <a:spcAft>
-                <a:spcPts val="0"/>
-              </a:spcAft>
-              <a:buNone/>
-            </a:pPr>
-            <a:r>
-              <a:rPr lang="en">
-                <a:solidFill>
-                  <a:schemeClr val="dk1"/>
-                </a:solidFill>
-              </a:rPr>
-              <a:t>Because of lack of data on operating cost per used run and weekdays ticket price, model cannot recommend closing down used runs.</a:t>
-            </a:r>
-            <a:endParaRPr>
-              <a:solidFill>
-                <a:schemeClr val="dk1"/>
-              </a:solidFill>
-            </a:endParaRPr>
-          </a:p>
-          <a:p>
-            <a:pPr indent="0" lvl="0" marL="0" rtl="0" algn="l">
-              <a:spcBef>
-                <a:spcPts val="0"/>
-              </a:spcBef>
-              <a:spcAft>
-                <a:spcPts val="1200"/>
-              </a:spcAft>
-              <a:buNone/>
-            </a:pPr>
-            <a:r>
-              <a:t/>
-            </a:r>
-            <a:endParaRPr/>
           </a:p>
         </p:txBody>
       </p:sp>

--- a/CapstoneProjects/Big Mountain Ski Resort/Docs/Project Slides.pptx
+++ b/CapstoneProjects/Big Mountain Ski Resort/Docs/Project Slides.pptx
@@ -6716,9 +6716,33 @@
                   <a:schemeClr val="dk1"/>
                 </a:solidFill>
               </a:rPr>
-              <a:t>on increasing the price of their adult weekend tickets by $10 to $15.</a:t>
+              <a:t>on i</a:t>
             </a:r>
-            <a:endParaRPr>
+            <a:r>
+              <a:rPr b="1" lang="en">
+                <a:solidFill>
+                  <a:schemeClr val="dk1"/>
+                </a:solidFill>
+              </a:rPr>
+              <a:t>ncreasing the price</a:t>
+            </a:r>
+            <a:r>
+              <a:rPr lang="en">
+                <a:solidFill>
+                  <a:schemeClr val="dk1"/>
+                </a:solidFill>
+              </a:rPr>
+              <a:t> of their adult weekend tickets by </a:t>
+            </a:r>
+            <a:r>
+              <a:rPr b="1" lang="en">
+                <a:solidFill>
+                  <a:schemeClr val="dk1"/>
+                </a:solidFill>
+              </a:rPr>
+              <a:t>$10 to $15.</a:t>
+            </a:r>
+            <a:endParaRPr b="1">
               <a:solidFill>
                 <a:schemeClr val="dk1"/>
               </a:solidFill>
@@ -6966,14 +6990,14 @@
               <a:buChar char="●"/>
             </a:pPr>
             <a:r>
-              <a:rPr lang="en">
+              <a:rPr b="1" lang="en">
                 <a:solidFill>
                   <a:schemeClr val="dk1"/>
                 </a:solidFill>
               </a:rPr>
-              <a:t>adding one </a:t>
+              <a:t>adding one run</a:t>
             </a:r>
-            <a:endParaRPr>
+            <a:endParaRPr b="1">
               <a:solidFill>
                 <a:schemeClr val="dk1"/>
               </a:solidFill>
@@ -6994,14 +7018,14 @@
               <a:buChar char="●"/>
             </a:pPr>
             <a:r>
-              <a:rPr lang="en">
+              <a:rPr b="1" lang="en">
                 <a:solidFill>
                   <a:schemeClr val="dk1"/>
                 </a:solidFill>
               </a:rPr>
               <a:t>increasing the vertical drop by 150 ft</a:t>
             </a:r>
-            <a:endParaRPr>
+            <a:endParaRPr b="1">
               <a:solidFill>
                 <a:schemeClr val="dk1"/>
               </a:solidFill>
@@ -7022,14 +7046,14 @@
               <a:buChar char="●"/>
             </a:pPr>
             <a:r>
-              <a:rPr lang="en">
+              <a:rPr b="1" lang="en">
                 <a:solidFill>
                   <a:schemeClr val="dk1"/>
                 </a:solidFill>
               </a:rPr>
               <a:t>2 acres of snow making cover</a:t>
             </a:r>
-            <a:endParaRPr>
+            <a:endParaRPr b="1">
               <a:solidFill>
                 <a:schemeClr val="dk1"/>
               </a:solidFill>
@@ -7098,7 +7122,39 @@
                   <a:schemeClr val="dk1"/>
                 </a:solidFill>
               </a:rPr>
-              <a:t>This scenario has increased ticket price by 12% from $81 to $94.66, resulting in a bottom-line increase by $15,528,841 (After deducting operating costs = $1.54M).</a:t>
+              <a:t>This scenario has increased ticket price by 12% from </a:t>
+            </a:r>
+            <a:r>
+              <a:rPr b="1" lang="en">
+                <a:solidFill>
+                  <a:schemeClr val="dk1"/>
+                </a:solidFill>
+              </a:rPr>
+              <a:t>$81 to $94.66</a:t>
+            </a:r>
+            <a:r>
+              <a:rPr lang="en">
+                <a:solidFill>
+                  <a:schemeClr val="dk1"/>
+                </a:solidFill>
+              </a:rPr>
+              <a:t>, resulting in a bottom-line increase by </a:t>
+            </a:r>
+            <a:r>
+              <a:rPr b="1" lang="en">
+                <a:solidFill>
+                  <a:schemeClr val="dk1"/>
+                </a:solidFill>
+              </a:rPr>
+              <a:t>$15,528,841</a:t>
+            </a:r>
+            <a:r>
+              <a:rPr lang="en">
+                <a:solidFill>
+                  <a:schemeClr val="dk1"/>
+                </a:solidFill>
+              </a:rPr>
+              <a:t> (After deducting operating costs = $1.54M).</a:t>
             </a:r>
             <a:endParaRPr>
               <a:solidFill>
@@ -8394,7 +8450,7 @@
             <a:tbl>
               <a:tblPr>
                 <a:noFill/>
-                <a:tableStyleId>{E3EB7161-FECD-44C5-9C74-04853472A76A}</a:tableStyleId>
+                <a:tableStyleId>{4EB04CA9-B73D-4EA9-97BE-467F4D3F0CA3}</a:tableStyleId>
               </a:tblPr>
               <a:tblGrid>
                 <a:gridCol w="3179175"/>

--- a/CapstoneProjects/Big Mountain Ski Resort/Docs/Project Slides.pptx
+++ b/CapstoneProjects/Big Mountain Ski Resort/Docs/Project Slides.pptx
@@ -16,9 +16,6 @@
     <p:sldId id="261" r:id="rId12"/>
     <p:sldId id="262" r:id="rId13"/>
     <p:sldId id="263" r:id="rId14"/>
-    <p:sldId id="264" r:id="rId15"/>
-    <p:sldId id="265" r:id="rId16"/>
-    <p:sldId id="266" r:id="rId17"/>
   </p:sldIdLst>
   <p:sldSz cy="5143500" cx="9144000"/>
   <p:notesSz cx="6858000" cy="9144000"/>
@@ -795,204 +792,6 @@
 </p:notes>
 </file>
 
-<file path=ppt/notesSlides/notesSlide10.xml><?xml version="1.0" encoding="utf-8"?>
-<p:notes xmlns:a="http://schemas.openxmlformats.org/drawingml/2006/main" xmlns:r="http://schemas.openxmlformats.org/officeDocument/2006/relationships" xmlns:mc="http://schemas.openxmlformats.org/markup-compatibility/2006" xmlns:mv="urn:schemas-microsoft-com:mac:vml" xmlns:p="http://schemas.openxmlformats.org/presentationml/2006/main" xmlns:c="http://schemas.openxmlformats.org/drawingml/2006/chart" xmlns:dgm="http://schemas.openxmlformats.org/drawingml/2006/diagram" xmlns:o="urn:schemas-microsoft-com:office:office" xmlns:v="urn:schemas-microsoft-com:vml" xmlns:pvml="urn:schemas-microsoft-com:office:powerpoint" xmlns:com="http://schemas.openxmlformats.org/drawingml/2006/compatibility" xmlns:p14="http://schemas.microsoft.com/office/powerpoint/2010/main" xmlns:p15="http://schemas.microsoft.com/office/powerpoint/2012/main" xmlns:ahyp="http://schemas.microsoft.com/office/drawing/2018/hyperlinkcolor" showMasterPhAnim="0" showMasterSp="0">
-  <p:cSld>
-    <p:spTree>
-      <p:nvGrpSpPr>
-        <p:cNvPr id="117" name="Shape 117"/>
-        <p:cNvGrpSpPr/>
-        <p:nvPr/>
-      </p:nvGrpSpPr>
-      <p:grpSpPr>
-        <a:xfrm>
-          <a:off x="0" y="0"/>
-          <a:ext cx="0" cy="0"/>
-          <a:chOff x="0" y="0"/>
-          <a:chExt cx="0" cy="0"/>
-        </a:xfrm>
-      </p:grpSpPr>
-      <p:sp>
-        <p:nvSpPr>
-          <p:cNvPr id="118" name="Google Shape;118;ge6584ab0eb_0_63:notes"/>
-          <p:cNvSpPr/>
-          <p:nvPr>
-            <p:ph idx="2" type="sldImg"/>
-          </p:nvPr>
-        </p:nvSpPr>
-        <p:spPr>
-          <a:xfrm>
-            <a:off x="381300" y="685800"/>
-            <a:ext cx="6096000" cy="3429000"/>
-          </a:xfrm>
-          <a:custGeom>
-            <a:rect b="b" l="l" r="r" t="t"/>
-            <a:pathLst>
-              <a:path extrusionOk="0" h="120000" w="120000">
-                <a:moveTo>
-                  <a:pt x="0" y="0"/>
-                </a:moveTo>
-                <a:lnTo>
-                  <a:pt x="120000" y="0"/>
-                </a:lnTo>
-                <a:lnTo>
-                  <a:pt x="120000" y="120000"/>
-                </a:lnTo>
-                <a:lnTo>
-                  <a:pt x="0" y="120000"/>
-                </a:lnTo>
-                <a:close/>
-              </a:path>
-            </a:pathLst>
-          </a:custGeom>
-        </p:spPr>
-      </p:sp>
-      <p:sp>
-        <p:nvSpPr>
-          <p:cNvPr id="119" name="Google Shape;119;ge6584ab0eb_0_63:notes"/>
-          <p:cNvSpPr txBox="1"/>
-          <p:nvPr>
-            <p:ph idx="1" type="body"/>
-          </p:nvPr>
-        </p:nvSpPr>
-        <p:spPr>
-          <a:xfrm>
-            <a:off x="685800" y="4343400"/>
-            <a:ext cx="5486400" cy="4114800"/>
-          </a:xfrm>
-          <a:prstGeom prst="rect">
-            <a:avLst/>
-          </a:prstGeom>
-        </p:spPr>
-        <p:txBody>
-          <a:bodyPr anchorCtr="0" anchor="t" bIns="91425" lIns="91425" spcFirstLastPara="1" rIns="91425" wrap="square" tIns="91425">
-            <a:noAutofit/>
-          </a:bodyPr>
-          <a:lstStyle/>
-          <a:p>
-            <a:pPr indent="0" lvl="0" marL="0" rtl="0" algn="l">
-              <a:spcBef>
-                <a:spcPts val="0"/>
-              </a:spcBef>
-              <a:spcAft>
-                <a:spcPts val="0"/>
-              </a:spcAft>
-              <a:buNone/>
-            </a:pPr>
-            <a:r>
-              <a:t/>
-            </a:r>
-            <a:endParaRPr/>
-          </a:p>
-        </p:txBody>
-      </p:sp>
-    </p:spTree>
-  </p:cSld>
-  <p:clrMapOvr>
-    <a:masterClrMapping/>
-  </p:clrMapOvr>
-</p:notes>
-</file>
-
-<file path=ppt/notesSlides/notesSlide11.xml><?xml version="1.0" encoding="utf-8"?>
-<p:notes xmlns:a="http://schemas.openxmlformats.org/drawingml/2006/main" xmlns:r="http://schemas.openxmlformats.org/officeDocument/2006/relationships" xmlns:mc="http://schemas.openxmlformats.org/markup-compatibility/2006" xmlns:mv="urn:schemas-microsoft-com:mac:vml" xmlns:p="http://schemas.openxmlformats.org/presentationml/2006/main" xmlns:c="http://schemas.openxmlformats.org/drawingml/2006/chart" xmlns:dgm="http://schemas.openxmlformats.org/drawingml/2006/diagram" xmlns:o="urn:schemas-microsoft-com:office:office" xmlns:v="urn:schemas-microsoft-com:vml" xmlns:pvml="urn:schemas-microsoft-com:office:powerpoint" xmlns:com="http://schemas.openxmlformats.org/drawingml/2006/compatibility" xmlns:p14="http://schemas.microsoft.com/office/powerpoint/2010/main" xmlns:p15="http://schemas.microsoft.com/office/powerpoint/2012/main" xmlns:ahyp="http://schemas.microsoft.com/office/drawing/2018/hyperlinkcolor" showMasterPhAnim="0" showMasterSp="0">
-  <p:cSld>
-    <p:spTree>
-      <p:nvGrpSpPr>
-        <p:cNvPr id="123" name="Shape 123"/>
-        <p:cNvGrpSpPr/>
-        <p:nvPr/>
-      </p:nvGrpSpPr>
-      <p:grpSpPr>
-        <a:xfrm>
-          <a:off x="0" y="0"/>
-          <a:ext cx="0" cy="0"/>
-          <a:chOff x="0" y="0"/>
-          <a:chExt cx="0" cy="0"/>
-        </a:xfrm>
-      </p:grpSpPr>
-      <p:sp>
-        <p:nvSpPr>
-          <p:cNvPr id="124" name="Google Shape;124;ge6584ab0eb_0_76:notes"/>
-          <p:cNvSpPr/>
-          <p:nvPr>
-            <p:ph idx="2" type="sldImg"/>
-          </p:nvPr>
-        </p:nvSpPr>
-        <p:spPr>
-          <a:xfrm>
-            <a:off x="381300" y="685800"/>
-            <a:ext cx="6096000" cy="3429000"/>
-          </a:xfrm>
-          <a:custGeom>
-            <a:rect b="b" l="l" r="r" t="t"/>
-            <a:pathLst>
-              <a:path extrusionOk="0" h="120000" w="120000">
-                <a:moveTo>
-                  <a:pt x="0" y="0"/>
-                </a:moveTo>
-                <a:lnTo>
-                  <a:pt x="120000" y="0"/>
-                </a:lnTo>
-                <a:lnTo>
-                  <a:pt x="120000" y="120000"/>
-                </a:lnTo>
-                <a:lnTo>
-                  <a:pt x="0" y="120000"/>
-                </a:lnTo>
-                <a:close/>
-              </a:path>
-            </a:pathLst>
-          </a:custGeom>
-        </p:spPr>
-      </p:sp>
-      <p:sp>
-        <p:nvSpPr>
-          <p:cNvPr id="125" name="Google Shape;125;ge6584ab0eb_0_76:notes"/>
-          <p:cNvSpPr txBox="1"/>
-          <p:nvPr>
-            <p:ph idx="1" type="body"/>
-          </p:nvPr>
-        </p:nvSpPr>
-        <p:spPr>
-          <a:xfrm>
-            <a:off x="685800" y="4343400"/>
-            <a:ext cx="5486400" cy="4114800"/>
-          </a:xfrm>
-          <a:prstGeom prst="rect">
-            <a:avLst/>
-          </a:prstGeom>
-        </p:spPr>
-        <p:txBody>
-          <a:bodyPr anchorCtr="0" anchor="t" bIns="91425" lIns="91425" spcFirstLastPara="1" rIns="91425" wrap="square" tIns="91425">
-            <a:noAutofit/>
-          </a:bodyPr>
-          <a:lstStyle/>
-          <a:p>
-            <a:pPr indent="0" lvl="0" marL="0" rtl="0" algn="l">
-              <a:spcBef>
-                <a:spcPts val="0"/>
-              </a:spcBef>
-              <a:spcAft>
-                <a:spcPts val="0"/>
-              </a:spcAft>
-              <a:buNone/>
-            </a:pPr>
-            <a:r>
-              <a:t/>
-            </a:r>
-            <a:endParaRPr/>
-          </a:p>
-        </p:txBody>
-      </p:sp>
-    </p:spTree>
-  </p:cSld>
-  <p:clrMapOvr>
-    <a:masterClrMapping/>
-  </p:clrMapOvr>
-</p:notes>
-</file>
-
 <file path=ppt/notesSlides/notesSlide2.xml><?xml version="1.0" encoding="utf-8"?>
 <p:notes xmlns:a="http://schemas.openxmlformats.org/drawingml/2006/main" xmlns:r="http://schemas.openxmlformats.org/officeDocument/2006/relationships" xmlns:mc="http://schemas.openxmlformats.org/markup-compatibility/2006" xmlns:mv="urn:schemas-microsoft-com:mac:vml" xmlns:p="http://schemas.openxmlformats.org/presentationml/2006/main" xmlns:c="http://schemas.openxmlformats.org/drawingml/2006/chart" xmlns:dgm="http://schemas.openxmlformats.org/drawingml/2006/diagram" xmlns:o="urn:schemas-microsoft-com:office:office" xmlns:v="urn:schemas-microsoft-com:vml" xmlns:pvml="urn:schemas-microsoft-com:office:powerpoint" xmlns:com="http://schemas.openxmlformats.org/drawingml/2006/compatibility" xmlns:p14="http://schemas.microsoft.com/office/powerpoint/2010/main" xmlns:p15="http://schemas.microsoft.com/office/powerpoint/2012/main" xmlns:ahyp="http://schemas.microsoft.com/office/drawing/2018/hyperlinkcolor" showMasterPhAnim="0" showMasterSp="0">
   <p:cSld>
@@ -1493,7 +1292,7 @@
   <p:cSld>
     <p:spTree>
       <p:nvGrpSpPr>
-        <p:cNvPr id="90" name="Shape 90"/>
+        <p:cNvPr id="94" name="Shape 94"/>
         <p:cNvGrpSpPr/>
         <p:nvPr/>
       </p:nvGrpSpPr>
@@ -1507,7 +1306,7 @@
       </p:grpSpPr>
       <p:sp>
         <p:nvSpPr>
-          <p:cNvPr id="91" name="Google Shape;91;ge68166078d_0_136:notes"/>
+          <p:cNvPr id="95" name="Google Shape;95;ge7d125fe72_0_11:notes"/>
           <p:cNvSpPr/>
           <p:nvPr>
             <p:ph idx="2" type="sldImg"/>
@@ -1542,7 +1341,7 @@
       </p:sp>
       <p:sp>
         <p:nvSpPr>
-          <p:cNvPr id="92" name="Google Shape;92;ge68166078d_0_136:notes"/>
+          <p:cNvPr id="96" name="Google Shape;96;ge7d125fe72_0_11:notes"/>
           <p:cNvSpPr txBox="1"/>
           <p:nvPr>
             <p:ph idx="1" type="body"/>
@@ -1592,7 +1391,7 @@
   <p:cSld>
     <p:spTree>
       <p:nvGrpSpPr>
-        <p:cNvPr id="99" name="Shape 99"/>
+        <p:cNvPr id="107" name="Shape 107"/>
         <p:cNvGrpSpPr/>
         <p:nvPr/>
       </p:nvGrpSpPr>
@@ -1606,7 +1405,7 @@
       </p:grpSpPr>
       <p:sp>
         <p:nvSpPr>
-          <p:cNvPr id="100" name="Google Shape;100;ge68166078d_0_106:notes"/>
+          <p:cNvPr id="108" name="Google Shape;108;ge6584ab0eb_0_63:notes"/>
           <p:cNvSpPr/>
           <p:nvPr>
             <p:ph idx="2" type="sldImg"/>
@@ -1641,106 +1440,7 @@
       </p:sp>
       <p:sp>
         <p:nvSpPr>
-          <p:cNvPr id="101" name="Google Shape;101;ge68166078d_0_106:notes"/>
-          <p:cNvSpPr txBox="1"/>
-          <p:nvPr>
-            <p:ph idx="1" type="body"/>
-          </p:nvPr>
-        </p:nvSpPr>
-        <p:spPr>
-          <a:xfrm>
-            <a:off x="685800" y="4343400"/>
-            <a:ext cx="5486400" cy="4114800"/>
-          </a:xfrm>
-          <a:prstGeom prst="rect">
-            <a:avLst/>
-          </a:prstGeom>
-        </p:spPr>
-        <p:txBody>
-          <a:bodyPr anchorCtr="0" anchor="t" bIns="91425" lIns="91425" spcFirstLastPara="1" rIns="91425" wrap="square" tIns="91425">
-            <a:noAutofit/>
-          </a:bodyPr>
-          <a:lstStyle/>
-          <a:p>
-            <a:pPr indent="0" lvl="0" marL="0" rtl="0" algn="l">
-              <a:spcBef>
-                <a:spcPts val="0"/>
-              </a:spcBef>
-              <a:spcAft>
-                <a:spcPts val="0"/>
-              </a:spcAft>
-              <a:buNone/>
-            </a:pPr>
-            <a:r>
-              <a:t/>
-            </a:r>
-            <a:endParaRPr/>
-          </a:p>
-        </p:txBody>
-      </p:sp>
-    </p:spTree>
-  </p:cSld>
-  <p:clrMapOvr>
-    <a:masterClrMapping/>
-  </p:clrMapOvr>
-</p:notes>
-</file>
-
-<file path=ppt/notesSlides/notesSlide9.xml><?xml version="1.0" encoding="utf-8"?>
-<p:notes xmlns:a="http://schemas.openxmlformats.org/drawingml/2006/main" xmlns:r="http://schemas.openxmlformats.org/officeDocument/2006/relationships" xmlns:mc="http://schemas.openxmlformats.org/markup-compatibility/2006" xmlns:mv="urn:schemas-microsoft-com:mac:vml" xmlns:p="http://schemas.openxmlformats.org/presentationml/2006/main" xmlns:c="http://schemas.openxmlformats.org/drawingml/2006/chart" xmlns:dgm="http://schemas.openxmlformats.org/drawingml/2006/diagram" xmlns:o="urn:schemas-microsoft-com:office:office" xmlns:v="urn:schemas-microsoft-com:vml" xmlns:pvml="urn:schemas-microsoft-com:office:powerpoint" xmlns:com="http://schemas.openxmlformats.org/drawingml/2006/compatibility" xmlns:p14="http://schemas.microsoft.com/office/powerpoint/2010/main" xmlns:p15="http://schemas.microsoft.com/office/powerpoint/2012/main" xmlns:ahyp="http://schemas.microsoft.com/office/drawing/2018/hyperlinkcolor" showMasterPhAnim="0" showMasterSp="0">
-  <p:cSld>
-    <p:spTree>
-      <p:nvGrpSpPr>
-        <p:cNvPr id="108" name="Shape 108"/>
-        <p:cNvGrpSpPr/>
-        <p:nvPr/>
-      </p:nvGrpSpPr>
-      <p:grpSpPr>
-        <a:xfrm>
-          <a:off x="0" y="0"/>
-          <a:ext cx="0" cy="0"/>
-          <a:chOff x="0" y="0"/>
-          <a:chExt cx="0" cy="0"/>
-        </a:xfrm>
-      </p:grpSpPr>
-      <p:sp>
-        <p:nvSpPr>
-          <p:cNvPr id="109" name="Google Shape;109;ge68166078d_0_98:notes"/>
-          <p:cNvSpPr/>
-          <p:nvPr>
-            <p:ph idx="2" type="sldImg"/>
-          </p:nvPr>
-        </p:nvSpPr>
-        <p:spPr>
-          <a:xfrm>
-            <a:off x="381300" y="685800"/>
-            <a:ext cx="6096000" cy="3429000"/>
-          </a:xfrm>
-          <a:custGeom>
-            <a:rect b="b" l="l" r="r" t="t"/>
-            <a:pathLst>
-              <a:path extrusionOk="0" h="120000" w="120000">
-                <a:moveTo>
-                  <a:pt x="0" y="0"/>
-                </a:moveTo>
-                <a:lnTo>
-                  <a:pt x="120000" y="0"/>
-                </a:lnTo>
-                <a:lnTo>
-                  <a:pt x="120000" y="120000"/>
-                </a:lnTo>
-                <a:lnTo>
-                  <a:pt x="0" y="120000"/>
-                </a:lnTo>
-                <a:close/>
-              </a:path>
-            </a:pathLst>
-          </a:custGeom>
-        </p:spPr>
-      </p:sp>
-      <p:sp>
-        <p:nvSpPr>
-          <p:cNvPr id="110" name="Google Shape;110;ge68166078d_0_98:notes"/>
+          <p:cNvPr id="109" name="Google Shape;109;ge6584ab0eb_0_63:notes"/>
           <p:cNvSpPr txBox="1"/>
           <p:nvPr>
             <p:ph idx="1" type="body"/>
@@ -6594,599 +6294,6 @@
 </p:sld>
 </file>
 
-<file path=ppt/slides/slide10.xml><?xml version="1.0" encoding="utf-8"?>
-<p:sld xmlns:a="http://schemas.openxmlformats.org/drawingml/2006/main" xmlns:r="http://schemas.openxmlformats.org/officeDocument/2006/relationships" xmlns:mc="http://schemas.openxmlformats.org/markup-compatibility/2006" xmlns:mv="urn:schemas-microsoft-com:mac:vml" xmlns:p="http://schemas.openxmlformats.org/presentationml/2006/main" xmlns:c="http://schemas.openxmlformats.org/drawingml/2006/chart" xmlns:dgm="http://schemas.openxmlformats.org/drawingml/2006/diagram" xmlns:o="urn:schemas-microsoft-com:office:office" xmlns:v="urn:schemas-microsoft-com:vml" xmlns:pvml="urn:schemas-microsoft-com:office:powerpoint" xmlns:com="http://schemas.openxmlformats.org/drawingml/2006/compatibility" xmlns:p14="http://schemas.microsoft.com/office/powerpoint/2010/main" xmlns:p15="http://schemas.microsoft.com/office/powerpoint/2012/main" xmlns:ahyp="http://schemas.microsoft.com/office/drawing/2018/hyperlinkcolor">
-  <p:cSld>
-    <p:bg>
-      <p:bgPr>
-        <a:solidFill>
-          <a:srgbClr val="CCCCCC"/>
-        </a:solidFill>
-      </p:bgPr>
-    </p:bg>
-    <p:spTree>
-      <p:nvGrpSpPr>
-        <p:cNvPr id="120" name="Shape 120"/>
-        <p:cNvGrpSpPr/>
-        <p:nvPr/>
-      </p:nvGrpSpPr>
-      <p:grpSpPr>
-        <a:xfrm>
-          <a:off x="0" y="0"/>
-          <a:ext cx="0" cy="0"/>
-          <a:chOff x="0" y="0"/>
-          <a:chExt cx="0" cy="0"/>
-        </a:xfrm>
-      </p:grpSpPr>
-      <p:sp>
-        <p:nvSpPr>
-          <p:cNvPr id="121" name="Google Shape;121;p22"/>
-          <p:cNvSpPr txBox="1"/>
-          <p:nvPr>
-            <p:ph type="title"/>
-          </p:nvPr>
-        </p:nvSpPr>
-        <p:spPr>
-          <a:xfrm>
-            <a:off x="311700" y="445025"/>
-            <a:ext cx="8520600" cy="572700"/>
-          </a:xfrm>
-          <a:prstGeom prst="rect">
-            <a:avLst/>
-          </a:prstGeom>
-        </p:spPr>
-        <p:txBody>
-          <a:bodyPr anchorCtr="0" anchor="t" bIns="91425" lIns="91425" spcFirstLastPara="1" rIns="91425" wrap="square" tIns="91425">
-            <a:normAutofit fontScale="90000"/>
-          </a:bodyPr>
-          <a:lstStyle/>
-          <a:p>
-            <a:pPr indent="0" lvl="0" marL="0" rtl="0" algn="l">
-              <a:spcBef>
-                <a:spcPts val="0"/>
-              </a:spcBef>
-              <a:spcAft>
-                <a:spcPts val="0"/>
-              </a:spcAft>
-              <a:buNone/>
-            </a:pPr>
-            <a:r>
-              <a:rPr lang="en" sz="3000">
-                <a:latin typeface="Oswald"/>
-                <a:ea typeface="Oswald"/>
-                <a:cs typeface="Oswald"/>
-                <a:sym typeface="Oswald"/>
-              </a:rPr>
-              <a:t>Conclusion</a:t>
-            </a:r>
-            <a:endParaRPr/>
-          </a:p>
-        </p:txBody>
-      </p:sp>
-      <p:sp>
-        <p:nvSpPr>
-          <p:cNvPr id="122" name="Google Shape;122;p22"/>
-          <p:cNvSpPr txBox="1"/>
-          <p:nvPr>
-            <p:ph idx="1" type="body"/>
-          </p:nvPr>
-        </p:nvSpPr>
-        <p:spPr>
-          <a:xfrm>
-            <a:off x="311700" y="1152475"/>
-            <a:ext cx="8520600" cy="3416400"/>
-          </a:xfrm>
-          <a:prstGeom prst="rect">
-            <a:avLst/>
-          </a:prstGeom>
-        </p:spPr>
-        <p:txBody>
-          <a:bodyPr anchorCtr="0" anchor="t" bIns="91425" lIns="91425" spcFirstLastPara="1" rIns="91425" wrap="square" tIns="91425">
-            <a:normAutofit/>
-          </a:bodyPr>
-          <a:lstStyle/>
-          <a:p>
-            <a:pPr indent="-342900" lvl="0" marL="457200" rtl="0" algn="l">
-              <a:lnSpc>
-                <a:spcPct val="115000"/>
-              </a:lnSpc>
-              <a:spcBef>
-                <a:spcPts val="0"/>
-              </a:spcBef>
-              <a:spcAft>
-                <a:spcPts val="0"/>
-              </a:spcAft>
-              <a:buClr>
-                <a:schemeClr val="dk1"/>
-              </a:buClr>
-              <a:buSzPts val="1800"/>
-              <a:buChar char="●"/>
-            </a:pPr>
-            <a:r>
-              <a:rPr lang="en">
-                <a:solidFill>
-                  <a:schemeClr val="dk1"/>
-                </a:solidFill>
-              </a:rPr>
-              <a:t>The model suggests that Big Mountain is underpricing their tickets so the company can probably increase prices marginally ,</a:t>
-            </a:r>
-            <a:r>
-              <a:rPr lang="en">
-                <a:solidFill>
-                  <a:schemeClr val="dk1"/>
-                </a:solidFill>
-              </a:rPr>
-              <a:t>on i</a:t>
-            </a:r>
-            <a:r>
-              <a:rPr b="1" lang="en">
-                <a:solidFill>
-                  <a:schemeClr val="dk1"/>
-                </a:solidFill>
-              </a:rPr>
-              <a:t>ncreasing the price</a:t>
-            </a:r>
-            <a:r>
-              <a:rPr lang="en">
-                <a:solidFill>
-                  <a:schemeClr val="dk1"/>
-                </a:solidFill>
-              </a:rPr>
-              <a:t> of their adult weekend tickets by </a:t>
-            </a:r>
-            <a:r>
-              <a:rPr b="1" lang="en">
-                <a:solidFill>
-                  <a:schemeClr val="dk1"/>
-                </a:solidFill>
-              </a:rPr>
-              <a:t>$10 to $15.</a:t>
-            </a:r>
-            <a:endParaRPr b="1">
-              <a:solidFill>
-                <a:schemeClr val="dk1"/>
-              </a:solidFill>
-            </a:endParaRPr>
-          </a:p>
-          <a:p>
-            <a:pPr indent="0" lvl="0" marL="457200" rtl="0" algn="l">
-              <a:lnSpc>
-                <a:spcPct val="115000"/>
-              </a:lnSpc>
-              <a:spcBef>
-                <a:spcPts val="0"/>
-              </a:spcBef>
-              <a:spcAft>
-                <a:spcPts val="0"/>
-              </a:spcAft>
-              <a:buNone/>
-            </a:pPr>
-            <a:r>
-              <a:t/>
-            </a:r>
-            <a:endParaRPr>
-              <a:solidFill>
-                <a:schemeClr val="dk1"/>
-              </a:solidFill>
-            </a:endParaRPr>
-          </a:p>
-          <a:p>
-            <a:pPr indent="-342900" lvl="0" marL="457200" rtl="0" algn="l">
-              <a:lnSpc>
-                <a:spcPct val="115000"/>
-              </a:lnSpc>
-              <a:spcBef>
-                <a:spcPts val="0"/>
-              </a:spcBef>
-              <a:spcAft>
-                <a:spcPts val="0"/>
-              </a:spcAft>
-              <a:buClr>
-                <a:schemeClr val="dk1"/>
-              </a:buClr>
-              <a:buSzPts val="1800"/>
-              <a:buChar char="●"/>
-            </a:pPr>
-            <a:r>
-              <a:rPr lang="en">
-                <a:solidFill>
-                  <a:schemeClr val="dk1"/>
-                </a:solidFill>
-              </a:rPr>
-              <a:t>Increase the vertical drop by adding a run to a point 150 feet lower down but requiring the installation of an additional chair lift to bring skiers back up, without additional snow making coverage </a:t>
-            </a:r>
-            <a:endParaRPr>
-              <a:solidFill>
-                <a:schemeClr val="dk1"/>
-              </a:solidFill>
-            </a:endParaRPr>
-          </a:p>
-          <a:p>
-            <a:pPr indent="0" lvl="0" marL="457200" rtl="0" algn="l">
-              <a:lnSpc>
-                <a:spcPct val="115000"/>
-              </a:lnSpc>
-              <a:spcBef>
-                <a:spcPts val="0"/>
-              </a:spcBef>
-              <a:spcAft>
-                <a:spcPts val="0"/>
-              </a:spcAft>
-              <a:buNone/>
-            </a:pPr>
-            <a:r>
-              <a:t/>
-            </a:r>
-            <a:endParaRPr>
-              <a:solidFill>
-                <a:schemeClr val="dk1"/>
-              </a:solidFill>
-            </a:endParaRPr>
-          </a:p>
-          <a:p>
-            <a:pPr indent="-342900" lvl="0" marL="457200" rtl="0" algn="l">
-              <a:lnSpc>
-                <a:spcPct val="115000"/>
-              </a:lnSpc>
-              <a:spcBef>
-                <a:spcPts val="0"/>
-              </a:spcBef>
-              <a:spcAft>
-                <a:spcPts val="0"/>
-              </a:spcAft>
-              <a:buClr>
-                <a:schemeClr val="dk1"/>
-              </a:buClr>
-              <a:buSzPts val="1800"/>
-              <a:buChar char="●"/>
-            </a:pPr>
-            <a:r>
-              <a:rPr lang="en">
-                <a:solidFill>
-                  <a:schemeClr val="dk1"/>
-                </a:solidFill>
-              </a:rPr>
-              <a:t>Big Mountain keeps the old price for weekdays, and adopts an increased price for weekends.</a:t>
-            </a:r>
-            <a:endParaRPr/>
-          </a:p>
-        </p:txBody>
-      </p:sp>
-    </p:spTree>
-  </p:cSld>
-  <p:clrMapOvr>
-    <a:masterClrMapping/>
-  </p:clrMapOvr>
-</p:sld>
-</file>
-
-<file path=ppt/slides/slide11.xml><?xml version="1.0" encoding="utf-8"?>
-<p:sld xmlns:a="http://schemas.openxmlformats.org/drawingml/2006/main" xmlns:r="http://schemas.openxmlformats.org/officeDocument/2006/relationships" xmlns:mc="http://schemas.openxmlformats.org/markup-compatibility/2006" xmlns:mv="urn:schemas-microsoft-com:mac:vml" xmlns:p="http://schemas.openxmlformats.org/presentationml/2006/main" xmlns:c="http://schemas.openxmlformats.org/drawingml/2006/chart" xmlns:dgm="http://schemas.openxmlformats.org/drawingml/2006/diagram" xmlns:o="urn:schemas-microsoft-com:office:office" xmlns:v="urn:schemas-microsoft-com:vml" xmlns:pvml="urn:schemas-microsoft-com:office:powerpoint" xmlns:com="http://schemas.openxmlformats.org/drawingml/2006/compatibility" xmlns:p14="http://schemas.microsoft.com/office/powerpoint/2010/main" xmlns:p15="http://schemas.microsoft.com/office/powerpoint/2012/main" xmlns:ahyp="http://schemas.microsoft.com/office/drawing/2018/hyperlinkcolor">
-  <p:cSld>
-    <p:bg>
-      <p:bgPr>
-        <a:solidFill>
-          <a:srgbClr val="D9D9D9"/>
-        </a:solidFill>
-      </p:bgPr>
-    </p:bg>
-    <p:spTree>
-      <p:nvGrpSpPr>
-        <p:cNvPr id="126" name="Shape 126"/>
-        <p:cNvGrpSpPr/>
-        <p:nvPr/>
-      </p:nvGrpSpPr>
-      <p:grpSpPr>
-        <a:xfrm>
-          <a:off x="0" y="0"/>
-          <a:ext cx="0" cy="0"/>
-          <a:chOff x="0" y="0"/>
-          <a:chExt cx="0" cy="0"/>
-        </a:xfrm>
-      </p:grpSpPr>
-      <p:sp>
-        <p:nvSpPr>
-          <p:cNvPr id="127" name="Google Shape;127;p23"/>
-          <p:cNvSpPr txBox="1"/>
-          <p:nvPr>
-            <p:ph type="title"/>
-          </p:nvPr>
-        </p:nvSpPr>
-        <p:spPr>
-          <a:xfrm>
-            <a:off x="311700" y="445025"/>
-            <a:ext cx="8520600" cy="572700"/>
-          </a:xfrm>
-          <a:prstGeom prst="rect">
-            <a:avLst/>
-          </a:prstGeom>
-        </p:spPr>
-        <p:txBody>
-          <a:bodyPr anchorCtr="0" anchor="t" bIns="91425" lIns="91425" spcFirstLastPara="1" rIns="91425" wrap="square" tIns="91425">
-            <a:normAutofit fontScale="90000"/>
-          </a:bodyPr>
-          <a:lstStyle/>
-          <a:p>
-            <a:pPr indent="0" lvl="0" marL="0" rtl="0" algn="l">
-              <a:spcBef>
-                <a:spcPts val="0"/>
-              </a:spcBef>
-              <a:spcAft>
-                <a:spcPts val="0"/>
-              </a:spcAft>
-              <a:buNone/>
-            </a:pPr>
-            <a:r>
-              <a:rPr lang="en" sz="3000">
-                <a:latin typeface="Oswald"/>
-                <a:ea typeface="Oswald"/>
-                <a:cs typeface="Oswald"/>
-                <a:sym typeface="Oswald"/>
-              </a:rPr>
-              <a:t>Conclusion</a:t>
-            </a:r>
-            <a:endParaRPr/>
-          </a:p>
-        </p:txBody>
-      </p:sp>
-      <p:sp>
-        <p:nvSpPr>
-          <p:cNvPr id="128" name="Google Shape;128;p23"/>
-          <p:cNvSpPr txBox="1"/>
-          <p:nvPr>
-            <p:ph idx="1" type="body"/>
-          </p:nvPr>
-        </p:nvSpPr>
-        <p:spPr>
-          <a:xfrm>
-            <a:off x="311700" y="1152475"/>
-            <a:ext cx="8520600" cy="3416400"/>
-          </a:xfrm>
-          <a:prstGeom prst="rect">
-            <a:avLst/>
-          </a:prstGeom>
-        </p:spPr>
-        <p:txBody>
-          <a:bodyPr anchorCtr="0" anchor="t" bIns="91425" lIns="91425" spcFirstLastPara="1" rIns="91425" wrap="square" tIns="91425">
-            <a:normAutofit lnSpcReduction="10000"/>
-          </a:bodyPr>
-          <a:lstStyle/>
-          <a:p>
-            <a:pPr indent="0" lvl="0" marL="457200" rtl="0" algn="just">
-              <a:spcBef>
-                <a:spcPts val="0"/>
-              </a:spcBef>
-              <a:spcAft>
-                <a:spcPts val="0"/>
-              </a:spcAft>
-              <a:buNone/>
-            </a:pPr>
-            <a:r>
-              <a:rPr lang="en">
-                <a:solidFill>
-                  <a:schemeClr val="dk1"/>
-                </a:solidFill>
-              </a:rPr>
-              <a:t>The best scenario where we managed to gain the highest revenue increase possible was by  -</a:t>
-            </a:r>
-            <a:endParaRPr>
-              <a:solidFill>
-                <a:schemeClr val="dk1"/>
-              </a:solidFill>
-            </a:endParaRPr>
-          </a:p>
-          <a:p>
-            <a:pPr indent="-342900" lvl="0" marL="914400" rtl="0" algn="just">
-              <a:spcBef>
-                <a:spcPts val="0"/>
-              </a:spcBef>
-              <a:spcAft>
-                <a:spcPts val="0"/>
-              </a:spcAft>
-              <a:buClr>
-                <a:schemeClr val="dk1"/>
-              </a:buClr>
-              <a:buSzPts val="1800"/>
-              <a:buChar char="●"/>
-            </a:pPr>
-            <a:r>
-              <a:rPr b="1" lang="en">
-                <a:solidFill>
-                  <a:schemeClr val="dk1"/>
-                </a:solidFill>
-              </a:rPr>
-              <a:t>adding one run</a:t>
-            </a:r>
-            <a:endParaRPr b="1">
-              <a:solidFill>
-                <a:schemeClr val="dk1"/>
-              </a:solidFill>
-            </a:endParaRPr>
-          </a:p>
-          <a:p>
-            <a:pPr indent="-342900" lvl="0" marL="914400" rtl="0" algn="just">
-              <a:spcBef>
-                <a:spcPts val="0"/>
-              </a:spcBef>
-              <a:spcAft>
-                <a:spcPts val="0"/>
-              </a:spcAft>
-              <a:buClr>
-                <a:schemeClr val="dk1"/>
-              </a:buClr>
-              <a:buSzPts val="1800"/>
-              <a:buChar char="●"/>
-            </a:pPr>
-            <a:r>
-              <a:rPr b="1" lang="en">
-                <a:solidFill>
-                  <a:schemeClr val="dk1"/>
-                </a:solidFill>
-              </a:rPr>
-              <a:t>increasing the vertical drop by 150 ft</a:t>
-            </a:r>
-            <a:endParaRPr b="1">
-              <a:solidFill>
-                <a:schemeClr val="dk1"/>
-              </a:solidFill>
-            </a:endParaRPr>
-          </a:p>
-          <a:p>
-            <a:pPr indent="-342900" lvl="0" marL="914400" rtl="0" algn="just">
-              <a:spcBef>
-                <a:spcPts val="0"/>
-              </a:spcBef>
-              <a:spcAft>
-                <a:spcPts val="0"/>
-              </a:spcAft>
-              <a:buClr>
-                <a:schemeClr val="dk1"/>
-              </a:buClr>
-              <a:buSzPts val="1800"/>
-              <a:buChar char="●"/>
-            </a:pPr>
-            <a:r>
-              <a:rPr b="1" lang="en">
-                <a:solidFill>
-                  <a:schemeClr val="dk1"/>
-                </a:solidFill>
-              </a:rPr>
-              <a:t>2 acres of snow making cover</a:t>
-            </a:r>
-            <a:endParaRPr b="1">
-              <a:solidFill>
-                <a:schemeClr val="dk1"/>
-              </a:solidFill>
-            </a:endParaRPr>
-          </a:p>
-          <a:p>
-            <a:pPr indent="-342900" lvl="0" marL="914400" rtl="0" algn="just">
-              <a:spcBef>
-                <a:spcPts val="0"/>
-              </a:spcBef>
-              <a:spcAft>
-                <a:spcPts val="0"/>
-              </a:spcAft>
-              <a:buClr>
-                <a:schemeClr val="dk1"/>
-              </a:buClr>
-              <a:buSzPts val="1800"/>
-              <a:buChar char="●"/>
-            </a:pPr>
-            <a:r>
-              <a:rPr b="1" lang="en">
-                <a:solidFill>
-                  <a:schemeClr val="dk1"/>
-                </a:solidFill>
-              </a:rPr>
-              <a:t>adding one Chair Lift</a:t>
-            </a:r>
-            <a:endParaRPr b="1">
-              <a:solidFill>
-                <a:schemeClr val="dk1"/>
-              </a:solidFill>
-            </a:endParaRPr>
-          </a:p>
-          <a:p>
-            <a:pPr indent="0" lvl="0" marL="457200" rtl="0" algn="just">
-              <a:spcBef>
-                <a:spcPts val="0"/>
-              </a:spcBef>
-              <a:spcAft>
-                <a:spcPts val="0"/>
-              </a:spcAft>
-              <a:buNone/>
-            </a:pPr>
-            <a:r>
-              <a:t/>
-            </a:r>
-            <a:endParaRPr>
-              <a:solidFill>
-                <a:schemeClr val="dk1"/>
-              </a:solidFill>
-            </a:endParaRPr>
-          </a:p>
-          <a:p>
-            <a:pPr indent="0" lvl="0" marL="457200" rtl="0" algn="just">
-              <a:spcBef>
-                <a:spcPts val="0"/>
-              </a:spcBef>
-              <a:spcAft>
-                <a:spcPts val="0"/>
-              </a:spcAft>
-              <a:buNone/>
-            </a:pPr>
-            <a:r>
-              <a:rPr lang="en">
-                <a:solidFill>
-                  <a:schemeClr val="dk1"/>
-                </a:solidFill>
-              </a:rPr>
-              <a:t>This scenario has increased ticket price by 12% from </a:t>
-            </a:r>
-            <a:r>
-              <a:rPr b="1" lang="en">
-                <a:solidFill>
-                  <a:schemeClr val="dk1"/>
-                </a:solidFill>
-              </a:rPr>
-              <a:t>$81 to $94.66</a:t>
-            </a:r>
-            <a:r>
-              <a:rPr lang="en">
-                <a:solidFill>
-                  <a:schemeClr val="dk1"/>
-                </a:solidFill>
-              </a:rPr>
-              <a:t>, resulting in a bottom-line increase by </a:t>
-            </a:r>
-            <a:r>
-              <a:rPr b="1" lang="en">
-                <a:solidFill>
-                  <a:schemeClr val="dk1"/>
-                </a:solidFill>
-              </a:rPr>
-              <a:t>$15,528,841</a:t>
-            </a:r>
-            <a:r>
-              <a:rPr lang="en">
-                <a:solidFill>
-                  <a:schemeClr val="dk1"/>
-                </a:solidFill>
-              </a:rPr>
-              <a:t> (After deducting operating costs = $1.54M).</a:t>
-            </a:r>
-            <a:endParaRPr>
-              <a:solidFill>
-                <a:schemeClr val="dk1"/>
-              </a:solidFill>
-            </a:endParaRPr>
-          </a:p>
-          <a:p>
-            <a:pPr indent="0" lvl="0" marL="0" rtl="0" algn="l">
-              <a:spcBef>
-                <a:spcPts val="0"/>
-              </a:spcBef>
-              <a:spcAft>
-                <a:spcPts val="1200"/>
-              </a:spcAft>
-              <a:buNone/>
-            </a:pPr>
-            <a:r>
-              <a:t/>
-            </a:r>
-            <a:endParaRPr/>
-          </a:p>
-        </p:txBody>
-      </p:sp>
-    </p:spTree>
-  </p:cSld>
-  <p:clrMapOvr>
-    <a:masterClrMapping/>
-  </p:clrMapOvr>
-</p:sld>
-</file>
-
 <file path=ppt/slides/slide2.xml><?xml version="1.0" encoding="utf-8"?>
 <p:sld xmlns:a="http://schemas.openxmlformats.org/drawingml/2006/main" xmlns:r="http://schemas.openxmlformats.org/officeDocument/2006/relationships" xmlns:mc="http://schemas.openxmlformats.org/markup-compatibility/2006" xmlns:mv="urn:schemas-microsoft-com:mac:vml" xmlns:p="http://schemas.openxmlformats.org/presentationml/2006/main" xmlns:c="http://schemas.openxmlformats.org/drawingml/2006/chart" xmlns:dgm="http://schemas.openxmlformats.org/drawingml/2006/diagram" xmlns:o="urn:schemas-microsoft-com:office:office" xmlns:v="urn:schemas-microsoft-com:vml" xmlns:pvml="urn:schemas-microsoft-com:office:powerpoint" xmlns:com="http://schemas.openxmlformats.org/drawingml/2006/compatibility" xmlns:p14="http://schemas.microsoft.com/office/powerpoint/2010/main" xmlns:p15="http://schemas.microsoft.com/office/powerpoint/2012/main" xmlns:ahyp="http://schemas.microsoft.com/office/drawing/2018/hyperlinkcolor">
   <p:cSld>
@@ -8450,7 +7557,7 @@
             <a:tbl>
               <a:tblPr>
                 <a:noFill/>
-                <a:tableStyleId>{4EB04CA9-B73D-4EA9-97BE-467F4D3F0CA3}</a:tableStyleId>
+                <a:tableStyleId>{E85497CE-4D68-49DD-8C04-B995BE590BE0}</a:tableStyleId>
               </a:tblPr>
               <a:tblGrid>
                 <a:gridCol w="3179175"/>
@@ -8676,7 +7783,7 @@
         </p:nvSpPr>
         <p:spPr>
           <a:xfrm>
-            <a:off x="271025" y="445025"/>
+            <a:off x="216875" y="201375"/>
             <a:ext cx="8520600" cy="572700"/>
           </a:xfrm>
           <a:prstGeom prst="rect">
@@ -8732,8 +7839,8 @@
         </p:blipFill>
         <p:spPr>
           <a:xfrm>
-            <a:off x="271026" y="1216700"/>
-            <a:ext cx="4136600" cy="2199212"/>
+            <a:off x="1335825" y="774063"/>
+            <a:ext cx="3051500" cy="1622325"/>
           </a:xfrm>
           <a:prstGeom prst="rect">
             <a:avLst/>
@@ -8752,8 +7859,8 @@
         </p:nvSpPr>
         <p:spPr>
           <a:xfrm>
-            <a:off x="2256175" y="3867550"/>
-            <a:ext cx="4136700" cy="677100"/>
+            <a:off x="723700" y="2494713"/>
+            <a:ext cx="7607100" cy="400200"/>
           </a:xfrm>
           <a:prstGeom prst="rect">
             <a:avLst/>
@@ -8779,14 +7886,14 @@
               <a:buNone/>
             </a:pPr>
             <a:r>
-              <a:rPr lang="en" sz="1600">
+              <a:rPr lang="en">
                 <a:solidFill>
                   <a:schemeClr val="dk1"/>
                 </a:solidFill>
               </a:rPr>
-              <a:t>Big Mountain’s Ticket Price compared to other Resorts Ticket Price.</a:t>
+              <a:t>Price compared to other Resorts Ticket Price.</a:t>
             </a:r>
-            <a:endParaRPr sz="1300">
+            <a:endParaRPr sz="1100">
               <a:solidFill>
                 <a:schemeClr val="dk1"/>
               </a:solidFill>
@@ -8810,8 +7917,8 @@
         </p:blipFill>
         <p:spPr>
           <a:xfrm>
-            <a:off x="4623200" y="1193425"/>
-            <a:ext cx="3931023" cy="2199200"/>
+            <a:off x="4848850" y="774087"/>
+            <a:ext cx="2823149" cy="1579400"/>
           </a:xfrm>
           <a:prstGeom prst="rect">
             <a:avLst/>
@@ -8822,6 +7929,184 @@
           </a:ln>
         </p:spPr>
       </p:pic>
+      <p:pic>
+        <p:nvPicPr>
+          <p:cNvPr id="90" name="Google Shape;90;p18"/>
+          <p:cNvPicPr preferRelativeResize="0"/>
+          <p:nvPr/>
+        </p:nvPicPr>
+        <p:blipFill>
+          <a:blip r:embed="rId5">
+            <a:alphaModFix/>
+          </a:blip>
+          <a:stretch>
+            <a:fillRect/>
+          </a:stretch>
+        </p:blipFill>
+        <p:spPr>
+          <a:xfrm>
+            <a:off x="4973725" y="2993275"/>
+            <a:ext cx="3051501" cy="1651251"/>
+          </a:xfrm>
+          <a:prstGeom prst="rect">
+            <a:avLst/>
+          </a:prstGeom>
+          <a:noFill/>
+          <a:ln>
+            <a:noFill/>
+          </a:ln>
+        </p:spPr>
+      </p:pic>
+      <p:sp>
+        <p:nvSpPr>
+          <p:cNvPr id="91" name="Google Shape;91;p18"/>
+          <p:cNvSpPr txBox="1"/>
+          <p:nvPr/>
+        </p:nvSpPr>
+        <p:spPr>
+          <a:xfrm>
+            <a:off x="4572000" y="4645175"/>
+            <a:ext cx="4168200" cy="384900"/>
+          </a:xfrm>
+          <a:prstGeom prst="rect">
+            <a:avLst/>
+          </a:prstGeom>
+          <a:noFill/>
+          <a:ln>
+            <a:noFill/>
+          </a:ln>
+        </p:spPr>
+        <p:txBody>
+          <a:bodyPr anchorCtr="0" anchor="t" bIns="91425" lIns="91425" spcFirstLastPara="1" rIns="91425" wrap="square" tIns="91425">
+            <a:spAutoFit/>
+          </a:bodyPr>
+          <a:lstStyle/>
+          <a:p>
+            <a:pPr indent="0" lvl="0" marL="0" rtl="0" algn="ctr">
+              <a:lnSpc>
+                <a:spcPct val="115000"/>
+              </a:lnSpc>
+              <a:spcBef>
+                <a:spcPts val="0"/>
+              </a:spcBef>
+              <a:spcAft>
+                <a:spcPts val="0"/>
+              </a:spcAft>
+              <a:buNone/>
+            </a:pPr>
+            <a:r>
+              <a:rPr lang="en" sz="1300">
+                <a:solidFill>
+                  <a:schemeClr val="dk1"/>
+                </a:solidFill>
+              </a:rPr>
+              <a:t>H</a:t>
+            </a:r>
+            <a:r>
+              <a:rPr lang="en" sz="1300">
+                <a:solidFill>
+                  <a:schemeClr val="dk1"/>
+                </a:solidFill>
+              </a:rPr>
+              <a:t>as one of the longest runs. </a:t>
+            </a:r>
+            <a:endParaRPr sz="1300">
+              <a:solidFill>
+                <a:schemeClr val="dk1"/>
+              </a:solidFill>
+            </a:endParaRPr>
+          </a:p>
+        </p:txBody>
+      </p:sp>
+      <p:pic>
+        <p:nvPicPr>
+          <p:cNvPr id="92" name="Google Shape;92;p18"/>
+          <p:cNvPicPr preferRelativeResize="0"/>
+          <p:nvPr/>
+        </p:nvPicPr>
+        <p:blipFill>
+          <a:blip r:embed="rId6">
+            <a:alphaModFix/>
+          </a:blip>
+          <a:stretch>
+            <a:fillRect/>
+          </a:stretch>
+        </p:blipFill>
+        <p:spPr>
+          <a:xfrm>
+            <a:off x="1335825" y="2992612"/>
+            <a:ext cx="3051501" cy="1652573"/>
+          </a:xfrm>
+          <a:prstGeom prst="rect">
+            <a:avLst/>
+          </a:prstGeom>
+          <a:noFill/>
+          <a:ln>
+            <a:noFill/>
+          </a:ln>
+        </p:spPr>
+      </p:pic>
+      <p:sp>
+        <p:nvSpPr>
+          <p:cNvPr id="93" name="Google Shape;93;p18"/>
+          <p:cNvSpPr txBox="1"/>
+          <p:nvPr/>
+        </p:nvSpPr>
+        <p:spPr>
+          <a:xfrm>
+            <a:off x="603325" y="4703125"/>
+            <a:ext cx="4370400" cy="400200"/>
+          </a:xfrm>
+          <a:prstGeom prst="rect">
+            <a:avLst/>
+          </a:prstGeom>
+          <a:noFill/>
+          <a:ln>
+            <a:noFill/>
+          </a:ln>
+        </p:spPr>
+        <p:txBody>
+          <a:bodyPr anchorCtr="0" anchor="t" bIns="91425" lIns="91425" spcFirstLastPara="1" rIns="91425" wrap="square" tIns="91425">
+            <a:spAutoFit/>
+          </a:bodyPr>
+          <a:lstStyle/>
+          <a:p>
+            <a:pPr indent="0" lvl="0" marL="0" rtl="0" algn="ctr">
+              <a:lnSpc>
+                <a:spcPct val="115000"/>
+              </a:lnSpc>
+              <a:spcBef>
+                <a:spcPts val="0"/>
+              </a:spcBef>
+              <a:spcAft>
+                <a:spcPts val="0"/>
+              </a:spcAft>
+              <a:buNone/>
+            </a:pPr>
+            <a:r>
+              <a:rPr lang="en">
+                <a:solidFill>
+                  <a:schemeClr val="dk1"/>
+                </a:solidFill>
+              </a:rPr>
+              <a:t>C</a:t>
+            </a:r>
+            <a:r>
+              <a:rPr lang="en">
+                <a:solidFill>
+                  <a:schemeClr val="dk1"/>
+                </a:solidFill>
+              </a:rPr>
+              <a:t>ompares well for the number of runs. </a:t>
+            </a:r>
+            <a:endParaRPr>
+              <a:solidFill>
+                <a:schemeClr val="dk1"/>
+              </a:solidFill>
+            </a:endParaRPr>
+          </a:p>
+        </p:txBody>
+      </p:sp>
     </p:spTree>
   </p:cSld>
   <p:clrMapOvr>
@@ -8842,7 +8127,7 @@
     </p:bg>
     <p:spTree>
       <p:nvGrpSpPr>
-        <p:cNvPr id="93" name="Shape 93"/>
+        <p:cNvPr id="97" name="Shape 97"/>
         <p:cNvGrpSpPr/>
         <p:nvPr/>
       </p:nvGrpSpPr>
@@ -8856,7 +8141,7 @@
       </p:grpSpPr>
       <p:sp>
         <p:nvSpPr>
-          <p:cNvPr id="94" name="Google Shape;94;p19"/>
+          <p:cNvPr id="98" name="Google Shape;98;p19"/>
           <p:cNvSpPr txBox="1"/>
           <p:nvPr>
             <p:ph type="title"/>
@@ -8864,7 +8149,7 @@
         </p:nvSpPr>
         <p:spPr>
           <a:xfrm>
-            <a:off x="271025" y="445025"/>
+            <a:off x="216875" y="201375"/>
             <a:ext cx="8520600" cy="572700"/>
           </a:xfrm>
           <a:prstGeom prst="rect">
@@ -8906,7 +8191,7 @@
       </p:sp>
       <p:pic>
         <p:nvPicPr>
-          <p:cNvPr id="95" name="Google Shape;95;p19"/>
+          <p:cNvPr id="99" name="Google Shape;99;p19"/>
           <p:cNvPicPr preferRelativeResize="0"/>
           <p:nvPr/>
         </p:nvPicPr>
@@ -8920,8 +8205,8 @@
         </p:blipFill>
         <p:spPr>
           <a:xfrm>
-            <a:off x="4800350" y="1209705"/>
-            <a:ext cx="3839401" cy="2213200"/>
+            <a:off x="1053850" y="848650"/>
+            <a:ext cx="3026676" cy="1723100"/>
           </a:xfrm>
           <a:prstGeom prst="rect">
             <a:avLst/>
@@ -8934,14 +8219,14 @@
       </p:pic>
       <p:sp>
         <p:nvSpPr>
-          <p:cNvPr id="96" name="Google Shape;96;p19"/>
+          <p:cNvPr id="100" name="Google Shape;100;p19"/>
           <p:cNvSpPr txBox="1"/>
           <p:nvPr/>
         </p:nvSpPr>
         <p:spPr>
           <a:xfrm>
-            <a:off x="4800350" y="3581700"/>
-            <a:ext cx="3710100" cy="1280700"/>
+            <a:off x="248926" y="2503450"/>
+            <a:ext cx="4636500" cy="431100"/>
           </a:xfrm>
           <a:prstGeom prst="rect">
             <a:avLst/>
@@ -8970,14 +8255,62 @@
               <a:buNone/>
             </a:pPr>
             <a:r>
+              <a:rPr lang="en" sz="1200">
+                <a:solidFill>
+                  <a:schemeClr val="dk1"/>
+                </a:solidFill>
+              </a:rPr>
+              <a:t>V</a:t>
+            </a:r>
+            <a:r>
+              <a:rPr lang="en" sz="1200">
+                <a:solidFill>
+                  <a:schemeClr val="dk1"/>
+                </a:solidFill>
+              </a:rPr>
+              <a:t>ery high up </a:t>
+            </a:r>
+            <a:r>
+              <a:rPr lang="en" sz="1200">
+                <a:solidFill>
+                  <a:schemeClr val="dk1"/>
+                </a:solidFill>
+              </a:rPr>
+              <a:t>the league table of</a:t>
+            </a:r>
+            <a:r>
               <a:rPr lang="en" sz="1600">
                 <a:solidFill>
                   <a:schemeClr val="dk1"/>
                 </a:solidFill>
               </a:rPr>
-              <a:t>Big Mountain has one of the longest runs. Although it is just over half the length of the longest, the longer ones are rare.</a:t>
+              <a:t> </a:t>
             </a:r>
-            <a:endParaRPr sz="1600">
+            <a:r>
+              <a:rPr lang="en" sz="1200">
+                <a:solidFill>
+                  <a:schemeClr val="dk1"/>
+                </a:solidFill>
+              </a:rPr>
+              <a:t> </a:t>
+            </a:r>
+            <a:r>
+              <a:rPr lang="en" sz="1200">
+                <a:solidFill>
+                  <a:schemeClr val="dk1"/>
+                </a:solidFill>
+              </a:rPr>
+              <a:t>snowmaking</a:t>
+            </a:r>
+            <a:r>
+              <a:rPr lang="en" sz="1200">
+                <a:solidFill>
+                  <a:schemeClr val="dk1"/>
+                </a:solidFill>
+              </a:rPr>
+              <a:t> area.</a:t>
+            </a:r>
+            <a:endParaRPr sz="1200">
               <a:solidFill>
                 <a:schemeClr val="dk1"/>
               </a:solidFill>
@@ -8987,7 +8320,7 @@
       </p:sp>
       <p:pic>
         <p:nvPicPr>
-          <p:cNvPr id="97" name="Google Shape;97;p19"/>
+          <p:cNvPr id="101" name="Google Shape;101;p19"/>
           <p:cNvPicPr preferRelativeResize="0"/>
           <p:nvPr/>
         </p:nvPicPr>
@@ -9001,8 +8334,8 @@
         </p:blipFill>
         <p:spPr>
           <a:xfrm>
-            <a:off x="412225" y="1209700"/>
-            <a:ext cx="4086700" cy="2213200"/>
+            <a:off x="5087500" y="2934550"/>
+            <a:ext cx="2945376" cy="1654800"/>
           </a:xfrm>
           <a:prstGeom prst="rect">
             <a:avLst/>
@@ -9015,14 +8348,14 @@
       </p:pic>
       <p:sp>
         <p:nvSpPr>
-          <p:cNvPr id="98" name="Google Shape;98;p19"/>
+          <p:cNvPr id="102" name="Google Shape;102;p19"/>
           <p:cNvSpPr txBox="1"/>
           <p:nvPr/>
         </p:nvSpPr>
         <p:spPr>
           <a:xfrm>
-            <a:off x="738675" y="3698000"/>
-            <a:ext cx="3710100" cy="714300"/>
+            <a:off x="4234075" y="4561800"/>
+            <a:ext cx="4430400" cy="581700"/>
           </a:xfrm>
           <a:prstGeom prst="rect">
             <a:avLst/>
@@ -9051,14 +8384,200 @@
               <a:buNone/>
             </a:pPr>
             <a:r>
-              <a:rPr lang="en" sz="1600">
+              <a:rPr lang="en" sz="1200">
                 <a:solidFill>
                   <a:schemeClr val="dk1"/>
                 </a:solidFill>
               </a:rPr>
-              <a:t>Big Mountain compares well for the number of runs. </a:t>
+              <a:t>I</a:t>
             </a:r>
-            <a:endParaRPr sz="1600">
+            <a:r>
+              <a:rPr lang="en" sz="1200">
+                <a:solidFill>
+                  <a:schemeClr val="dk1"/>
+                </a:solidFill>
+              </a:rPr>
+              <a:t>s doing well for vertical drop but there are still quite a few resorts with a greater drops.</a:t>
+            </a:r>
+            <a:endParaRPr sz="1200">
+              <a:solidFill>
+                <a:schemeClr val="dk1"/>
+              </a:solidFill>
+            </a:endParaRPr>
+          </a:p>
+        </p:txBody>
+      </p:sp>
+      <p:pic>
+        <p:nvPicPr>
+          <p:cNvPr id="103" name="Google Shape;103;p19"/>
+          <p:cNvPicPr preferRelativeResize="0"/>
+          <p:nvPr/>
+        </p:nvPicPr>
+        <p:blipFill>
+          <a:blip r:embed="rId5">
+            <a:alphaModFix/>
+          </a:blip>
+          <a:stretch>
+            <a:fillRect/>
+          </a:stretch>
+        </p:blipFill>
+        <p:spPr>
+          <a:xfrm>
+            <a:off x="1053838" y="2895938"/>
+            <a:ext cx="3026674" cy="1732018"/>
+          </a:xfrm>
+          <a:prstGeom prst="rect">
+            <a:avLst/>
+          </a:prstGeom>
+          <a:noFill/>
+          <a:ln>
+            <a:noFill/>
+          </a:ln>
+        </p:spPr>
+      </p:pic>
+      <p:sp>
+        <p:nvSpPr>
+          <p:cNvPr id="104" name="Google Shape;104;p19"/>
+          <p:cNvSpPr txBox="1"/>
+          <p:nvPr/>
+        </p:nvSpPr>
+        <p:spPr>
+          <a:xfrm>
+            <a:off x="354475" y="4561800"/>
+            <a:ext cx="3932100" cy="581700"/>
+          </a:xfrm>
+          <a:prstGeom prst="rect">
+            <a:avLst/>
+          </a:prstGeom>
+          <a:noFill/>
+          <a:ln>
+            <a:noFill/>
+          </a:ln>
+        </p:spPr>
+        <p:txBody>
+          <a:bodyPr anchorCtr="0" anchor="t" bIns="91425" lIns="91425" spcFirstLastPara="1" rIns="91425" wrap="square" tIns="91425">
+            <a:spAutoFit/>
+          </a:bodyPr>
+          <a:lstStyle/>
+          <a:p>
+            <a:pPr indent="0" lvl="0" marL="0" rtl="0" algn="ctr">
+              <a:lnSpc>
+                <a:spcPct val="115000"/>
+              </a:lnSpc>
+              <a:spcBef>
+                <a:spcPts val="0"/>
+              </a:spcBef>
+              <a:spcAft>
+                <a:spcPts val="0"/>
+              </a:spcAft>
+              <a:buNone/>
+            </a:pPr>
+            <a:r>
+              <a:rPr lang="en" sz="1200">
+                <a:solidFill>
+                  <a:schemeClr val="dk1"/>
+                </a:solidFill>
+              </a:rPr>
+              <a:t>H</a:t>
+            </a:r>
+            <a:r>
+              <a:rPr lang="en" sz="1200">
+                <a:solidFill>
+                  <a:schemeClr val="dk1"/>
+                </a:solidFill>
+              </a:rPr>
+              <a:t>as amongst the highest number of total chairs, resorts with more appear to be outliers.</a:t>
+            </a:r>
+            <a:endParaRPr sz="1200">
+              <a:solidFill>
+                <a:schemeClr val="dk1"/>
+              </a:solidFill>
+            </a:endParaRPr>
+          </a:p>
+        </p:txBody>
+      </p:sp>
+      <p:pic>
+        <p:nvPicPr>
+          <p:cNvPr id="105" name="Google Shape;105;p19"/>
+          <p:cNvPicPr preferRelativeResize="0"/>
+          <p:nvPr/>
+        </p:nvPicPr>
+        <p:blipFill>
+          <a:blip r:embed="rId6">
+            <a:alphaModFix/>
+          </a:blip>
+          <a:stretch>
+            <a:fillRect/>
+          </a:stretch>
+        </p:blipFill>
+        <p:spPr>
+          <a:xfrm>
+            <a:off x="5087500" y="848650"/>
+            <a:ext cx="2849972" cy="1654800"/>
+          </a:xfrm>
+          <a:prstGeom prst="rect">
+            <a:avLst/>
+          </a:prstGeom>
+          <a:noFill/>
+          <a:ln>
+            <a:noFill/>
+          </a:ln>
+        </p:spPr>
+      </p:pic>
+      <p:sp>
+        <p:nvSpPr>
+          <p:cNvPr id="106" name="Google Shape;106;p19"/>
+          <p:cNvSpPr txBox="1"/>
+          <p:nvPr/>
+        </p:nvSpPr>
+        <p:spPr>
+          <a:xfrm>
+            <a:off x="4645350" y="2597638"/>
+            <a:ext cx="3932100" cy="369300"/>
+          </a:xfrm>
+          <a:prstGeom prst="rect">
+            <a:avLst/>
+          </a:prstGeom>
+          <a:noFill/>
+          <a:ln>
+            <a:noFill/>
+          </a:ln>
+        </p:spPr>
+        <p:txBody>
+          <a:bodyPr anchorCtr="0" anchor="t" bIns="91425" lIns="91425" spcFirstLastPara="1" rIns="91425" wrap="square" tIns="91425">
+            <a:spAutoFit/>
+          </a:bodyPr>
+          <a:lstStyle/>
+          <a:p>
+            <a:pPr indent="0" lvl="0" marL="0" rtl="0" algn="ctr">
+              <a:lnSpc>
+                <a:spcPct val="115000"/>
+              </a:lnSpc>
+              <a:spcBef>
+                <a:spcPts val="0"/>
+              </a:spcBef>
+              <a:spcAft>
+                <a:spcPts val="0"/>
+              </a:spcAft>
+              <a:buNone/>
+            </a:pPr>
+            <a:r>
+              <a:rPr lang="en" sz="1200">
+                <a:solidFill>
+                  <a:schemeClr val="dk1"/>
+                </a:solidFill>
+              </a:rPr>
+              <a:t>H</a:t>
+            </a:r>
+            <a:r>
+              <a:rPr lang="en" sz="1200">
+                <a:solidFill>
+                  <a:schemeClr val="dk1"/>
+                </a:solidFill>
+              </a:rPr>
+              <a:t>as 3 quads, which puts it high up that league table. </a:t>
+            </a:r>
+            <a:endParaRPr sz="1200">
               <a:solidFill>
                 <a:schemeClr val="dk1"/>
               </a:solidFill>
@@ -9086,7 +8605,7 @@
     </p:bg>
     <p:spTree>
       <p:nvGrpSpPr>
-        <p:cNvPr id="102" name="Shape 102"/>
+        <p:cNvPr id="110" name="Shape 110"/>
         <p:cNvGrpSpPr/>
         <p:nvPr/>
       </p:nvGrpSpPr>
@@ -9100,7 +8619,7 @@
       </p:grpSpPr>
       <p:sp>
         <p:nvSpPr>
-          <p:cNvPr id="103" name="Google Shape;103;p20"/>
+          <p:cNvPr id="111" name="Google Shape;111;p20"/>
           <p:cNvSpPr txBox="1"/>
           <p:nvPr>
             <p:ph type="title"/>
@@ -9108,7 +8627,7 @@
         </p:nvSpPr>
         <p:spPr>
           <a:xfrm>
-            <a:off x="271025" y="445025"/>
+            <a:off x="311700" y="445025"/>
             <a:ext cx="8520600" cy="572700"/>
           </a:xfrm>
           <a:prstGeom prst="rect">
@@ -9137,223 +8656,24 @@
                 <a:cs typeface="Oswald"/>
                 <a:sym typeface="Oswald"/>
               </a:rPr>
-              <a:t>Big Mountain Ticket Price comparison in market</a:t>
+              <a:t>Conclusion</a:t>
             </a:r>
-            <a:endParaRPr b="1">
-              <a:latin typeface="Oswald"/>
-              <a:ea typeface="Oswald"/>
-              <a:cs typeface="Oswald"/>
-              <a:sym typeface="Oswald"/>
-            </a:endParaRPr>
+            <a:endParaRPr/>
           </a:p>
         </p:txBody>
       </p:sp>
-      <p:pic>
-        <p:nvPicPr>
-          <p:cNvPr id="104" name="Google Shape;104;p20"/>
-          <p:cNvPicPr preferRelativeResize="0"/>
-          <p:nvPr/>
-        </p:nvPicPr>
-        <p:blipFill>
-          <a:blip r:embed="rId3">
-            <a:alphaModFix/>
-          </a:blip>
-          <a:stretch>
-            <a:fillRect/>
-          </a:stretch>
-        </p:blipFill>
-        <p:spPr>
-          <a:xfrm>
-            <a:off x="395107" y="1097125"/>
-            <a:ext cx="4212999" cy="2356257"/>
-          </a:xfrm>
-          <a:prstGeom prst="rect">
-            <a:avLst/>
-          </a:prstGeom>
-          <a:noFill/>
-          <a:ln>
-            <a:noFill/>
-          </a:ln>
-        </p:spPr>
-      </p:pic>
       <p:sp>
         <p:nvSpPr>
-          <p:cNvPr id="105" name="Google Shape;105;p20"/>
-          <p:cNvSpPr txBox="1"/>
-          <p:nvPr/>
-        </p:nvSpPr>
-        <p:spPr>
-          <a:xfrm>
-            <a:off x="433150" y="3532775"/>
-            <a:ext cx="4138800" cy="780300"/>
-          </a:xfrm>
-          <a:prstGeom prst="rect">
-            <a:avLst/>
-          </a:prstGeom>
-          <a:noFill/>
-          <a:ln>
-            <a:noFill/>
-          </a:ln>
-        </p:spPr>
-        <p:txBody>
-          <a:bodyPr anchorCtr="0" anchor="t" bIns="91425" lIns="91425" spcFirstLastPara="1" rIns="91425" wrap="square" tIns="91425">
-            <a:spAutoFit/>
-          </a:bodyPr>
-          <a:lstStyle/>
-          <a:p>
-            <a:pPr indent="0" lvl="0" marL="0" rtl="0" algn="ctr">
-              <a:lnSpc>
-                <a:spcPct val="115000"/>
-              </a:lnSpc>
-              <a:spcBef>
-                <a:spcPts val="0"/>
-              </a:spcBef>
-              <a:spcAft>
-                <a:spcPts val="0"/>
-              </a:spcAft>
-              <a:buNone/>
-            </a:pPr>
-            <a:r>
-              <a:rPr lang="en" sz="1800">
-                <a:solidFill>
-                  <a:schemeClr val="dk1"/>
-                </a:solidFill>
-              </a:rPr>
-              <a:t>Big Mountain is very high up the league table of snow making area.</a:t>
-            </a:r>
-            <a:endParaRPr sz="1800">
-              <a:solidFill>
-                <a:schemeClr val="dk1"/>
-              </a:solidFill>
-            </a:endParaRPr>
-          </a:p>
-        </p:txBody>
-      </p:sp>
-      <p:pic>
-        <p:nvPicPr>
-          <p:cNvPr id="106" name="Google Shape;106;p20"/>
-          <p:cNvPicPr preferRelativeResize="0"/>
-          <p:nvPr/>
-        </p:nvPicPr>
-        <p:blipFill>
-          <a:blip r:embed="rId4">
-            <a:alphaModFix/>
-          </a:blip>
-          <a:stretch>
-            <a:fillRect/>
-          </a:stretch>
-        </p:blipFill>
-        <p:spPr>
-          <a:xfrm>
-            <a:off x="4703242" y="1126108"/>
-            <a:ext cx="4294434" cy="2347917"/>
-          </a:xfrm>
-          <a:prstGeom prst="rect">
-            <a:avLst/>
-          </a:prstGeom>
-          <a:noFill/>
-          <a:ln>
-            <a:noFill/>
-          </a:ln>
-        </p:spPr>
-      </p:pic>
-      <p:sp>
-        <p:nvSpPr>
-          <p:cNvPr id="107" name="Google Shape;107;p20"/>
-          <p:cNvSpPr txBox="1"/>
-          <p:nvPr/>
-        </p:nvSpPr>
-        <p:spPr>
-          <a:xfrm>
-            <a:off x="4812213" y="3582400"/>
-            <a:ext cx="3932100" cy="997500"/>
-          </a:xfrm>
-          <a:prstGeom prst="rect">
-            <a:avLst/>
-          </a:prstGeom>
-          <a:noFill/>
-          <a:ln>
-            <a:noFill/>
-          </a:ln>
-        </p:spPr>
-        <p:txBody>
-          <a:bodyPr anchorCtr="0" anchor="t" bIns="91425" lIns="91425" spcFirstLastPara="1" rIns="91425" wrap="square" tIns="91425">
-            <a:spAutoFit/>
-          </a:bodyPr>
-          <a:lstStyle/>
-          <a:p>
-            <a:pPr indent="0" lvl="0" marL="0" rtl="0" algn="ctr">
-              <a:lnSpc>
-                <a:spcPct val="115000"/>
-              </a:lnSpc>
-              <a:spcBef>
-                <a:spcPts val="0"/>
-              </a:spcBef>
-              <a:spcAft>
-                <a:spcPts val="0"/>
-              </a:spcAft>
-              <a:buNone/>
-            </a:pPr>
-            <a:r>
-              <a:rPr lang="en" sz="1600">
-                <a:solidFill>
-                  <a:schemeClr val="dk1"/>
-                </a:solidFill>
-              </a:rPr>
-              <a:t>Big Mountain is doing well for vertical drop but there are still quite a few resorts with a greater drops.</a:t>
-            </a:r>
-            <a:endParaRPr sz="1600">
-              <a:solidFill>
-                <a:schemeClr val="dk1"/>
-              </a:solidFill>
-            </a:endParaRPr>
-          </a:p>
-        </p:txBody>
-      </p:sp>
-    </p:spTree>
-  </p:cSld>
-  <p:clrMapOvr>
-    <a:masterClrMapping/>
-  </p:clrMapOvr>
-</p:sld>
-</file>
-
-<file path=ppt/slides/slide9.xml><?xml version="1.0" encoding="utf-8"?>
-<p:sld xmlns:a="http://schemas.openxmlformats.org/drawingml/2006/main" xmlns:r="http://schemas.openxmlformats.org/officeDocument/2006/relationships" xmlns:mc="http://schemas.openxmlformats.org/markup-compatibility/2006" xmlns:mv="urn:schemas-microsoft-com:mac:vml" xmlns:p="http://schemas.openxmlformats.org/presentationml/2006/main" xmlns:c="http://schemas.openxmlformats.org/drawingml/2006/chart" xmlns:dgm="http://schemas.openxmlformats.org/drawingml/2006/diagram" xmlns:o="urn:schemas-microsoft-com:office:office" xmlns:v="urn:schemas-microsoft-com:vml" xmlns:pvml="urn:schemas-microsoft-com:office:powerpoint" xmlns:com="http://schemas.openxmlformats.org/drawingml/2006/compatibility" xmlns:p14="http://schemas.microsoft.com/office/powerpoint/2010/main" xmlns:p15="http://schemas.microsoft.com/office/powerpoint/2012/main" xmlns:ahyp="http://schemas.microsoft.com/office/drawing/2018/hyperlinkcolor">
-  <p:cSld>
-    <p:bg>
-      <p:bgPr>
-        <a:solidFill>
-          <a:srgbClr val="CCCCCC"/>
-        </a:solidFill>
-      </p:bgPr>
-    </p:bg>
-    <p:spTree>
-      <p:nvGrpSpPr>
-        <p:cNvPr id="111" name="Shape 111"/>
-        <p:cNvGrpSpPr/>
-        <p:nvPr/>
-      </p:nvGrpSpPr>
-      <p:grpSpPr>
-        <a:xfrm>
-          <a:off x="0" y="0"/>
-          <a:ext cx="0" cy="0"/>
-          <a:chOff x="0" y="0"/>
-          <a:chExt cx="0" cy="0"/>
-        </a:xfrm>
-      </p:grpSpPr>
-      <p:sp>
-        <p:nvSpPr>
-          <p:cNvPr id="112" name="Google Shape;112;p21"/>
+          <p:cNvPr id="112" name="Google Shape;112;p20"/>
           <p:cNvSpPr txBox="1"/>
           <p:nvPr>
-            <p:ph type="title"/>
+            <p:ph idx="1" type="body"/>
           </p:nvPr>
         </p:nvSpPr>
         <p:spPr>
           <a:xfrm>
-            <a:off x="271025" y="445025"/>
-            <a:ext cx="8520600" cy="572700"/>
+            <a:off x="311700" y="1152475"/>
+            <a:ext cx="8520600" cy="3416400"/>
           </a:xfrm>
           <a:prstGeom prst="rect">
             <a:avLst/>
@@ -9361,91 +8681,11 @@
         </p:spPr>
         <p:txBody>
           <a:bodyPr anchorCtr="0" anchor="t" bIns="91425" lIns="91425" spcFirstLastPara="1" rIns="91425" wrap="square" tIns="91425">
-            <a:normAutofit fontScale="90000"/>
+            <a:normAutofit lnSpcReduction="10000"/>
           </a:bodyPr>
           <a:lstStyle/>
           <a:p>
-            <a:pPr indent="0" lvl="0" marL="0" rtl="0" algn="l">
-              <a:spcBef>
-                <a:spcPts val="0"/>
-              </a:spcBef>
-              <a:spcAft>
-                <a:spcPts val="0"/>
-              </a:spcAft>
-              <a:buNone/>
-            </a:pPr>
-            <a:r>
-              <a:rPr lang="en" sz="3000">
-                <a:latin typeface="Oswald"/>
-                <a:ea typeface="Oswald"/>
-                <a:cs typeface="Oswald"/>
-                <a:sym typeface="Oswald"/>
-              </a:rPr>
-              <a:t>Big Mountain Ticket Price comparison in market</a:t>
-            </a:r>
-            <a:endParaRPr b="1">
-              <a:latin typeface="Oswald"/>
-              <a:ea typeface="Oswald"/>
-              <a:cs typeface="Oswald"/>
-              <a:sym typeface="Oswald"/>
-            </a:endParaRPr>
-          </a:p>
-        </p:txBody>
-      </p:sp>
-      <p:pic>
-        <p:nvPicPr>
-          <p:cNvPr id="113" name="Google Shape;113;p21"/>
-          <p:cNvPicPr preferRelativeResize="0"/>
-          <p:nvPr/>
-        </p:nvPicPr>
-        <p:blipFill>
-          <a:blip r:embed="rId3">
-            <a:alphaModFix/>
-          </a:blip>
-          <a:stretch>
-            <a:fillRect/>
-          </a:stretch>
-        </p:blipFill>
-        <p:spPr>
-          <a:xfrm>
-            <a:off x="354475" y="1142250"/>
-            <a:ext cx="3989724" cy="2283125"/>
-          </a:xfrm>
-          <a:prstGeom prst="rect">
-            <a:avLst/>
-          </a:prstGeom>
-          <a:noFill/>
-          <a:ln>
-            <a:noFill/>
-          </a:ln>
-        </p:spPr>
-      </p:pic>
-      <p:sp>
-        <p:nvSpPr>
-          <p:cNvPr id="114" name="Google Shape;114;p21"/>
-          <p:cNvSpPr txBox="1"/>
-          <p:nvPr/>
-        </p:nvSpPr>
-        <p:spPr>
-          <a:xfrm>
-            <a:off x="354475" y="3549900"/>
-            <a:ext cx="3932100" cy="997500"/>
-          </a:xfrm>
-          <a:prstGeom prst="rect">
-            <a:avLst/>
-          </a:prstGeom>
-          <a:noFill/>
-          <a:ln>
-            <a:noFill/>
-          </a:ln>
-        </p:spPr>
-        <p:txBody>
-          <a:bodyPr anchorCtr="0" anchor="t" bIns="91425" lIns="91425" spcFirstLastPara="1" rIns="91425" wrap="square" tIns="91425">
-            <a:spAutoFit/>
-          </a:bodyPr>
-          <a:lstStyle/>
-          <a:p>
-            <a:pPr indent="0" lvl="0" marL="0" rtl="0" algn="ctr">
+            <a:pPr indent="-311150" lvl="0" marL="457200" rtl="0" algn="l">
               <a:lnSpc>
                 <a:spcPct val="115000"/>
               </a:lnSpc>
@@ -9455,78 +8695,60 @@
               <a:spcAft>
                 <a:spcPts val="0"/>
               </a:spcAft>
-              <a:buNone/>
+              <a:buClr>
+                <a:schemeClr val="dk1"/>
+              </a:buClr>
+              <a:buSzPts val="1300"/>
+              <a:buChar char="●"/>
             </a:pPr>
             <a:r>
-              <a:rPr lang="en" sz="1600">
+              <a:rPr lang="en" sz="1300">
                 <a:solidFill>
                   <a:schemeClr val="dk1"/>
                 </a:solidFill>
               </a:rPr>
-              <a:t>Big Mountain has amongst the highest number of total chairs, resorts with more appear to be outliers.</a:t>
+              <a:t>The model suggests that Big Mountain is underpricing their tickets so the company can probably increase prices marginally ,</a:t>
             </a:r>
-            <a:endParaRPr sz="1600">
+            <a:r>
+              <a:rPr lang="en" sz="1300">
+                <a:solidFill>
+                  <a:schemeClr val="dk1"/>
+                </a:solidFill>
+              </a:rPr>
+              <a:t>on i</a:t>
+            </a:r>
+            <a:r>
+              <a:rPr b="1" lang="en" sz="1300">
+                <a:solidFill>
+                  <a:schemeClr val="dk1"/>
+                </a:solidFill>
+              </a:rPr>
+              <a:t>ncreasing the price</a:t>
+            </a:r>
+            <a:r>
+              <a:rPr lang="en" sz="1300">
+                <a:solidFill>
+                  <a:schemeClr val="dk1"/>
+                </a:solidFill>
+              </a:rPr>
+              <a:t> of their adult weekend tickets by </a:t>
+            </a:r>
+            <a:r>
+              <a:rPr b="1" lang="en" sz="1300">
+                <a:solidFill>
+                  <a:schemeClr val="dk1"/>
+                </a:solidFill>
+              </a:rPr>
+              <a:t>$10 to $15.</a:t>
+            </a:r>
+            <a:endParaRPr b="1" sz="1300">
               <a:solidFill>
                 <a:schemeClr val="dk1"/>
               </a:solidFill>
             </a:endParaRPr>
           </a:p>
-        </p:txBody>
-      </p:sp>
-      <p:pic>
-        <p:nvPicPr>
-          <p:cNvPr id="115" name="Google Shape;115;p21"/>
-          <p:cNvPicPr preferRelativeResize="0"/>
-          <p:nvPr/>
-        </p:nvPicPr>
-        <p:blipFill>
-          <a:blip r:embed="rId4">
-            <a:alphaModFix/>
-          </a:blip>
-          <a:stretch>
-            <a:fillRect/>
-          </a:stretch>
-        </p:blipFill>
-        <p:spPr>
-          <a:xfrm>
-            <a:off x="4496600" y="1170125"/>
-            <a:ext cx="3932100" cy="2283125"/>
-          </a:xfrm>
-          <a:prstGeom prst="rect">
-            <a:avLst/>
-          </a:prstGeom>
-          <a:noFill/>
-          <a:ln>
-            <a:noFill/>
-          </a:ln>
-        </p:spPr>
-      </p:pic>
-      <p:sp>
-        <p:nvSpPr>
-          <p:cNvPr id="116" name="Google Shape;116;p21"/>
-          <p:cNvSpPr txBox="1"/>
-          <p:nvPr/>
-        </p:nvSpPr>
-        <p:spPr>
-          <a:xfrm>
-            <a:off x="4572000" y="3605650"/>
-            <a:ext cx="3932100" cy="714300"/>
-          </a:xfrm>
-          <a:prstGeom prst="rect">
-            <a:avLst/>
-          </a:prstGeom>
-          <a:noFill/>
-          <a:ln>
-            <a:noFill/>
-          </a:ln>
-        </p:spPr>
-        <p:txBody>
-          <a:bodyPr anchorCtr="0" anchor="t" bIns="91425" lIns="91425" spcFirstLastPara="1" rIns="91425" wrap="square" tIns="91425">
-            <a:spAutoFit/>
-          </a:bodyPr>
-          <a:lstStyle/>
           <a:p>
-            <a:pPr indent="0" lvl="0" marL="0" rtl="0" algn="ctr">
+            <a:pPr indent="0" lvl="0" marL="457200" rtl="0" algn="l">
               <a:lnSpc>
                 <a:spcPct val="115000"/>
               </a:lnSpc>
@@ -9539,14 +8761,311 @@
               <a:buNone/>
             </a:pPr>
             <a:r>
-              <a:rPr lang="en" sz="1600">
+              <a:t/>
+            </a:r>
+            <a:endParaRPr sz="1300">
+              <a:solidFill>
+                <a:schemeClr val="dk1"/>
+              </a:solidFill>
+            </a:endParaRPr>
+          </a:p>
+          <a:p>
+            <a:pPr indent="-311150" lvl="0" marL="457200" rtl="0" algn="l">
+              <a:lnSpc>
+                <a:spcPct val="115000"/>
+              </a:lnSpc>
+              <a:spcBef>
+                <a:spcPts val="0"/>
+              </a:spcBef>
+              <a:spcAft>
+                <a:spcPts val="0"/>
+              </a:spcAft>
+              <a:buClr>
+                <a:schemeClr val="dk1"/>
+              </a:buClr>
+              <a:buSzPts val="1300"/>
+              <a:buChar char="●"/>
+            </a:pPr>
+            <a:r>
+              <a:rPr lang="en" sz="1300">
                 <a:solidFill>
                   <a:schemeClr val="dk1"/>
                 </a:solidFill>
               </a:rPr>
-              <a:t>Big Mountain has 3 quads, which puts it high up that league table. </a:t>
+              <a:t>Increase the vertical drop by adding a run to a point 150 feet lower down but requiring the installation of an additional chair lift to bring skiers back up, without additional snow making coverage </a:t>
             </a:r>
-            <a:endParaRPr sz="1600">
+            <a:endParaRPr sz="1300">
+              <a:solidFill>
+                <a:schemeClr val="dk1"/>
+              </a:solidFill>
+            </a:endParaRPr>
+          </a:p>
+          <a:p>
+            <a:pPr indent="0" lvl="0" marL="457200" rtl="0" algn="l">
+              <a:lnSpc>
+                <a:spcPct val="115000"/>
+              </a:lnSpc>
+              <a:spcBef>
+                <a:spcPts val="0"/>
+              </a:spcBef>
+              <a:spcAft>
+                <a:spcPts val="0"/>
+              </a:spcAft>
+              <a:buNone/>
+            </a:pPr>
+            <a:r>
+              <a:t/>
+            </a:r>
+            <a:endParaRPr sz="1300">
+              <a:solidFill>
+                <a:schemeClr val="dk1"/>
+              </a:solidFill>
+            </a:endParaRPr>
+          </a:p>
+          <a:p>
+            <a:pPr indent="-311150" lvl="0" marL="457200" rtl="0" algn="l">
+              <a:lnSpc>
+                <a:spcPct val="115000"/>
+              </a:lnSpc>
+              <a:spcBef>
+                <a:spcPts val="0"/>
+              </a:spcBef>
+              <a:spcAft>
+                <a:spcPts val="0"/>
+              </a:spcAft>
+              <a:buClr>
+                <a:schemeClr val="dk1"/>
+              </a:buClr>
+              <a:buSzPts val="1300"/>
+              <a:buChar char="●"/>
+            </a:pPr>
+            <a:r>
+              <a:rPr lang="en" sz="1300">
+                <a:solidFill>
+                  <a:schemeClr val="dk1"/>
+                </a:solidFill>
+              </a:rPr>
+              <a:t>Big Mountain keeps the old price for weekdays, and adopts an increased price for weekends.</a:t>
+            </a:r>
+            <a:endParaRPr sz="1300">
+              <a:solidFill>
+                <a:schemeClr val="dk1"/>
+              </a:solidFill>
+            </a:endParaRPr>
+          </a:p>
+          <a:p>
+            <a:pPr indent="-311150" lvl="0" marL="457200" rtl="0" algn="l">
+              <a:lnSpc>
+                <a:spcPct val="115000"/>
+              </a:lnSpc>
+              <a:spcBef>
+                <a:spcPts val="0"/>
+              </a:spcBef>
+              <a:spcAft>
+                <a:spcPts val="0"/>
+              </a:spcAft>
+              <a:buClr>
+                <a:schemeClr val="dk1"/>
+              </a:buClr>
+              <a:buSzPts val="1300"/>
+              <a:buChar char="●"/>
+            </a:pPr>
+            <a:r>
+              <a:rPr lang="en" sz="1312">
+                <a:solidFill>
+                  <a:schemeClr val="dk1"/>
+                </a:solidFill>
+              </a:rPr>
+              <a:t>The best scenario where we managed to gain the highest revenue increase possible was by  -</a:t>
+            </a:r>
+            <a:endParaRPr sz="1312">
+              <a:solidFill>
+                <a:schemeClr val="dk1"/>
+              </a:solidFill>
+            </a:endParaRPr>
+          </a:p>
+          <a:p>
+            <a:pPr indent="-311969" lvl="0" marL="914400" rtl="0" algn="just">
+              <a:spcBef>
+                <a:spcPts val="0"/>
+              </a:spcBef>
+              <a:spcAft>
+                <a:spcPts val="0"/>
+              </a:spcAft>
+              <a:buClr>
+                <a:schemeClr val="dk1"/>
+              </a:buClr>
+              <a:buSzPts val="1313"/>
+              <a:buChar char="●"/>
+            </a:pPr>
+            <a:r>
+              <a:rPr b="1" lang="en" sz="1312">
+                <a:solidFill>
+                  <a:schemeClr val="dk1"/>
+                </a:solidFill>
+              </a:rPr>
+              <a:t>adding one run</a:t>
+            </a:r>
+            <a:endParaRPr b="1" sz="1312">
+              <a:solidFill>
+                <a:schemeClr val="dk1"/>
+              </a:solidFill>
+            </a:endParaRPr>
+          </a:p>
+          <a:p>
+            <a:pPr indent="-311969" lvl="0" marL="914400" rtl="0" algn="just">
+              <a:spcBef>
+                <a:spcPts val="0"/>
+              </a:spcBef>
+              <a:spcAft>
+                <a:spcPts val="0"/>
+              </a:spcAft>
+              <a:buClr>
+                <a:schemeClr val="dk1"/>
+              </a:buClr>
+              <a:buSzPts val="1313"/>
+              <a:buChar char="●"/>
+            </a:pPr>
+            <a:r>
+              <a:rPr b="1" lang="en" sz="1312">
+                <a:solidFill>
+                  <a:schemeClr val="dk1"/>
+                </a:solidFill>
+              </a:rPr>
+              <a:t>increasing the vertical drop by 150 ft</a:t>
+            </a:r>
+            <a:endParaRPr b="1" sz="1312">
+              <a:solidFill>
+                <a:schemeClr val="dk1"/>
+              </a:solidFill>
+            </a:endParaRPr>
+          </a:p>
+          <a:p>
+            <a:pPr indent="-311969" lvl="0" marL="914400" rtl="0" algn="just">
+              <a:spcBef>
+                <a:spcPts val="0"/>
+              </a:spcBef>
+              <a:spcAft>
+                <a:spcPts val="0"/>
+              </a:spcAft>
+              <a:buClr>
+                <a:schemeClr val="dk1"/>
+              </a:buClr>
+              <a:buSzPts val="1313"/>
+              <a:buChar char="●"/>
+            </a:pPr>
+            <a:r>
+              <a:rPr b="1" lang="en" sz="1312">
+                <a:solidFill>
+                  <a:schemeClr val="dk1"/>
+                </a:solidFill>
+              </a:rPr>
+              <a:t>2 acres of snow making cover</a:t>
+            </a:r>
+            <a:endParaRPr b="1" sz="1312">
+              <a:solidFill>
+                <a:schemeClr val="dk1"/>
+              </a:solidFill>
+            </a:endParaRPr>
+          </a:p>
+          <a:p>
+            <a:pPr indent="-311969" lvl="0" marL="914400" rtl="0" algn="just">
+              <a:spcBef>
+                <a:spcPts val="0"/>
+              </a:spcBef>
+              <a:spcAft>
+                <a:spcPts val="0"/>
+              </a:spcAft>
+              <a:buClr>
+                <a:schemeClr val="dk1"/>
+              </a:buClr>
+              <a:buSzPts val="1313"/>
+              <a:buChar char="●"/>
+            </a:pPr>
+            <a:r>
+              <a:rPr b="1" lang="en" sz="1312">
+                <a:solidFill>
+                  <a:schemeClr val="dk1"/>
+                </a:solidFill>
+              </a:rPr>
+              <a:t>adding one Chair Lift</a:t>
+            </a:r>
+            <a:endParaRPr b="1" sz="1312">
+              <a:solidFill>
+                <a:schemeClr val="dk1"/>
+              </a:solidFill>
+            </a:endParaRPr>
+          </a:p>
+          <a:p>
+            <a:pPr indent="0" lvl="0" marL="457200" rtl="0" algn="just">
+              <a:spcBef>
+                <a:spcPts val="0"/>
+              </a:spcBef>
+              <a:spcAft>
+                <a:spcPts val="0"/>
+              </a:spcAft>
+              <a:buNone/>
+            </a:pPr>
+            <a:r>
+              <a:t/>
+            </a:r>
+            <a:endParaRPr sz="1312">
+              <a:solidFill>
+                <a:schemeClr val="dk1"/>
+              </a:solidFill>
+            </a:endParaRPr>
+          </a:p>
+          <a:p>
+            <a:pPr indent="0" lvl="0" marL="457200" rtl="0" algn="just">
+              <a:spcBef>
+                <a:spcPts val="0"/>
+              </a:spcBef>
+              <a:spcAft>
+                <a:spcPts val="0"/>
+              </a:spcAft>
+              <a:buNone/>
+            </a:pPr>
+            <a:r>
+              <a:rPr lang="en" sz="1312">
+                <a:solidFill>
+                  <a:schemeClr val="dk1"/>
+                </a:solidFill>
+              </a:rPr>
+              <a:t>This scenario has increased ticket price by 12% from </a:t>
+            </a:r>
+            <a:r>
+              <a:rPr b="1" lang="en" sz="1312">
+                <a:solidFill>
+                  <a:schemeClr val="dk1"/>
+                </a:solidFill>
+              </a:rPr>
+              <a:t>$81 to $94.66</a:t>
+            </a:r>
+            <a:r>
+              <a:rPr lang="en" sz="1312">
+                <a:solidFill>
+                  <a:schemeClr val="dk1"/>
+                </a:solidFill>
+              </a:rPr>
+              <a:t>, resulting in a bottom-line increase by </a:t>
+            </a:r>
+            <a:r>
+              <a:rPr b="1" lang="en" sz="1312">
+                <a:solidFill>
+                  <a:schemeClr val="dk1"/>
+                </a:solidFill>
+              </a:rPr>
+              <a:t>$15,528,841</a:t>
+            </a:r>
+            <a:r>
+              <a:rPr lang="en" sz="1312">
+                <a:solidFill>
+                  <a:schemeClr val="dk1"/>
+                </a:solidFill>
+              </a:rPr>
+              <a:t> (After deducting operating costs = $1.54M).</a:t>
+            </a:r>
+            <a:endParaRPr sz="812">
               <a:solidFill>
                 <a:schemeClr val="dk1"/>
               </a:solidFill>
@@ -9563,6 +9082,285 @@
 </file>
 
 <file path=ppt/theme/theme1.xml><?xml version="1.0" encoding="utf-8"?>
+<a:theme xmlns:a="http://schemas.openxmlformats.org/drawingml/2006/main" xmlns:r="http://schemas.openxmlformats.org/officeDocument/2006/relationships" name="Simple Light">
+  <a:themeElements>
+    <a:clrScheme name="Simple Light">
+      <a:dk1>
+        <a:srgbClr val="000000"/>
+      </a:dk1>
+      <a:lt1>
+        <a:srgbClr val="FFFFFF"/>
+      </a:lt1>
+      <a:dk2>
+        <a:srgbClr val="595959"/>
+      </a:dk2>
+      <a:lt2>
+        <a:srgbClr val="EEEEEE"/>
+      </a:lt2>
+      <a:accent1>
+        <a:srgbClr val="4285F4"/>
+      </a:accent1>
+      <a:accent2>
+        <a:srgbClr val="212121"/>
+      </a:accent2>
+      <a:accent3>
+        <a:srgbClr val="78909C"/>
+      </a:accent3>
+      <a:accent4>
+        <a:srgbClr val="FFAB40"/>
+      </a:accent4>
+      <a:accent5>
+        <a:srgbClr val="0097A7"/>
+      </a:accent5>
+      <a:accent6>
+        <a:srgbClr val="EEFF41"/>
+      </a:accent6>
+      <a:hlink>
+        <a:srgbClr val="0097A7"/>
+      </a:hlink>
+      <a:folHlink>
+        <a:srgbClr val="0097A7"/>
+      </a:folHlink>
+    </a:clrScheme>
+    <a:fontScheme name="Office">
+      <a:majorFont>
+        <a:latin typeface="Arial"/>
+        <a:ea typeface=""/>
+        <a:cs typeface=""/>
+        <a:font script="Jpan" typeface="ＭＳ Ｐゴシック"/>
+        <a:font script="Hang" typeface="맑은 고딕"/>
+        <a:font script="Hans" typeface="宋体"/>
+        <a:font script="Hant" typeface="新細明體"/>
+        <a:font script="Arab" typeface="Times New Roman"/>
+        <a:font script="Hebr" typeface="Times New Roman"/>
+        <a:font script="Thai" typeface="Angsana New"/>
+        <a:font script="Ethi" typeface="Nyala"/>
+        <a:font script="Beng" typeface="Vrinda"/>
+        <a:font script="Gujr" typeface="Shruti"/>
+        <a:font script="Khmr" typeface="MoolBoran"/>
+        <a:font script="Knda" typeface="Tunga"/>
+        <a:font script="Guru" typeface="Raavi"/>
+        <a:font script="Cans" typeface="Euphemia"/>
+        <a:font script="Cher" typeface="Plantagenet Cherokee"/>
+        <a:font script="Yiii" typeface="Microsoft Yi Baiti"/>
+        <a:font script="Tibt" typeface="Microsoft Himalaya"/>
+        <a:font script="Thaa" typeface="MV Boli"/>
+        <a:font script="Deva" typeface="Mangal"/>
+        <a:font script="Telu" typeface="Gautami"/>
+        <a:font script="Taml" typeface="Latha"/>
+        <a:font script="Syrc" typeface="Estrangelo Edessa"/>
+        <a:font script="Orya" typeface="Kalinga"/>
+        <a:font script="Mlym" typeface="Kartika"/>
+        <a:font script="Laoo" typeface="DokChampa"/>
+        <a:font script="Sinh" typeface="Iskoola Pota"/>
+        <a:font script="Mong" typeface="Mongolian Baiti"/>
+        <a:font script="Viet" typeface="Times New Roman"/>
+        <a:font script="Uigh" typeface="Microsoft Uighur"/>
+        <a:font script="Geor" typeface="Sylfaen"/>
+      </a:majorFont>
+      <a:minorFont>
+        <a:latin typeface="Arial"/>
+        <a:ea typeface=""/>
+        <a:cs typeface=""/>
+        <a:font script="Jpan" typeface="ＭＳ Ｐゴシック"/>
+        <a:font script="Hang" typeface="맑은 고딕"/>
+        <a:font script="Hans" typeface="宋体"/>
+        <a:font script="Hant" typeface="新細明體"/>
+        <a:font script="Arab" typeface="Arial"/>
+        <a:font script="Hebr" typeface="Arial"/>
+        <a:font script="Thai" typeface="Cordia New"/>
+        <a:font script="Ethi" typeface="Nyala"/>
+        <a:font script="Beng" typeface="Vrinda"/>
+        <a:font script="Gujr" typeface="Shruti"/>
+        <a:font script="Khmr" typeface="DaunPenh"/>
+        <a:font script="Knda" typeface="Tunga"/>
+        <a:font script="Guru" typeface="Raavi"/>
+        <a:font script="Cans" typeface="Euphemia"/>
+        <a:font script="Cher" typeface="Plantagenet Cherokee"/>
+        <a:font script="Yiii" typeface="Microsoft Yi Baiti"/>
+        <a:font script="Tibt" typeface="Microsoft Himalaya"/>
+        <a:font script="Thaa" typeface="MV Boli"/>
+        <a:font script="Deva" typeface="Mangal"/>
+        <a:font script="Telu" typeface="Gautami"/>
+        <a:font script="Taml" typeface="Latha"/>
+        <a:font script="Syrc" typeface="Estrangelo Edessa"/>
+        <a:font script="Orya" typeface="Kalinga"/>
+        <a:font script="Mlym" typeface="Kartika"/>
+        <a:font script="Laoo" typeface="DokChampa"/>
+        <a:font script="Sinh" typeface="Iskoola Pota"/>
+        <a:font script="Mong" typeface="Mongolian Baiti"/>
+        <a:font script="Viet" typeface="Arial"/>
+        <a:font script="Uigh" typeface="Microsoft Uighur"/>
+        <a:font script="Geor" typeface="Sylfaen"/>
+      </a:minorFont>
+    </a:fontScheme>
+    <a:fmtScheme name="Office">
+      <a:fillStyleLst>
+        <a:solidFill>
+          <a:schemeClr val="phClr"/>
+        </a:solidFill>
+        <a:gradFill rotWithShape="1">
+          <a:gsLst>
+            <a:gs pos="0">
+              <a:schemeClr val="phClr">
+                <a:tint val="50000"/>
+                <a:satMod val="300000"/>
+              </a:schemeClr>
+            </a:gs>
+            <a:gs pos="35000">
+              <a:schemeClr val="phClr">
+                <a:tint val="37000"/>
+                <a:satMod val="300000"/>
+              </a:schemeClr>
+            </a:gs>
+            <a:gs pos="100000">
+              <a:schemeClr val="phClr">
+                <a:tint val="15000"/>
+                <a:satMod val="350000"/>
+              </a:schemeClr>
+            </a:gs>
+          </a:gsLst>
+          <a:lin ang="16200000" scaled="1"/>
+        </a:gradFill>
+        <a:gradFill rotWithShape="1">
+          <a:gsLst>
+            <a:gs pos="0">
+              <a:schemeClr val="phClr">
+                <a:tint val="100000"/>
+                <a:shade val="100000"/>
+                <a:satMod val="130000"/>
+              </a:schemeClr>
+            </a:gs>
+            <a:gs pos="100000">
+              <a:schemeClr val="phClr">
+                <a:tint val="50000"/>
+                <a:shade val="100000"/>
+                <a:satMod val="350000"/>
+              </a:schemeClr>
+            </a:gs>
+          </a:gsLst>
+          <a:lin ang="16200000" scaled="0"/>
+        </a:gradFill>
+      </a:fillStyleLst>
+      <a:lnStyleLst>
+        <a:ln w="9525" cap="flat" cmpd="sng" algn="ctr">
+          <a:solidFill>
+            <a:schemeClr val="phClr">
+              <a:shade val="95000"/>
+              <a:satMod val="105000"/>
+            </a:schemeClr>
+          </a:solidFill>
+          <a:prstDash val="solid"/>
+        </a:ln>
+        <a:ln w="25400" cap="flat" cmpd="sng" algn="ctr">
+          <a:solidFill>
+            <a:schemeClr val="phClr"/>
+          </a:solidFill>
+          <a:prstDash val="solid"/>
+        </a:ln>
+        <a:ln w="38100" cap="flat" cmpd="sng" algn="ctr">
+          <a:solidFill>
+            <a:schemeClr val="phClr"/>
+          </a:solidFill>
+          <a:prstDash val="solid"/>
+        </a:ln>
+      </a:lnStyleLst>
+      <a:effectStyleLst>
+        <a:effectStyle>
+          <a:effectLst>
+            <a:outerShdw blurRad="40000" dist="20000" dir="5400000" rotWithShape="0">
+              <a:srgbClr val="000000">
+                <a:alpha val="38000"/>
+              </a:srgbClr>
+            </a:outerShdw>
+          </a:effectLst>
+        </a:effectStyle>
+        <a:effectStyle>
+          <a:effectLst>
+            <a:outerShdw blurRad="40000" dist="23000" dir="5400000" rotWithShape="0">
+              <a:srgbClr val="000000">
+                <a:alpha val="35000"/>
+              </a:srgbClr>
+            </a:outerShdw>
+          </a:effectLst>
+        </a:effectStyle>
+        <a:effectStyle>
+          <a:effectLst>
+            <a:outerShdw blurRad="40000" dist="23000" dir="5400000" rotWithShape="0">
+              <a:srgbClr val="000000">
+                <a:alpha val="35000"/>
+              </a:srgbClr>
+            </a:outerShdw>
+          </a:effectLst>
+          <a:scene3d>
+            <a:camera prst="orthographicFront">
+              <a:rot lat="0" lon="0" rev="0"/>
+            </a:camera>
+            <a:lightRig rig="threePt" dir="t">
+              <a:rot lat="0" lon="0" rev="1200000"/>
+            </a:lightRig>
+          </a:scene3d>
+          <a:sp3d>
+            <a:bevelT w="63500" h="25400"/>
+          </a:sp3d>
+        </a:effectStyle>
+      </a:effectStyleLst>
+      <a:bgFillStyleLst>
+        <a:solidFill>
+          <a:schemeClr val="phClr"/>
+        </a:solidFill>
+        <a:gradFill rotWithShape="1">
+          <a:gsLst>
+            <a:gs pos="0">
+              <a:schemeClr val="phClr">
+                <a:tint val="40000"/>
+                <a:satMod val="350000"/>
+              </a:schemeClr>
+            </a:gs>
+            <a:gs pos="40000">
+              <a:schemeClr val="phClr">
+                <a:tint val="45000"/>
+                <a:shade val="99000"/>
+                <a:satMod val="350000"/>
+              </a:schemeClr>
+            </a:gs>
+            <a:gs pos="100000">
+              <a:schemeClr val="phClr">
+                <a:shade val="20000"/>
+                <a:satMod val="255000"/>
+              </a:schemeClr>
+            </a:gs>
+          </a:gsLst>
+          <a:path path="circle">
+            <a:fillToRect l="50000" t="-80000" r="50000" b="180000"/>
+          </a:path>
+        </a:gradFill>
+        <a:gradFill rotWithShape="1">
+          <a:gsLst>
+            <a:gs pos="0">
+              <a:schemeClr val="phClr">
+                <a:tint val="80000"/>
+                <a:satMod val="300000"/>
+              </a:schemeClr>
+            </a:gs>
+            <a:gs pos="100000">
+              <a:schemeClr val="phClr">
+                <a:shade val="30000"/>
+                <a:satMod val="200000"/>
+              </a:schemeClr>
+            </a:gs>
+          </a:gsLst>
+          <a:path path="circle">
+            <a:fillToRect l="50000" t="50000" r="50000" b="50000"/>
+          </a:path>
+        </a:gradFill>
+      </a:bgFillStyleLst>
+    </a:fmtScheme>
+  </a:themeElements>
+</a:theme>
+</file>
+
+<file path=ppt/theme/theme2.xml><?xml version="1.0" encoding="utf-8"?>
 <a:theme xmlns:a="http://schemas.openxmlformats.org/drawingml/2006/main" xmlns:r="http://schemas.openxmlformats.org/officeDocument/2006/relationships">
   <a:themeElements>
     <a:clrScheme name="Default">
@@ -9839,283 +9637,4 @@
     </a:fmtScheme>
   </a:themeElements>
 </a:theme>
-</file>
-
-<file path=ppt/theme/theme2.xml><?xml version="1.0" encoding="utf-8"?>
-<a:theme xmlns:a="http://schemas.openxmlformats.org/drawingml/2006/main" xmlns:r="http://schemas.openxmlformats.org/officeDocument/2006/relationships" name="Simple Light">
-  <a:themeElements>
-    <a:clrScheme name="Simple Light">
-      <a:dk1>
-        <a:srgbClr val="000000"/>
-      </a:dk1>
-      <a:lt1>
-        <a:srgbClr val="FFFFFF"/>
-      </a:lt1>
-      <a:dk2>
-        <a:srgbClr val="595959"/>
-      </a:dk2>
-      <a:lt2>
-        <a:srgbClr val="EEEEEE"/>
-      </a:lt2>
-      <a:accent1>
-        <a:srgbClr val="4285F4"/>
-      </a:accent1>
-      <a:accent2>
-        <a:srgbClr val="212121"/>
-      </a:accent2>
-      <a:accent3>
-        <a:srgbClr val="78909C"/>
-      </a:accent3>
-      <a:accent4>
-        <a:srgbClr val="FFAB40"/>
-      </a:accent4>
-      <a:accent5>
-        <a:srgbClr val="0097A7"/>
-      </a:accent5>
-      <a:accent6>
-        <a:srgbClr val="EEFF41"/>
-      </a:accent6>
-      <a:hlink>
-        <a:srgbClr val="0097A7"/>
-      </a:hlink>
-      <a:folHlink>
-        <a:srgbClr val="0097A7"/>
-      </a:folHlink>
-    </a:clrScheme>
-    <a:fontScheme name="Office">
-      <a:majorFont>
-        <a:latin typeface="Arial"/>
-        <a:ea typeface=""/>
-        <a:cs typeface=""/>
-        <a:font script="Jpan" typeface="ＭＳ Ｐゴシック"/>
-        <a:font script="Hang" typeface="맑은 고딕"/>
-        <a:font script="Hans" typeface="宋体"/>
-        <a:font script="Hant" typeface="新細明體"/>
-        <a:font script="Arab" typeface="Times New Roman"/>
-        <a:font script="Hebr" typeface="Times New Roman"/>
-        <a:font script="Thai" typeface="Angsana New"/>
-        <a:font script="Ethi" typeface="Nyala"/>
-        <a:font script="Beng" typeface="Vrinda"/>
-        <a:font script="Gujr" typeface="Shruti"/>
-        <a:font script="Khmr" typeface="MoolBoran"/>
-        <a:font script="Knda" typeface="Tunga"/>
-        <a:font script="Guru" typeface="Raavi"/>
-        <a:font script="Cans" typeface="Euphemia"/>
-        <a:font script="Cher" typeface="Plantagenet Cherokee"/>
-        <a:font script="Yiii" typeface="Microsoft Yi Baiti"/>
-        <a:font script="Tibt" typeface="Microsoft Himalaya"/>
-        <a:font script="Thaa" typeface="MV Boli"/>
-        <a:font script="Deva" typeface="Mangal"/>
-        <a:font script="Telu" typeface="Gautami"/>
-        <a:font script="Taml" typeface="Latha"/>
-        <a:font script="Syrc" typeface="Estrangelo Edessa"/>
-        <a:font script="Orya" typeface="Kalinga"/>
-        <a:font script="Mlym" typeface="Kartika"/>
-        <a:font script="Laoo" typeface="DokChampa"/>
-        <a:font script="Sinh" typeface="Iskoola Pota"/>
-        <a:font script="Mong" typeface="Mongolian Baiti"/>
-        <a:font script="Viet" typeface="Times New Roman"/>
-        <a:font script="Uigh" typeface="Microsoft Uighur"/>
-        <a:font script="Geor" typeface="Sylfaen"/>
-      </a:majorFont>
-      <a:minorFont>
-        <a:latin typeface="Arial"/>
-        <a:ea typeface=""/>
-        <a:cs typeface=""/>
-        <a:font script="Jpan" typeface="ＭＳ Ｐゴシック"/>
-        <a:font script="Hang" typeface="맑은 고딕"/>
-        <a:font script="Hans" typeface="宋体"/>
-        <a:font script="Hant" typeface="新細明體"/>
-        <a:font script="Arab" typeface="Arial"/>
-        <a:font script="Hebr" typeface="Arial"/>
-        <a:font script="Thai" typeface="Cordia New"/>
-        <a:font script="Ethi" typeface="Nyala"/>
-        <a:font script="Beng" typeface="Vrinda"/>
-        <a:font script="Gujr" typeface="Shruti"/>
-        <a:font script="Khmr" typeface="DaunPenh"/>
-        <a:font script="Knda" typeface="Tunga"/>
-        <a:font script="Guru" typeface="Raavi"/>
-        <a:font script="Cans" typeface="Euphemia"/>
-        <a:font script="Cher" typeface="Plantagenet Cherokee"/>
-        <a:font script="Yiii" typeface="Microsoft Yi Baiti"/>
-        <a:font script="Tibt" typeface="Microsoft Himalaya"/>
-        <a:font script="Thaa" typeface="MV Boli"/>
-        <a:font script="Deva" typeface="Mangal"/>
-        <a:font script="Telu" typeface="Gautami"/>
-        <a:font script="Taml" typeface="Latha"/>
-        <a:font script="Syrc" typeface="Estrangelo Edessa"/>
-        <a:font script="Orya" typeface="Kalinga"/>
-        <a:font script="Mlym" typeface="Kartika"/>
-        <a:font script="Laoo" typeface="DokChampa"/>
-        <a:font script="Sinh" typeface="Iskoola Pota"/>
-        <a:font script="Mong" typeface="Mongolian Baiti"/>
-        <a:font script="Viet" typeface="Arial"/>
-        <a:font script="Uigh" typeface="Microsoft Uighur"/>
-        <a:font script="Geor" typeface="Sylfaen"/>
-      </a:minorFont>
-    </a:fontScheme>
-    <a:fmtScheme name="Office">
-      <a:fillStyleLst>
-        <a:solidFill>
-          <a:schemeClr val="phClr"/>
-        </a:solidFill>
-        <a:gradFill rotWithShape="1">
-          <a:gsLst>
-            <a:gs pos="0">
-              <a:schemeClr val="phClr">
-                <a:tint val="50000"/>
-                <a:satMod val="300000"/>
-              </a:schemeClr>
-            </a:gs>
-            <a:gs pos="35000">
-              <a:schemeClr val="phClr">
-                <a:tint val="37000"/>
-                <a:satMod val="300000"/>
-              </a:schemeClr>
-            </a:gs>
-            <a:gs pos="100000">
-              <a:schemeClr val="phClr">
-                <a:tint val="15000"/>
-                <a:satMod val="350000"/>
-              </a:schemeClr>
-            </a:gs>
-          </a:gsLst>
-          <a:lin ang="16200000" scaled="1"/>
-        </a:gradFill>
-        <a:gradFill rotWithShape="1">
-          <a:gsLst>
-            <a:gs pos="0">
-              <a:schemeClr val="phClr">
-                <a:tint val="100000"/>
-                <a:shade val="100000"/>
-                <a:satMod val="130000"/>
-              </a:schemeClr>
-            </a:gs>
-            <a:gs pos="100000">
-              <a:schemeClr val="phClr">
-                <a:tint val="50000"/>
-                <a:shade val="100000"/>
-                <a:satMod val="350000"/>
-              </a:schemeClr>
-            </a:gs>
-          </a:gsLst>
-          <a:lin ang="16200000" scaled="0"/>
-        </a:gradFill>
-      </a:fillStyleLst>
-      <a:lnStyleLst>
-        <a:ln w="9525" cap="flat" cmpd="sng" algn="ctr">
-          <a:solidFill>
-            <a:schemeClr val="phClr">
-              <a:shade val="95000"/>
-              <a:satMod val="105000"/>
-            </a:schemeClr>
-          </a:solidFill>
-          <a:prstDash val="solid"/>
-        </a:ln>
-        <a:ln w="25400" cap="flat" cmpd="sng" algn="ctr">
-          <a:solidFill>
-            <a:schemeClr val="phClr"/>
-          </a:solidFill>
-          <a:prstDash val="solid"/>
-        </a:ln>
-        <a:ln w="38100" cap="flat" cmpd="sng" algn="ctr">
-          <a:solidFill>
-            <a:schemeClr val="phClr"/>
-          </a:solidFill>
-          <a:prstDash val="solid"/>
-        </a:ln>
-      </a:lnStyleLst>
-      <a:effectStyleLst>
-        <a:effectStyle>
-          <a:effectLst>
-            <a:outerShdw blurRad="40000" dist="20000" dir="5400000" rotWithShape="0">
-              <a:srgbClr val="000000">
-                <a:alpha val="38000"/>
-              </a:srgbClr>
-            </a:outerShdw>
-          </a:effectLst>
-        </a:effectStyle>
-        <a:effectStyle>
-          <a:effectLst>
-            <a:outerShdw blurRad="40000" dist="23000" dir="5400000" rotWithShape="0">
-              <a:srgbClr val="000000">
-                <a:alpha val="35000"/>
-              </a:srgbClr>
-            </a:outerShdw>
-          </a:effectLst>
-        </a:effectStyle>
-        <a:effectStyle>
-          <a:effectLst>
-            <a:outerShdw blurRad="40000" dist="23000" dir="5400000" rotWithShape="0">
-              <a:srgbClr val="000000">
-                <a:alpha val="35000"/>
-              </a:srgbClr>
-            </a:outerShdw>
-          </a:effectLst>
-          <a:scene3d>
-            <a:camera prst="orthographicFront">
-              <a:rot lat="0" lon="0" rev="0"/>
-            </a:camera>
-            <a:lightRig rig="threePt" dir="t">
-              <a:rot lat="0" lon="0" rev="1200000"/>
-            </a:lightRig>
-          </a:scene3d>
-          <a:sp3d>
-            <a:bevelT w="63500" h="25400"/>
-          </a:sp3d>
-        </a:effectStyle>
-      </a:effectStyleLst>
-      <a:bgFillStyleLst>
-        <a:solidFill>
-          <a:schemeClr val="phClr"/>
-        </a:solidFill>
-        <a:gradFill rotWithShape="1">
-          <a:gsLst>
-            <a:gs pos="0">
-              <a:schemeClr val="phClr">
-                <a:tint val="40000"/>
-                <a:satMod val="350000"/>
-              </a:schemeClr>
-            </a:gs>
-            <a:gs pos="40000">
-              <a:schemeClr val="phClr">
-                <a:tint val="45000"/>
-                <a:shade val="99000"/>
-                <a:satMod val="350000"/>
-              </a:schemeClr>
-            </a:gs>
-            <a:gs pos="100000">
-              <a:schemeClr val="phClr">
-                <a:shade val="20000"/>
-                <a:satMod val="255000"/>
-              </a:schemeClr>
-            </a:gs>
-          </a:gsLst>
-          <a:path path="circle">
-            <a:fillToRect l="50000" t="-80000" r="50000" b="180000"/>
-          </a:path>
-        </a:gradFill>
-        <a:gradFill rotWithShape="1">
-          <a:gsLst>
-            <a:gs pos="0">
-              <a:schemeClr val="phClr">
-                <a:tint val="80000"/>
-                <a:satMod val="300000"/>
-              </a:schemeClr>
-            </a:gs>
-            <a:gs pos="100000">
-              <a:schemeClr val="phClr">
-                <a:shade val="30000"/>
-                <a:satMod val="200000"/>
-              </a:schemeClr>
-            </a:gs>
-          </a:gsLst>
-          <a:path path="circle">
-            <a:fillToRect l="50000" t="50000" r="50000" b="50000"/>
-          </a:path>
-        </a:gradFill>
-      </a:bgFillStyleLst>
-    </a:fmtScheme>
-  </a:themeElements>
-</a:theme>
 </file>